--- a/experiments/QSS1vsDefaultDifferentialEquations.pptx
+++ b/experiments/QSS1vsDefaultDifferentialEquations.pptx
@@ -3346,7 +3346,7 @@
       </p:grpSpPr>
       <p:sp>
         <p:nvSpPr>
-          <p:cNvPr id="2033614704" name="Title 1" hidden="0"/>
+          <p:cNvPr id="1028173348" name="Title 1" hidden="0"/>
           <p:cNvSpPr>
             <a:spLocks noGrp="1"/>
           </p:cNvSpPr>
@@ -3356,8 +3356,8 @@
         </p:nvSpPr>
         <p:spPr bwMode="auto">
           <a:xfrm flipH="0" flipV="0">
-            <a:off x="838199" y="365124"/>
-            <a:ext cx="10515600" cy="691283"/>
+            <a:off x="838198" y="365124"/>
+            <a:ext cx="10515600" cy="702829"/>
           </a:xfrm>
         </p:spPr>
         <p:txBody>
@@ -3368,16 +3368,16 @@
               <a:defRPr/>
             </a:pPr>
             <a:r>
-              <a:rPr sz="2800"/>
-              <a:t>Future tasks</a:t>
-            </a:r>
-            <a:endParaRPr sz="2800"/>
+              <a:rPr/>
+              <a:t>Discussion </a:t>
+            </a:r>
+            <a:endParaRPr/>
           </a:p>
         </p:txBody>
       </p:sp>
       <p:sp>
         <p:nvSpPr>
-          <p:cNvPr id="193761102" name="Content Placeholder 2" hidden="0"/>
+          <p:cNvPr id="1269740521" name="Content Placeholder 2" hidden="0"/>
           <p:cNvSpPr>
             <a:spLocks noGrp="1"/>
           </p:cNvSpPr>
@@ -3386,13 +3386,15 @@
           </p:nvPr>
         </p:nvSpPr>
         <p:spPr bwMode="auto">
-          <a:xfrm>
-            <a:off x="838199" y="1600488"/>
-            <a:ext cx="10515600" cy="4351338"/>
+          <a:xfrm flipH="0" flipV="0">
+            <a:off x="838198" y="1327727"/>
+            <a:ext cx="10515600" cy="4849235"/>
           </a:xfrm>
         </p:spPr>
         <p:txBody>
-          <a:bodyPr/>
+          <a:bodyPr vertOverflow="overflow" horzOverflow="clip" vert="horz" wrap="square" lIns="91440" tIns="45720" rIns="91440" bIns="45720" numCol="1" spcCol="0" rtlCol="0" fromWordArt="0" anchor="t" anchorCtr="0" forceAA="0" upright="0" compatLnSpc="0">
+            <a:normAutofit fontScale="90000" lnSpcReduction="2000"/>
+          </a:bodyPr>
           <a:lstStyle/>
           <a:p>
             <a:pPr>
@@ -3400,24 +3402,88 @@
             </a:pPr>
             <a:r>
               <a:rPr/>
-              <a:t>I will have to see if it is more efficient to use the “withoutsaving” approach and add a “saveat” feature.</a:t>
+              <a:t>The QSS solver does what is is supposed to do but poorly:</a:t>
             </a:r>
             <a:endParaRPr/>
           </a:p>
           <a:p>
+            <a:pPr marL="0" indent="0">
+              <a:buFont typeface="Arial"/>
+              <a:buNone/>
+              <a:defRPr/>
+            </a:pPr>
+            <a:r>
+              <a:rPr/>
+              <a:t>While the prototype’s design was inspired by the stand-alone QSS solver, i should look at the differentialEquation.jl package to improve its perfomance.</a:t>
+            </a:r>
+            <a:endParaRPr/>
+          </a:p>
+          <a:p>
             <a:pPr>
               <a:defRPr/>
             </a:pPr>
             <a:r>
+              <a:rPr/>
+              <a:t>Profiling</a:t>
+            </a:r>
+            <a:endParaRPr/>
+          </a:p>
+          <a:p>
+            <a:pPr>
+              <a:defRPr/>
+            </a:pPr>
+            <a:r>
+              <a:rPr/>
+              <a:t>If else branching costs 20 clock cycles; function calls cost 50 clock cycles...default inlining is happening</a:t>
+            </a:r>
+            <a:endParaRPr/>
+          </a:p>
+          <a:p>
+            <a:pPr>
+              <a:defRPr/>
+            </a:pPr>
+            <a:r>
+              <a:rPr/>
+              <a:t>RAM “reads” are also time expensive, </a:t>
+            </a:r>
+            <a:r>
               <a:rPr lang="en-US" sz="2800" b="0" i="0" u="none" strike="noStrike" cap="none" spc="0">
                 <a:solidFill>
                   <a:schemeClr val="tx1"/>
                 </a:solidFill>
-                <a:latin typeface="+mn-lt"/>
-                <a:ea typeface="+mn-ea"/>
-                <a:cs typeface="+mn-cs"/>
-              </a:rPr>
-              <a:t>The client should be able for query the solution as such: sol1(0.321). So an interpolation feature should be added.</a:t>
+                <a:latin typeface="Arial"/>
+                <a:ea typeface="Arial"/>
+                <a:cs typeface="Arial"/>
+              </a:rPr>
+              <a:t>Stack and heap</a:t>
+            </a:r>
+            <a:endParaRPr/>
+          </a:p>
+          <a:p>
+            <a:pPr>
+              <a:defRPr/>
+            </a:pPr>
+            <a:r>
+              <a:rPr lang="en-US" sz="2800" b="0" i="0" u="none" strike="noStrike" cap="none" spc="0">
+                <a:solidFill>
+                  <a:schemeClr val="tx1"/>
+                </a:solidFill>
+                <a:latin typeface="Arial"/>
+                <a:ea typeface="Arial"/>
+                <a:cs typeface="Arial"/>
+              </a:rPr>
+              <a:t>SIMD, </a:t>
+            </a:r>
+            <a:r>
+              <a:rPr lang="en-US" sz="2800" b="0" i="0" u="none" strike="noStrike" cap="none" spc="0">
+                <a:solidFill>
+                  <a:schemeClr val="tx1"/>
+                </a:solidFill>
+                <a:latin typeface="Arial"/>
+                <a:ea typeface="Arial"/>
+                <a:cs typeface="Arial"/>
+              </a:rPr>
+              <a:t>muladdMacro.jl...</a:t>
             </a:r>
             <a:endParaRPr lang="en-US" sz="2800" b="0" i="0" u="none" strike="noStrike" cap="none" spc="0">
               <a:solidFill>
@@ -3441,20 +3507,16 @@
                 <a:ea typeface="+mn-ea"/>
                 <a:cs typeface="+mn-cs"/>
               </a:rPr>
-              <a:t>Next, the package should implement other solvers besides qss1, accounts</a:t>
-            </a:r>
-            <a:r>
-              <a:rPr lang="en-US" sz="2800" b="0" i="0" u="none" strike="noStrike" cap="none" spc="0">
-                <a:solidFill>
-                  <a:schemeClr val="tx1"/>
-                </a:solidFill>
-                <a:latin typeface="+mn-lt"/>
-                <a:ea typeface="+mn-ea"/>
-                <a:cs typeface="+mn-cs"/>
-              </a:rPr>
-              <a:t> for input signals and discontinuities.</a:t>
-            </a:r>
-            <a:endParaRPr/>
+              <a:t>Having the quantizer “dispatch” which qss type to use is taking more allocations than when i use if-else-statement. Should i drop the elegant solution?</a:t>
+            </a:r>
+            <a:endParaRPr lang="en-US" sz="2800" b="0" i="0" u="none" strike="noStrike" cap="none" spc="0">
+              <a:solidFill>
+                <a:schemeClr val="tx1"/>
+              </a:solidFill>
+              <a:latin typeface="Arial"/>
+              <a:ea typeface="Arial"/>
+              <a:cs typeface="Arial"/>
+            </a:endParaRPr>
           </a:p>
         </p:txBody>
       </p:sp>
@@ -3493,7 +3555,7 @@
       </p:grpSpPr>
       <p:sp>
         <p:nvSpPr>
-          <p:cNvPr id="1028173348" name="Title 1" hidden="0"/>
+          <p:cNvPr id="1497336202" name="Title 1" hidden="0"/>
           <p:cNvSpPr>
             <a:spLocks noGrp="1"/>
           </p:cNvSpPr>
@@ -3501,17 +3563,28 @@
             <p:ph type="title" hasCustomPrompt="0"/>
           </p:nvPr>
         </p:nvSpPr>
-        <p:spPr bwMode="auto"/>
+        <p:spPr bwMode="auto">
+          <a:xfrm flipH="0" flipV="0">
+            <a:off x="838198" y="365124"/>
+            <a:ext cx="10515600" cy="315231"/>
+          </a:xfrm>
+        </p:spPr>
         <p:txBody>
-          <a:bodyPr/>
+          <a:bodyPr vertOverflow="overflow" horzOverflow="clip" vert="horz" wrap="square" lIns="91440" tIns="45720" rIns="91440" bIns="45720" numCol="1" spcCol="0" rtlCol="0" fromWordArt="0" anchor="ctr" anchorCtr="0" forceAA="0" upright="0" compatLnSpc="0">
+            <a:normAutofit fontScale="90000" lnSpcReduction="2000"/>
+          </a:bodyPr>
           <a:lstStyle/>
           <a:p>
-            <a:pPr>
-              <a:defRPr/>
-            </a:pPr>
-            <a:r>
-              <a:rPr/>
-              <a:t>Questions </a:t>
+            <a:pPr algn="ctr">
+              <a:defRPr/>
+            </a:pPr>
+            <a:r>
+              <a:rPr sz="2800" b="0"/>
+              <a:t>@</a:t>
+            </a:r>
+            <a:r>
+              <a:rPr sz="2800" b="0"/>
+              <a:t>generated @inbounds @inline</a:t>
             </a:r>
             <a:endParaRPr/>
           </a:p>
@@ -3519,7 +3592,7 @@
       </p:sp>
       <p:sp>
         <p:nvSpPr>
-          <p:cNvPr id="1269740521" name="Content Placeholder 2" hidden="0"/>
+          <p:cNvPr id="1601177732" name="Content Placeholder 2" hidden="0"/>
           <p:cNvSpPr>
             <a:spLocks noGrp="1"/>
           </p:cNvSpPr>
@@ -3527,39 +3600,2675 @@
             <p:ph idx="1" hasCustomPrompt="0"/>
           </p:nvPr>
         </p:nvSpPr>
-        <p:spPr bwMode="auto"/>
+        <p:spPr bwMode="auto">
+          <a:xfrm flipH="0" flipV="0">
+            <a:off x="55821" y="832302"/>
+            <a:ext cx="11216335" cy="5971267"/>
+          </a:xfrm>
+        </p:spPr>
         <p:txBody>
-          <a:bodyPr/>
+          <a:bodyPr vertOverflow="overflow" horzOverflow="clip" vert="horz" wrap="square" lIns="91440" tIns="45720" rIns="91440" bIns="45720" numCol="1" spcCol="0" rtlCol="0" fromWordArt="0" anchor="t" anchorCtr="0" forceAA="0" upright="0" compatLnSpc="0">
+            <a:normAutofit fontScale="60000" lnSpcReduction="8000"/>
+          </a:bodyPr>
           <a:lstStyle/>
           <a:p>
-            <a:pPr>
-              <a:defRPr/>
-            </a:pPr>
-            <a:r>
-              <a:rPr/>
-              <a:t>What range of t are we interested in: so if the client wants to know the solution in [15,30], should we set initial time to 15?</a:t>
-            </a:r>
-            <a:endParaRPr/>
-          </a:p>
-          <a:p>
-            <a:pPr>
-              <a:defRPr/>
-            </a:pPr>
-            <a:r>
-              <a:rPr/>
-              <a:t>I will have to test this and compare it to solution started from 0 until 30.</a:t>
-            </a:r>
-            <a:endParaRPr/>
-          </a:p>
-          <a:p>
-            <a:pPr>
-              <a:defRPr/>
-            </a:pPr>
-            <a:r>
-              <a:rPr/>
-              <a:t>Having the quantizer dispatch which qss type to use is taking more time and allocations than when i use if-else-statement. Should i drop the elegant solution?</a:t>
-            </a:r>
-            <a:endParaRPr/>
+            <a:pPr marL="0" indent="0" algn="l">
+              <a:lnSpc>
+                <a:spcPct val="80000"/>
+              </a:lnSpc>
+              <a:spcBef>
+                <a:spcPts val="0"/>
+              </a:spcBef>
+              <a:spcAft>
+                <a:spcPts val="0"/>
+              </a:spcAft>
+              <a:buFont typeface="Arial"/>
+              <a:buNone/>
+              <a:defRPr/>
+            </a:pPr>
+            <a:r>
+              <a:rPr sz="2800" b="0" i="0" u="none">
+                <a:solidFill>
+                  <a:schemeClr val="tx1">
+                    <a:lumMod val="90000"/>
+                    <a:lumOff val="5000"/>
+                  </a:schemeClr>
+                </a:solidFill>
+                <a:highlight>
+                  <a:srgbClr val="FFFF00"/>
+                </a:highlight>
+                <a:latin typeface="Droid Sans Mono"/>
+                <a:ea typeface="Droid Sans Mono"/>
+                <a:cs typeface="Droid Sans Mono"/>
+              </a:rPr>
+              <a:t>@generated</a:t>
+            </a:r>
+            <a:r>
+              <a:rPr sz="2800" b="0" i="0" u="none">
+                <a:solidFill>
+                  <a:schemeClr val="tx1">
+                    <a:lumMod val="90000"/>
+                    <a:lumOff val="5000"/>
+                  </a:schemeClr>
+                </a:solidFill>
+                <a:latin typeface="Droid Sans Mono"/>
+                <a:ea typeface="Droid Sans Mono"/>
+                <a:cs typeface="Droid Sans Mono"/>
+              </a:rPr>
+              <a:t> </a:t>
+            </a:r>
+            <a:r>
+              <a:rPr sz="2800" b="0" i="0" u="none">
+                <a:solidFill>
+                  <a:schemeClr val="tx1">
+                    <a:lumMod val="90000"/>
+                    <a:lumOff val="5000"/>
+                  </a:schemeClr>
+                </a:solidFill>
+                <a:latin typeface="Droid Sans Mono"/>
+                <a:ea typeface="Droid Sans Mono"/>
+                <a:cs typeface="Droid Sans Mono"/>
+              </a:rPr>
+              <a:t>function</a:t>
+            </a:r>
+            <a:r>
+              <a:rPr sz="2800" b="0" i="0" u="none">
+                <a:solidFill>
+                  <a:schemeClr val="tx1">
+                    <a:lumMod val="90000"/>
+                    <a:lumOff val="5000"/>
+                  </a:schemeClr>
+                </a:solidFill>
+                <a:latin typeface="Droid Sans Mono"/>
+                <a:ea typeface="Droid Sans Mono"/>
+                <a:cs typeface="Droid Sans Mono"/>
+              </a:rPr>
+              <a:t> </a:t>
+            </a:r>
+            <a:r>
+              <a:rPr sz="2800" b="0" i="0" u="none">
+                <a:solidFill>
+                  <a:schemeClr val="tx1">
+                    <a:lumMod val="90000"/>
+                    <a:lumOff val="5000"/>
+                  </a:schemeClr>
+                </a:solidFill>
+                <a:latin typeface="Droid Sans Mono"/>
+                <a:ea typeface="Droid Sans Mono"/>
+                <a:cs typeface="Droid Sans Mono"/>
+              </a:rPr>
+              <a:t>smallest</a:t>
+            </a:r>
+            <a:r>
+              <a:rPr sz="2800" b="0" i="0" u="none">
+                <a:solidFill>
+                  <a:schemeClr val="tx1">
+                    <a:lumMod val="90000"/>
+                    <a:lumOff val="5000"/>
+                  </a:schemeClr>
+                </a:solidFill>
+                <a:latin typeface="Droid Sans Mono"/>
+                <a:ea typeface="Droid Sans Mono"/>
+                <a:cs typeface="Droid Sans Mono"/>
+              </a:rPr>
+              <a:t>(arg1::</a:t>
+            </a:r>
+            <a:r>
+              <a:rPr sz="2800" b="0" i="0" u="none">
+                <a:solidFill>
+                  <a:schemeClr val="tx1">
+                    <a:lumMod val="90000"/>
+                    <a:lumOff val="5000"/>
+                  </a:schemeClr>
+                </a:solidFill>
+                <a:latin typeface="Droid Sans Mono"/>
+                <a:ea typeface="Droid Sans Mono"/>
+                <a:cs typeface="Droid Sans Mono"/>
+              </a:rPr>
+              <a:t>F</a:t>
+            </a:r>
+            <a:r>
+              <a:rPr sz="2800" b="0" i="0" u="none">
+                <a:solidFill>
+                  <a:schemeClr val="tx1">
+                    <a:lumMod val="90000"/>
+                    <a:lumOff val="5000"/>
+                  </a:schemeClr>
+                </a:solidFill>
+                <a:latin typeface="Droid Sans Mono"/>
+                <a:ea typeface="Droid Sans Mono"/>
+                <a:cs typeface="Droid Sans Mono"/>
+              </a:rPr>
+              <a:t>, arg2::</a:t>
+            </a:r>
+            <a:r>
+              <a:rPr sz="2800" b="0" i="0" u="none">
+                <a:solidFill>
+                  <a:schemeClr val="tx1">
+                    <a:lumMod val="90000"/>
+                    <a:lumOff val="5000"/>
+                  </a:schemeClr>
+                </a:solidFill>
+                <a:latin typeface="Droid Sans Mono"/>
+                <a:ea typeface="Droid Sans Mono"/>
+                <a:cs typeface="Droid Sans Mono"/>
+              </a:rPr>
+              <a:t>F</a:t>
+            </a:r>
+            <a:r>
+              <a:rPr sz="2800" b="0" i="0" u="none">
+                <a:solidFill>
+                  <a:schemeClr val="tx1">
+                    <a:lumMod val="90000"/>
+                    <a:lumOff val="5000"/>
+                  </a:schemeClr>
+                </a:solidFill>
+                <a:latin typeface="Droid Sans Mono"/>
+                <a:ea typeface="Droid Sans Mono"/>
+                <a:cs typeface="Droid Sans Mono"/>
+              </a:rPr>
+              <a:t>, args::</a:t>
+            </a:r>
+            <a:r>
+              <a:rPr sz="2800" b="0" i="0" u="none">
+                <a:solidFill>
+                  <a:schemeClr val="tx1">
+                    <a:lumMod val="90000"/>
+                    <a:lumOff val="5000"/>
+                  </a:schemeClr>
+                </a:solidFill>
+                <a:latin typeface="Droid Sans Mono"/>
+                <a:ea typeface="Droid Sans Mono"/>
+                <a:cs typeface="Droid Sans Mono"/>
+              </a:rPr>
+              <a:t>F...</a:t>
+            </a:r>
+            <a:r>
+              <a:rPr sz="2800" b="0" i="0" u="none">
+                <a:solidFill>
+                  <a:schemeClr val="tx1">
+                    <a:lumMod val="90000"/>
+                    <a:lumOff val="5000"/>
+                  </a:schemeClr>
+                </a:solidFill>
+                <a:latin typeface="Droid Sans Mono"/>
+                <a:ea typeface="Droid Sans Mono"/>
+                <a:cs typeface="Droid Sans Mono"/>
+              </a:rPr>
+              <a:t>) </a:t>
+            </a:r>
+            <a:r>
+              <a:rPr sz="2800" b="0" i="0" u="none">
+                <a:solidFill>
+                  <a:schemeClr val="tx1">
+                    <a:lumMod val="90000"/>
+                    <a:lumOff val="5000"/>
+                  </a:schemeClr>
+                </a:solidFill>
+                <a:latin typeface="Droid Sans Mono"/>
+                <a:ea typeface="Droid Sans Mono"/>
+                <a:cs typeface="Droid Sans Mono"/>
+              </a:rPr>
+              <a:t>where</a:t>
+            </a:r>
+            <a:r>
+              <a:rPr sz="2800" b="0" i="0" u="none">
+                <a:solidFill>
+                  <a:schemeClr val="tx1">
+                    <a:lumMod val="90000"/>
+                    <a:lumOff val="5000"/>
+                  </a:schemeClr>
+                </a:solidFill>
+                <a:latin typeface="Droid Sans Mono"/>
+                <a:ea typeface="Droid Sans Mono"/>
+                <a:cs typeface="Droid Sans Mono"/>
+              </a:rPr>
+              <a:t> F &lt;: </a:t>
+            </a:r>
+            <a:r>
+              <a:rPr sz="2800" b="0" i="0" u="none">
+                <a:solidFill>
+                  <a:schemeClr val="tx1">
+                    <a:lumMod val="90000"/>
+                    <a:lumOff val="5000"/>
+                  </a:schemeClr>
+                </a:solidFill>
+                <a:latin typeface="Droid Sans Mono"/>
+                <a:ea typeface="Droid Sans Mono"/>
+                <a:cs typeface="Droid Sans Mono"/>
+              </a:rPr>
+              <a:t>AbstractFloat</a:t>
+            </a:r>
+            <a:endParaRPr sz="2800" b="0" i="0" u="none">
+              <a:solidFill>
+                <a:schemeClr val="tx1">
+                  <a:lumMod val="90000"/>
+                  <a:lumOff val="5000"/>
+                </a:schemeClr>
+              </a:solidFill>
+              <a:latin typeface="Droid Sans Mono"/>
+              <a:ea typeface="Droid Sans Mono"/>
+              <a:cs typeface="Droid Sans Mono"/>
+            </a:endParaRPr>
+          </a:p>
+          <a:p>
+            <a:pPr marL="0" indent="0" algn="l">
+              <a:lnSpc>
+                <a:spcPct val="80000"/>
+              </a:lnSpc>
+              <a:spcBef>
+                <a:spcPts val="0"/>
+              </a:spcBef>
+              <a:spcAft>
+                <a:spcPts val="0"/>
+              </a:spcAft>
+              <a:buFont typeface="Arial"/>
+              <a:buNone/>
+              <a:defRPr/>
+            </a:pPr>
+            <a:r>
+              <a:rPr sz="2800" b="0" i="0" u="none">
+                <a:solidFill>
+                  <a:schemeClr val="tx1">
+                    <a:lumMod val="90000"/>
+                    <a:lumOff val="5000"/>
+                  </a:schemeClr>
+                </a:solidFill>
+                <a:latin typeface="Droid Sans Mono"/>
+                <a:ea typeface="Droid Sans Mono"/>
+                <a:cs typeface="Droid Sans Mono"/>
+              </a:rPr>
+              <a:t>    ex = </a:t>
+            </a:r>
+            <a:r>
+              <a:rPr sz="2800" b="0" i="0" u="none">
+                <a:solidFill>
+                  <a:schemeClr val="tx1">
+                    <a:lumMod val="90000"/>
+                    <a:lumOff val="5000"/>
+                  </a:schemeClr>
+                </a:solidFill>
+                <a:latin typeface="Droid Sans Mono"/>
+                <a:ea typeface="Droid Sans Mono"/>
+                <a:cs typeface="Droid Sans Mono"/>
+              </a:rPr>
+              <a:t>quote</a:t>
+            </a:r>
+            <a:r>
+              <a:rPr sz="2800" b="0" i="0" u="none">
+                <a:solidFill>
+                  <a:schemeClr val="tx1">
+                    <a:lumMod val="90000"/>
+                    <a:lumOff val="5000"/>
+                  </a:schemeClr>
+                </a:solidFill>
+                <a:latin typeface="Droid Sans Mono"/>
+                <a:ea typeface="Droid Sans Mono"/>
+                <a:cs typeface="Droid Sans Mono"/>
+              </a:rPr>
+              <a:t> m = arg1 &lt; arg2 ? arg1 : arg2 </a:t>
+            </a:r>
+            <a:r>
+              <a:rPr sz="2800" b="0" i="0" u="none">
+                <a:solidFill>
+                  <a:schemeClr val="tx1">
+                    <a:lumMod val="90000"/>
+                    <a:lumOff val="5000"/>
+                  </a:schemeClr>
+                </a:solidFill>
+                <a:latin typeface="Droid Sans Mono"/>
+                <a:ea typeface="Droid Sans Mono"/>
+                <a:cs typeface="Droid Sans Mono"/>
+              </a:rPr>
+              <a:t>end</a:t>
+            </a:r>
+            <a:endParaRPr sz="2800" b="0" i="0" u="none">
+              <a:solidFill>
+                <a:schemeClr val="tx1">
+                  <a:lumMod val="90000"/>
+                  <a:lumOff val="5000"/>
+                </a:schemeClr>
+              </a:solidFill>
+              <a:latin typeface="Droid Sans Mono"/>
+              <a:ea typeface="Droid Sans Mono"/>
+              <a:cs typeface="Droid Sans Mono"/>
+            </a:endParaRPr>
+          </a:p>
+          <a:p>
+            <a:pPr marL="0" indent="0" algn="l">
+              <a:lnSpc>
+                <a:spcPct val="80000"/>
+              </a:lnSpc>
+              <a:spcBef>
+                <a:spcPts val="0"/>
+              </a:spcBef>
+              <a:spcAft>
+                <a:spcPts val="0"/>
+              </a:spcAft>
+              <a:buFont typeface="Arial"/>
+              <a:buNone/>
+              <a:defRPr/>
+            </a:pPr>
+            <a:r>
+              <a:rPr sz="2800" b="0" i="0" u="none">
+                <a:solidFill>
+                  <a:schemeClr val="tx1">
+                    <a:lumMod val="90000"/>
+                    <a:lumOff val="5000"/>
+                  </a:schemeClr>
+                </a:solidFill>
+                <a:latin typeface="Droid Sans Mono"/>
+                <a:ea typeface="Droid Sans Mono"/>
+                <a:cs typeface="Droid Sans Mono"/>
+              </a:rPr>
+              <a:t>    </a:t>
+            </a:r>
+            <a:r>
+              <a:rPr sz="2800" b="0" i="0" u="none">
+                <a:solidFill>
+                  <a:schemeClr val="tx1">
+                    <a:lumMod val="90000"/>
+                    <a:lumOff val="5000"/>
+                  </a:schemeClr>
+                </a:solidFill>
+                <a:latin typeface="Droid Sans Mono"/>
+                <a:ea typeface="Droid Sans Mono"/>
+                <a:cs typeface="Droid Sans Mono"/>
+              </a:rPr>
+              <a:t>for</a:t>
+            </a:r>
+            <a:r>
+              <a:rPr sz="2800" b="0" i="0" u="none">
+                <a:solidFill>
+                  <a:schemeClr val="tx1">
+                    <a:lumMod val="90000"/>
+                    <a:lumOff val="5000"/>
+                  </a:schemeClr>
+                </a:solidFill>
+                <a:latin typeface="Droid Sans Mono"/>
+                <a:ea typeface="Droid Sans Mono"/>
+                <a:cs typeface="Droid Sans Mono"/>
+              </a:rPr>
+              <a:t> i in </a:t>
+            </a:r>
+            <a:r>
+              <a:rPr sz="2800" b="0" i="0" u="none">
+                <a:solidFill>
+                  <a:schemeClr val="tx1">
+                    <a:lumMod val="90000"/>
+                    <a:lumOff val="5000"/>
+                  </a:schemeClr>
+                </a:solidFill>
+                <a:latin typeface="Droid Sans Mono"/>
+                <a:ea typeface="Droid Sans Mono"/>
+                <a:cs typeface="Droid Sans Mono"/>
+              </a:rPr>
+              <a:t>1</a:t>
+            </a:r>
+            <a:r>
+              <a:rPr sz="2800" b="0" i="0" u="none">
+                <a:solidFill>
+                  <a:schemeClr val="tx1">
+                    <a:lumMod val="90000"/>
+                    <a:lumOff val="5000"/>
+                  </a:schemeClr>
+                </a:solidFill>
+                <a:latin typeface="Droid Sans Mono"/>
+                <a:ea typeface="Droid Sans Mono"/>
+                <a:cs typeface="Droid Sans Mono"/>
+              </a:rPr>
+              <a:t>:</a:t>
+            </a:r>
+            <a:r>
+              <a:rPr sz="2800" b="0" i="0" u="none">
+                <a:solidFill>
+                  <a:schemeClr val="tx1">
+                    <a:lumMod val="90000"/>
+                    <a:lumOff val="5000"/>
+                  </a:schemeClr>
+                </a:solidFill>
+                <a:latin typeface="Droid Sans Mono"/>
+                <a:ea typeface="Droid Sans Mono"/>
+                <a:cs typeface="Droid Sans Mono"/>
+              </a:rPr>
+              <a:t>length</a:t>
+            </a:r>
+            <a:r>
+              <a:rPr sz="2800" b="0" i="0" u="none">
+                <a:solidFill>
+                  <a:schemeClr val="tx1">
+                    <a:lumMod val="90000"/>
+                    <a:lumOff val="5000"/>
+                  </a:schemeClr>
+                </a:solidFill>
+                <a:latin typeface="Droid Sans Mono"/>
+                <a:ea typeface="Droid Sans Mono"/>
+                <a:cs typeface="Droid Sans Mono"/>
+              </a:rPr>
+              <a:t>(args)</a:t>
+            </a:r>
+            <a:endParaRPr sz="2800" b="0" i="0" u="none">
+              <a:solidFill>
+                <a:schemeClr val="tx1">
+                  <a:lumMod val="90000"/>
+                  <a:lumOff val="5000"/>
+                </a:schemeClr>
+              </a:solidFill>
+              <a:latin typeface="Droid Sans Mono"/>
+              <a:ea typeface="Droid Sans Mono"/>
+              <a:cs typeface="Droid Sans Mono"/>
+            </a:endParaRPr>
+          </a:p>
+          <a:p>
+            <a:pPr marL="0" indent="0" algn="l">
+              <a:lnSpc>
+                <a:spcPct val="80000"/>
+              </a:lnSpc>
+              <a:spcBef>
+                <a:spcPts val="0"/>
+              </a:spcBef>
+              <a:spcAft>
+                <a:spcPts val="0"/>
+              </a:spcAft>
+              <a:buFont typeface="Arial"/>
+              <a:buNone/>
+              <a:defRPr/>
+            </a:pPr>
+            <a:r>
+              <a:rPr sz="2800" b="0" i="0" u="none">
+                <a:solidFill>
+                  <a:schemeClr val="tx1">
+                    <a:lumMod val="90000"/>
+                    <a:lumOff val="5000"/>
+                  </a:schemeClr>
+                </a:solidFill>
+                <a:latin typeface="Droid Sans Mono"/>
+                <a:ea typeface="Droid Sans Mono"/>
+                <a:cs typeface="Droid Sans Mono"/>
+              </a:rPr>
+              <a:t>        ex = </a:t>
+            </a:r>
+            <a:r>
+              <a:rPr sz="2800" b="0" i="0" u="none">
+                <a:solidFill>
+                  <a:schemeClr val="tx1">
+                    <a:lumMod val="90000"/>
+                    <a:lumOff val="5000"/>
+                  </a:schemeClr>
+                </a:solidFill>
+                <a:latin typeface="Droid Sans Mono"/>
+                <a:ea typeface="Droid Sans Mono"/>
+                <a:cs typeface="Droid Sans Mono"/>
+              </a:rPr>
+              <a:t>quote</a:t>
+            </a:r>
+            <a:endParaRPr sz="2800" b="0" i="0" u="none">
+              <a:solidFill>
+                <a:schemeClr val="tx1">
+                  <a:lumMod val="90000"/>
+                  <a:lumOff val="5000"/>
+                </a:schemeClr>
+              </a:solidFill>
+              <a:latin typeface="Droid Sans Mono"/>
+              <a:ea typeface="Droid Sans Mono"/>
+              <a:cs typeface="Droid Sans Mono"/>
+            </a:endParaRPr>
+          </a:p>
+          <a:p>
+            <a:pPr marL="0" indent="0" algn="l">
+              <a:lnSpc>
+                <a:spcPct val="80000"/>
+              </a:lnSpc>
+              <a:spcBef>
+                <a:spcPts val="0"/>
+              </a:spcBef>
+              <a:spcAft>
+                <a:spcPts val="0"/>
+              </a:spcAft>
+              <a:buFont typeface="Arial"/>
+              <a:buNone/>
+              <a:defRPr/>
+            </a:pPr>
+            <a:r>
+              <a:rPr sz="2800" b="0" i="0" u="none">
+                <a:solidFill>
+                  <a:schemeClr val="tx1">
+                    <a:lumMod val="90000"/>
+                    <a:lumOff val="5000"/>
+                  </a:schemeClr>
+                </a:solidFill>
+                <a:latin typeface="Droid Sans Mono"/>
+                <a:ea typeface="Droid Sans Mono"/>
+                <a:cs typeface="Droid Sans Mono"/>
+              </a:rPr>
+              <a:t>            $ex </a:t>
+            </a:r>
+            <a:r>
+              <a:rPr sz="2800" b="0" i="0" u="none">
+                <a:solidFill>
+                  <a:schemeClr val="tx1">
+                    <a:lumMod val="90000"/>
+                    <a:lumOff val="5000"/>
+                  </a:schemeClr>
+                </a:solidFill>
+                <a:latin typeface="Droid Sans Mono"/>
+                <a:ea typeface="Droid Sans Mono"/>
+                <a:cs typeface="Droid Sans Mono"/>
+              </a:rPr>
+              <a:t>#value of last m</a:t>
+            </a:r>
+            <a:endParaRPr sz="2800" b="0" i="0" u="none">
+              <a:solidFill>
+                <a:schemeClr val="tx1">
+                  <a:lumMod val="90000"/>
+                  <a:lumOff val="5000"/>
+                </a:schemeClr>
+              </a:solidFill>
+              <a:latin typeface="Droid Sans Mono"/>
+              <a:ea typeface="Droid Sans Mono"/>
+              <a:cs typeface="Droid Sans Mono"/>
+            </a:endParaRPr>
+          </a:p>
+          <a:p>
+            <a:pPr marL="0" indent="0" algn="l">
+              <a:lnSpc>
+                <a:spcPct val="80000"/>
+              </a:lnSpc>
+              <a:spcBef>
+                <a:spcPts val="0"/>
+              </a:spcBef>
+              <a:spcAft>
+                <a:spcPts val="0"/>
+              </a:spcAft>
+              <a:buFont typeface="Arial"/>
+              <a:buNone/>
+              <a:defRPr/>
+            </a:pPr>
+            <a:r>
+              <a:rPr sz="2800" b="0" i="0" u="none">
+                <a:solidFill>
+                  <a:schemeClr val="tx1">
+                    <a:lumMod val="90000"/>
+                    <a:lumOff val="5000"/>
+                  </a:schemeClr>
+                </a:solidFill>
+                <a:latin typeface="Droid Sans Mono"/>
+                <a:ea typeface="Droid Sans Mono"/>
+                <a:cs typeface="Droid Sans Mono"/>
+              </a:rPr>
+              <a:t>             m = args[$i] &lt; m ? args[$i] : m</a:t>
+            </a:r>
+            <a:endParaRPr sz="2800" b="0" i="0" u="none">
+              <a:solidFill>
+                <a:schemeClr val="tx1">
+                  <a:lumMod val="90000"/>
+                  <a:lumOff val="5000"/>
+                </a:schemeClr>
+              </a:solidFill>
+              <a:latin typeface="Droid Sans Mono"/>
+              <a:ea typeface="Droid Sans Mono"/>
+              <a:cs typeface="Droid Sans Mono"/>
+            </a:endParaRPr>
+          </a:p>
+          <a:p>
+            <a:pPr marL="0" indent="0" algn="l">
+              <a:lnSpc>
+                <a:spcPct val="80000"/>
+              </a:lnSpc>
+              <a:spcBef>
+                <a:spcPts val="0"/>
+              </a:spcBef>
+              <a:spcAft>
+                <a:spcPts val="0"/>
+              </a:spcAft>
+              <a:buFont typeface="Arial"/>
+              <a:buNone/>
+              <a:defRPr/>
+            </a:pPr>
+            <a:r>
+              <a:rPr sz="2800" b="0" i="0" u="none">
+                <a:solidFill>
+                  <a:schemeClr val="tx1">
+                    <a:lumMod val="90000"/>
+                    <a:lumOff val="5000"/>
+                  </a:schemeClr>
+                </a:solidFill>
+                <a:latin typeface="Droid Sans Mono"/>
+                <a:ea typeface="Droid Sans Mono"/>
+                <a:cs typeface="Droid Sans Mono"/>
+              </a:rPr>
+              <a:t>            </a:t>
+            </a:r>
+            <a:r>
+              <a:rPr sz="2800" b="0" i="0" u="none">
+                <a:solidFill>
+                  <a:schemeClr val="tx1">
+                    <a:lumMod val="90000"/>
+                    <a:lumOff val="5000"/>
+                  </a:schemeClr>
+                </a:solidFill>
+                <a:highlight>
+                  <a:srgbClr val="00FF00"/>
+                </a:highlight>
+                <a:latin typeface="Droid Sans Mono"/>
+                <a:ea typeface="Droid Sans Mono"/>
+                <a:cs typeface="Droid Sans Mono"/>
+              </a:rPr>
+              <a:t>#@inbounds</a:t>
+            </a:r>
+            <a:r>
+              <a:rPr sz="2800" b="0" i="0" u="none">
+                <a:solidFill>
+                  <a:schemeClr val="tx1">
+                    <a:lumMod val="90000"/>
+                    <a:lumOff val="5000"/>
+                  </a:schemeClr>
+                </a:solidFill>
+                <a:latin typeface="Droid Sans Mono"/>
+                <a:ea typeface="Droid Sans Mono"/>
+                <a:cs typeface="Droid Sans Mono"/>
+              </a:rPr>
+              <a:t> m = args[$i] &lt; m ? args[$i] : m</a:t>
+            </a:r>
+            <a:r>
+              <a:rPr sz="2800" b="0" i="0" u="none">
+                <a:solidFill>
+                  <a:schemeClr val="tx1">
+                    <a:lumMod val="90000"/>
+                    <a:lumOff val="5000"/>
+                  </a:schemeClr>
+                </a:solidFill>
+                <a:latin typeface="Droid Sans Mono"/>
+                <a:ea typeface="Droid Sans Mono"/>
+                <a:cs typeface="Droid Sans Mono"/>
+              </a:rPr>
+              <a:t> #</a:t>
+            </a:r>
+            <a:r>
+              <a:rPr sz="2800" b="0" i="0" u="none">
+                <a:solidFill>
+                  <a:schemeClr val="tx1">
+                    <a:lumMod val="90000"/>
+                    <a:lumOff val="5000"/>
+                  </a:schemeClr>
+                </a:solidFill>
+                <a:highlight>
+                  <a:srgbClr val="00FF00"/>
+                </a:highlight>
+                <a:latin typeface="Droid Sans Mono"/>
+                <a:ea typeface="Droid Sans Mono"/>
+                <a:cs typeface="Droid Sans Mono"/>
+              </a:rPr>
+              <a:t>removed</a:t>
+            </a:r>
+            <a:r>
+              <a:rPr sz="2800" b="0" i="0" u="none">
+                <a:solidFill>
+                  <a:schemeClr val="tx1">
+                    <a:lumMod val="90000"/>
+                    <a:lumOff val="5000"/>
+                  </a:schemeClr>
+                </a:solidFill>
+                <a:latin typeface="Droid Sans Mono"/>
+                <a:ea typeface="Droid Sans Mono"/>
+                <a:cs typeface="Droid Sans Mono"/>
+              </a:rPr>
+              <a:t> gave better performance!</a:t>
+            </a:r>
+            <a:endParaRPr sz="2800" b="0" i="0" u="none">
+              <a:solidFill>
+                <a:schemeClr val="tx1">
+                  <a:lumMod val="90000"/>
+                  <a:lumOff val="5000"/>
+                </a:schemeClr>
+              </a:solidFill>
+              <a:latin typeface="Droid Sans Mono"/>
+              <a:ea typeface="Droid Sans Mono"/>
+              <a:cs typeface="Droid Sans Mono"/>
+            </a:endParaRPr>
+          </a:p>
+          <a:p>
+            <a:pPr marL="0" indent="0" algn="l">
+              <a:lnSpc>
+                <a:spcPct val="80000"/>
+              </a:lnSpc>
+              <a:spcBef>
+                <a:spcPts val="0"/>
+              </a:spcBef>
+              <a:spcAft>
+                <a:spcPts val="0"/>
+              </a:spcAft>
+              <a:buFont typeface="Arial"/>
+              <a:buNone/>
+              <a:defRPr/>
+            </a:pPr>
+            <a:r>
+              <a:rPr sz="2800" b="0" i="0" u="none">
+                <a:solidFill>
+                  <a:schemeClr val="tx1">
+                    <a:lumMod val="90000"/>
+                    <a:lumOff val="5000"/>
+                  </a:schemeClr>
+                </a:solidFill>
+                <a:latin typeface="Droid Sans Mono"/>
+                <a:ea typeface="Droid Sans Mono"/>
+                <a:cs typeface="Droid Sans Mono"/>
+              </a:rPr>
+              <a:t>        </a:t>
+            </a:r>
+            <a:r>
+              <a:rPr sz="2800" b="0" i="0" u="none">
+                <a:solidFill>
+                  <a:schemeClr val="tx1">
+                    <a:lumMod val="90000"/>
+                    <a:lumOff val="5000"/>
+                  </a:schemeClr>
+                </a:solidFill>
+                <a:latin typeface="Droid Sans Mono"/>
+                <a:ea typeface="Droid Sans Mono"/>
+                <a:cs typeface="Droid Sans Mono"/>
+              </a:rPr>
+              <a:t>end</a:t>
+            </a:r>
+            <a:endParaRPr sz="2800" b="0" i="0" u="none">
+              <a:solidFill>
+                <a:schemeClr val="tx1">
+                  <a:lumMod val="90000"/>
+                  <a:lumOff val="5000"/>
+                </a:schemeClr>
+              </a:solidFill>
+              <a:latin typeface="Droid Sans Mono"/>
+              <a:ea typeface="Droid Sans Mono"/>
+              <a:cs typeface="Droid Sans Mono"/>
+            </a:endParaRPr>
+          </a:p>
+          <a:p>
+            <a:pPr marL="0" indent="0" algn="l">
+              <a:lnSpc>
+                <a:spcPct val="80000"/>
+              </a:lnSpc>
+              <a:spcBef>
+                <a:spcPts val="0"/>
+              </a:spcBef>
+              <a:spcAft>
+                <a:spcPts val="0"/>
+              </a:spcAft>
+              <a:buFont typeface="Arial"/>
+              <a:buNone/>
+              <a:defRPr/>
+            </a:pPr>
+            <a:r>
+              <a:rPr sz="2800" b="0" i="0" u="none">
+                <a:solidFill>
+                  <a:schemeClr val="tx1">
+                    <a:lumMod val="90000"/>
+                    <a:lumOff val="5000"/>
+                  </a:schemeClr>
+                </a:solidFill>
+                <a:latin typeface="Droid Sans Mono"/>
+                <a:ea typeface="Droid Sans Mono"/>
+                <a:cs typeface="Droid Sans Mono"/>
+              </a:rPr>
+              <a:t>    </a:t>
+            </a:r>
+            <a:r>
+              <a:rPr sz="2800" b="0" i="0" u="none">
+                <a:solidFill>
+                  <a:schemeClr val="tx1">
+                    <a:lumMod val="90000"/>
+                    <a:lumOff val="5000"/>
+                  </a:schemeClr>
+                </a:solidFill>
+                <a:latin typeface="Droid Sans Mono"/>
+                <a:ea typeface="Droid Sans Mono"/>
+                <a:cs typeface="Droid Sans Mono"/>
+              </a:rPr>
+              <a:t>end</a:t>
+            </a:r>
+            <a:endParaRPr sz="2800" b="0" i="0" u="none">
+              <a:solidFill>
+                <a:schemeClr val="tx1">
+                  <a:lumMod val="90000"/>
+                  <a:lumOff val="5000"/>
+                </a:schemeClr>
+              </a:solidFill>
+              <a:latin typeface="Droid Sans Mono"/>
+              <a:ea typeface="Droid Sans Mono"/>
+              <a:cs typeface="Droid Sans Mono"/>
+            </a:endParaRPr>
+          </a:p>
+          <a:p>
+            <a:pPr marL="0" indent="0" algn="l">
+              <a:lnSpc>
+                <a:spcPct val="80000"/>
+              </a:lnSpc>
+              <a:spcBef>
+                <a:spcPts val="0"/>
+              </a:spcBef>
+              <a:spcAft>
+                <a:spcPts val="0"/>
+              </a:spcAft>
+              <a:buFont typeface="Arial"/>
+              <a:buNone/>
+              <a:defRPr/>
+            </a:pPr>
+            <a:r>
+              <a:rPr sz="2800" b="0" i="0" u="none">
+                <a:solidFill>
+                  <a:schemeClr val="tx1">
+                    <a:lumMod val="90000"/>
+                    <a:lumOff val="5000"/>
+                  </a:schemeClr>
+                </a:solidFill>
+                <a:latin typeface="Droid Sans Mono"/>
+                <a:ea typeface="Droid Sans Mono"/>
+                <a:cs typeface="Droid Sans Mono"/>
+              </a:rPr>
+              <a:t>    ex </a:t>
+            </a:r>
+            <a:r>
+              <a:rPr sz="2800" b="0" i="0" u="none">
+                <a:solidFill>
+                  <a:schemeClr val="tx1">
+                    <a:lumMod val="90000"/>
+                    <a:lumOff val="5000"/>
+                  </a:schemeClr>
+                </a:solidFill>
+                <a:latin typeface="Droid Sans Mono"/>
+                <a:ea typeface="Droid Sans Mono"/>
+                <a:cs typeface="Droid Sans Mono"/>
+              </a:rPr>
+              <a:t>#|&gt; flatten</a:t>
+            </a:r>
+            <a:endParaRPr sz="2800" b="0" i="0" u="none">
+              <a:solidFill>
+                <a:schemeClr val="tx1">
+                  <a:lumMod val="90000"/>
+                  <a:lumOff val="5000"/>
+                </a:schemeClr>
+              </a:solidFill>
+              <a:latin typeface="Droid Sans Mono"/>
+              <a:ea typeface="Droid Sans Mono"/>
+              <a:cs typeface="Droid Sans Mono"/>
+            </a:endParaRPr>
+          </a:p>
+          <a:p>
+            <a:pPr marL="0" indent="0" algn="l">
+              <a:lnSpc>
+                <a:spcPct val="80000"/>
+              </a:lnSpc>
+              <a:spcBef>
+                <a:spcPts val="0"/>
+              </a:spcBef>
+              <a:spcAft>
+                <a:spcPts val="0"/>
+              </a:spcAft>
+              <a:buFont typeface="Arial"/>
+              <a:buNone/>
+              <a:defRPr/>
+            </a:pPr>
+            <a:r>
+              <a:rPr sz="2800" b="0" i="0" u="none">
+                <a:solidFill>
+                  <a:schemeClr val="tx1">
+                    <a:lumMod val="90000"/>
+                    <a:lumOff val="5000"/>
+                  </a:schemeClr>
+                </a:solidFill>
+                <a:latin typeface="Droid Sans Mono"/>
+                <a:ea typeface="Droid Sans Mono"/>
+                <a:cs typeface="Droid Sans Mono"/>
+              </a:rPr>
+              <a:t>end</a:t>
+            </a:r>
+            <a:endParaRPr sz="2800" b="0" i="0" u="none">
+              <a:solidFill>
+                <a:schemeClr val="tx1">
+                  <a:lumMod val="90000"/>
+                  <a:lumOff val="5000"/>
+                </a:schemeClr>
+              </a:solidFill>
+              <a:latin typeface="Droid Sans Mono"/>
+              <a:ea typeface="Droid Sans Mono"/>
+              <a:cs typeface="Droid Sans Mono"/>
+            </a:endParaRPr>
+          </a:p>
+          <a:p>
+            <a:pPr marL="0" indent="0" algn="l">
+              <a:lnSpc>
+                <a:spcPct val="80000"/>
+              </a:lnSpc>
+              <a:spcBef>
+                <a:spcPts val="0"/>
+              </a:spcBef>
+              <a:spcAft>
+                <a:spcPts val="0"/>
+              </a:spcAft>
+              <a:buFont typeface="Arial"/>
+              <a:buNone/>
+              <a:defRPr/>
+            </a:pPr>
+            <a:r>
+              <a:rPr sz="2800" b="0" i="0" u="none">
+                <a:solidFill>
+                  <a:schemeClr val="tx1">
+                    <a:lumMod val="90000"/>
+                    <a:lumOff val="5000"/>
+                  </a:schemeClr>
+                </a:solidFill>
+                <a:latin typeface="Droid Sans Mono"/>
+                <a:ea typeface="Droid Sans Mono"/>
+                <a:cs typeface="Droid Sans Mono"/>
+              </a:rPr>
+              <a:t>function</a:t>
+            </a:r>
+            <a:r>
+              <a:rPr sz="2800" b="0" i="0" u="none">
+                <a:solidFill>
+                  <a:schemeClr val="tx1">
+                    <a:lumMod val="90000"/>
+                    <a:lumOff val="5000"/>
+                  </a:schemeClr>
+                </a:solidFill>
+                <a:latin typeface="Droid Sans Mono"/>
+                <a:ea typeface="Droid Sans Mono"/>
+                <a:cs typeface="Droid Sans Mono"/>
+              </a:rPr>
+              <a:t> </a:t>
+            </a:r>
+            <a:r>
+              <a:rPr sz="2800" b="0" i="0" u="none">
+                <a:solidFill>
+                  <a:schemeClr val="tx1">
+                    <a:lumMod val="90000"/>
+                    <a:lumOff val="5000"/>
+                  </a:schemeClr>
+                </a:solidFill>
+                <a:latin typeface="Droid Sans Mono"/>
+                <a:ea typeface="Droid Sans Mono"/>
+                <a:cs typeface="Droid Sans Mono"/>
+              </a:rPr>
+              <a:t>smallest2</a:t>
+            </a:r>
+            <a:r>
+              <a:rPr sz="2800" b="0" i="0" u="none">
+                <a:solidFill>
+                  <a:schemeClr val="tx1">
+                    <a:lumMod val="90000"/>
+                    <a:lumOff val="5000"/>
+                  </a:schemeClr>
+                </a:solidFill>
+                <a:latin typeface="Droid Sans Mono"/>
+                <a:ea typeface="Droid Sans Mono"/>
+                <a:cs typeface="Droid Sans Mono"/>
+              </a:rPr>
+              <a:t>(arg1::</a:t>
+            </a:r>
+            <a:r>
+              <a:rPr sz="2800" b="0" i="0" u="none">
+                <a:solidFill>
+                  <a:schemeClr val="tx1">
+                    <a:lumMod val="90000"/>
+                    <a:lumOff val="5000"/>
+                  </a:schemeClr>
+                </a:solidFill>
+                <a:latin typeface="Droid Sans Mono"/>
+                <a:ea typeface="Droid Sans Mono"/>
+                <a:cs typeface="Droid Sans Mono"/>
+              </a:rPr>
+              <a:t>Float64</a:t>
+            </a:r>
+            <a:r>
+              <a:rPr sz="2800" b="0" i="0" u="none">
+                <a:solidFill>
+                  <a:schemeClr val="tx1">
+                    <a:lumMod val="90000"/>
+                    <a:lumOff val="5000"/>
+                  </a:schemeClr>
+                </a:solidFill>
+                <a:latin typeface="Droid Sans Mono"/>
+                <a:ea typeface="Droid Sans Mono"/>
+                <a:cs typeface="Droid Sans Mono"/>
+              </a:rPr>
+              <a:t>, arg2::</a:t>
+            </a:r>
+            <a:r>
+              <a:rPr sz="2800" b="0" i="0" u="none">
+                <a:solidFill>
+                  <a:schemeClr val="tx1">
+                    <a:lumMod val="90000"/>
+                    <a:lumOff val="5000"/>
+                  </a:schemeClr>
+                </a:solidFill>
+                <a:latin typeface="Droid Sans Mono"/>
+                <a:ea typeface="Droid Sans Mono"/>
+                <a:cs typeface="Droid Sans Mono"/>
+              </a:rPr>
+              <a:t>Float64</a:t>
+            </a:r>
+            <a:r>
+              <a:rPr sz="2800" b="0" i="0" u="none">
+                <a:solidFill>
+                  <a:schemeClr val="tx1">
+                    <a:lumMod val="90000"/>
+                    <a:lumOff val="5000"/>
+                  </a:schemeClr>
+                </a:solidFill>
+                <a:latin typeface="Droid Sans Mono"/>
+                <a:ea typeface="Droid Sans Mono"/>
+                <a:cs typeface="Droid Sans Mono"/>
+              </a:rPr>
+              <a:t>, args::</a:t>
+            </a:r>
+            <a:r>
+              <a:rPr sz="2800" b="0" i="0" u="none">
+                <a:solidFill>
+                  <a:schemeClr val="tx1">
+                    <a:lumMod val="90000"/>
+                    <a:lumOff val="5000"/>
+                  </a:schemeClr>
+                </a:solidFill>
+                <a:latin typeface="Droid Sans Mono"/>
+                <a:ea typeface="Droid Sans Mono"/>
+                <a:cs typeface="Droid Sans Mono"/>
+              </a:rPr>
+              <a:t>Float64...</a:t>
+            </a:r>
+            <a:r>
+              <a:rPr sz="2800" b="0" i="0" u="none">
+                <a:solidFill>
+                  <a:schemeClr val="tx1">
+                    <a:lumMod val="90000"/>
+                    <a:lumOff val="5000"/>
+                  </a:schemeClr>
+                </a:solidFill>
+                <a:latin typeface="Droid Sans Mono"/>
+                <a:ea typeface="Droid Sans Mono"/>
+                <a:cs typeface="Droid Sans Mono"/>
+              </a:rPr>
+              <a:t>) </a:t>
+            </a:r>
+            <a:endParaRPr sz="2800" b="0" i="0" u="none">
+              <a:solidFill>
+                <a:schemeClr val="tx1">
+                  <a:lumMod val="90000"/>
+                  <a:lumOff val="5000"/>
+                </a:schemeClr>
+              </a:solidFill>
+              <a:latin typeface="Droid Sans Mono"/>
+              <a:ea typeface="Droid Sans Mono"/>
+              <a:cs typeface="Droid Sans Mono"/>
+            </a:endParaRPr>
+          </a:p>
+          <a:p>
+            <a:pPr marL="0" indent="0" algn="l">
+              <a:lnSpc>
+                <a:spcPct val="80000"/>
+              </a:lnSpc>
+              <a:spcBef>
+                <a:spcPts val="0"/>
+              </a:spcBef>
+              <a:spcAft>
+                <a:spcPts val="0"/>
+              </a:spcAft>
+              <a:buFont typeface="Arial"/>
+              <a:buNone/>
+              <a:defRPr/>
+            </a:pPr>
+            <a:r>
+              <a:rPr sz="2800" b="0" i="0" u="none">
+                <a:solidFill>
+                  <a:schemeClr val="tx1">
+                    <a:lumMod val="90000"/>
+                    <a:lumOff val="5000"/>
+                  </a:schemeClr>
+                </a:solidFill>
+                <a:latin typeface="Droid Sans Mono"/>
+                <a:ea typeface="Droid Sans Mono"/>
+                <a:cs typeface="Droid Sans Mono"/>
+              </a:rPr>
+              <a:t>     m = arg1 &lt; arg2 ? arg1 : arg2 </a:t>
+            </a:r>
+            <a:endParaRPr sz="2800" b="0" i="0" u="none">
+              <a:solidFill>
+                <a:schemeClr val="tx1">
+                  <a:lumMod val="90000"/>
+                  <a:lumOff val="5000"/>
+                </a:schemeClr>
+              </a:solidFill>
+              <a:latin typeface="Droid Sans Mono"/>
+              <a:ea typeface="Droid Sans Mono"/>
+              <a:cs typeface="Droid Sans Mono"/>
+            </a:endParaRPr>
+          </a:p>
+          <a:p>
+            <a:pPr marL="0" indent="0" algn="l">
+              <a:lnSpc>
+                <a:spcPct val="80000"/>
+              </a:lnSpc>
+              <a:spcBef>
+                <a:spcPts val="0"/>
+              </a:spcBef>
+              <a:spcAft>
+                <a:spcPts val="0"/>
+              </a:spcAft>
+              <a:buFont typeface="Arial"/>
+              <a:buNone/>
+              <a:defRPr/>
+            </a:pPr>
+            <a:r>
+              <a:rPr sz="2800" b="0" i="0" u="none">
+                <a:solidFill>
+                  <a:schemeClr val="tx1">
+                    <a:lumMod val="90000"/>
+                    <a:lumOff val="5000"/>
+                  </a:schemeClr>
+                </a:solidFill>
+                <a:latin typeface="Droid Sans Mono"/>
+                <a:ea typeface="Droid Sans Mono"/>
+                <a:cs typeface="Droid Sans Mono"/>
+              </a:rPr>
+              <a:t>    </a:t>
+            </a:r>
+            <a:r>
+              <a:rPr sz="2800" b="0" i="0" u="none">
+                <a:solidFill>
+                  <a:schemeClr val="tx1">
+                    <a:lumMod val="90000"/>
+                    <a:lumOff val="5000"/>
+                  </a:schemeClr>
+                </a:solidFill>
+                <a:latin typeface="Droid Sans Mono"/>
+                <a:ea typeface="Droid Sans Mono"/>
+                <a:cs typeface="Droid Sans Mono"/>
+              </a:rPr>
+              <a:t>for</a:t>
+            </a:r>
+            <a:r>
+              <a:rPr sz="2800" b="0" i="0" u="none">
+                <a:solidFill>
+                  <a:schemeClr val="tx1">
+                    <a:lumMod val="90000"/>
+                    <a:lumOff val="5000"/>
+                  </a:schemeClr>
+                </a:solidFill>
+                <a:latin typeface="Droid Sans Mono"/>
+                <a:ea typeface="Droid Sans Mono"/>
+                <a:cs typeface="Droid Sans Mono"/>
+              </a:rPr>
+              <a:t> i in </a:t>
+            </a:r>
+            <a:r>
+              <a:rPr sz="2800" b="0" i="0" u="none">
+                <a:solidFill>
+                  <a:schemeClr val="tx1">
+                    <a:lumMod val="90000"/>
+                    <a:lumOff val="5000"/>
+                  </a:schemeClr>
+                </a:solidFill>
+                <a:latin typeface="Droid Sans Mono"/>
+                <a:ea typeface="Droid Sans Mono"/>
+                <a:cs typeface="Droid Sans Mono"/>
+              </a:rPr>
+              <a:t>1</a:t>
+            </a:r>
+            <a:r>
+              <a:rPr sz="2800" b="0" i="0" u="none">
+                <a:solidFill>
+                  <a:schemeClr val="tx1">
+                    <a:lumMod val="90000"/>
+                    <a:lumOff val="5000"/>
+                  </a:schemeClr>
+                </a:solidFill>
+                <a:latin typeface="Droid Sans Mono"/>
+                <a:ea typeface="Droid Sans Mono"/>
+                <a:cs typeface="Droid Sans Mono"/>
+              </a:rPr>
+              <a:t>:</a:t>
+            </a:r>
+            <a:r>
+              <a:rPr sz="2800" b="0" i="0" u="none">
+                <a:solidFill>
+                  <a:schemeClr val="tx1">
+                    <a:lumMod val="90000"/>
+                    <a:lumOff val="5000"/>
+                  </a:schemeClr>
+                </a:solidFill>
+                <a:latin typeface="Droid Sans Mono"/>
+                <a:ea typeface="Droid Sans Mono"/>
+                <a:cs typeface="Droid Sans Mono"/>
+              </a:rPr>
+              <a:t>length</a:t>
+            </a:r>
+            <a:r>
+              <a:rPr sz="2800" b="0" i="0" u="none">
+                <a:solidFill>
+                  <a:schemeClr val="tx1">
+                    <a:lumMod val="90000"/>
+                    <a:lumOff val="5000"/>
+                  </a:schemeClr>
+                </a:solidFill>
+                <a:latin typeface="Droid Sans Mono"/>
+                <a:ea typeface="Droid Sans Mono"/>
+                <a:cs typeface="Droid Sans Mono"/>
+              </a:rPr>
+              <a:t>(args)</a:t>
+            </a:r>
+            <a:endParaRPr sz="2800" b="0" i="0" u="none">
+              <a:solidFill>
+                <a:schemeClr val="tx1">
+                  <a:lumMod val="90000"/>
+                  <a:lumOff val="5000"/>
+                </a:schemeClr>
+              </a:solidFill>
+              <a:latin typeface="Droid Sans Mono"/>
+              <a:ea typeface="Droid Sans Mono"/>
+              <a:cs typeface="Droid Sans Mono"/>
+            </a:endParaRPr>
+          </a:p>
+          <a:p>
+            <a:pPr marL="0" indent="0" algn="l">
+              <a:lnSpc>
+                <a:spcPct val="80000"/>
+              </a:lnSpc>
+              <a:spcBef>
+                <a:spcPts val="0"/>
+              </a:spcBef>
+              <a:spcAft>
+                <a:spcPts val="0"/>
+              </a:spcAft>
+              <a:buFont typeface="Arial"/>
+              <a:buNone/>
+              <a:defRPr/>
+            </a:pPr>
+            <a:r>
+              <a:rPr sz="2800" b="0" i="0" u="none">
+                <a:solidFill>
+                  <a:schemeClr val="tx1">
+                    <a:lumMod val="90000"/>
+                    <a:lumOff val="5000"/>
+                  </a:schemeClr>
+                </a:solidFill>
+                <a:latin typeface="Droid Sans Mono"/>
+                <a:ea typeface="Droid Sans Mono"/>
+                <a:cs typeface="Droid Sans Mono"/>
+              </a:rPr>
+              <a:t>             m = args[i] &lt; m ? args[i] : m</a:t>
+            </a:r>
+            <a:endParaRPr sz="2800" b="0" i="0" u="none">
+              <a:solidFill>
+                <a:schemeClr val="tx1">
+                  <a:lumMod val="90000"/>
+                  <a:lumOff val="5000"/>
+                </a:schemeClr>
+              </a:solidFill>
+              <a:latin typeface="Droid Sans Mono"/>
+              <a:ea typeface="Droid Sans Mono"/>
+              <a:cs typeface="Droid Sans Mono"/>
+            </a:endParaRPr>
+          </a:p>
+          <a:p>
+            <a:pPr marL="0" indent="0" algn="l">
+              <a:lnSpc>
+                <a:spcPct val="80000"/>
+              </a:lnSpc>
+              <a:spcBef>
+                <a:spcPts val="0"/>
+              </a:spcBef>
+              <a:spcAft>
+                <a:spcPts val="0"/>
+              </a:spcAft>
+              <a:buFont typeface="Arial"/>
+              <a:buNone/>
+              <a:defRPr/>
+            </a:pPr>
+            <a:r>
+              <a:rPr sz="2800" b="0" i="0" u="none">
+                <a:solidFill>
+                  <a:schemeClr val="tx1">
+                    <a:lumMod val="90000"/>
+                    <a:lumOff val="5000"/>
+                  </a:schemeClr>
+                </a:solidFill>
+                <a:latin typeface="Droid Sans Mono"/>
+                <a:ea typeface="Droid Sans Mono"/>
+                <a:cs typeface="Droid Sans Mono"/>
+              </a:rPr>
+              <a:t>    </a:t>
+            </a:r>
+            <a:r>
+              <a:rPr sz="2800" b="0" i="0" u="none">
+                <a:solidFill>
+                  <a:schemeClr val="tx1">
+                    <a:lumMod val="90000"/>
+                    <a:lumOff val="5000"/>
+                  </a:schemeClr>
+                </a:solidFill>
+                <a:latin typeface="Droid Sans Mono"/>
+                <a:ea typeface="Droid Sans Mono"/>
+                <a:cs typeface="Droid Sans Mono"/>
+              </a:rPr>
+              <a:t>end</a:t>
+            </a:r>
+            <a:endParaRPr sz="2800" b="0" i="0" u="none">
+              <a:solidFill>
+                <a:schemeClr val="tx1">
+                  <a:lumMod val="90000"/>
+                  <a:lumOff val="5000"/>
+                </a:schemeClr>
+              </a:solidFill>
+              <a:latin typeface="Droid Sans Mono"/>
+              <a:ea typeface="Droid Sans Mono"/>
+              <a:cs typeface="Droid Sans Mono"/>
+            </a:endParaRPr>
+          </a:p>
+          <a:p>
+            <a:pPr marL="0" indent="0" algn="l">
+              <a:lnSpc>
+                <a:spcPct val="80000"/>
+              </a:lnSpc>
+              <a:spcBef>
+                <a:spcPts val="0"/>
+              </a:spcBef>
+              <a:spcAft>
+                <a:spcPts val="0"/>
+              </a:spcAft>
+              <a:buFont typeface="Arial"/>
+              <a:buNone/>
+              <a:defRPr/>
+            </a:pPr>
+            <a:r>
+              <a:rPr sz="2800" b="0" i="0" u="none">
+                <a:solidFill>
+                  <a:schemeClr val="tx1">
+                    <a:lumMod val="90000"/>
+                    <a:lumOff val="5000"/>
+                  </a:schemeClr>
+                </a:solidFill>
+                <a:latin typeface="Droid Sans Mono"/>
+                <a:ea typeface="Droid Sans Mono"/>
+                <a:cs typeface="Droid Sans Mono"/>
+              </a:rPr>
+              <a:t>    m</a:t>
+            </a:r>
+            <a:endParaRPr sz="2800" b="0" i="0" u="none">
+              <a:solidFill>
+                <a:schemeClr val="tx1">
+                  <a:lumMod val="90000"/>
+                  <a:lumOff val="5000"/>
+                </a:schemeClr>
+              </a:solidFill>
+              <a:latin typeface="Droid Sans Mono"/>
+              <a:ea typeface="Droid Sans Mono"/>
+              <a:cs typeface="Droid Sans Mono"/>
+            </a:endParaRPr>
+          </a:p>
+          <a:p>
+            <a:pPr marL="0" indent="0" algn="l">
+              <a:lnSpc>
+                <a:spcPct val="80000"/>
+              </a:lnSpc>
+              <a:spcBef>
+                <a:spcPts val="0"/>
+              </a:spcBef>
+              <a:spcAft>
+                <a:spcPts val="0"/>
+              </a:spcAft>
+              <a:buFont typeface="Arial"/>
+              <a:buNone/>
+              <a:defRPr/>
+            </a:pPr>
+            <a:r>
+              <a:rPr sz="2800" b="0" i="0" u="none">
+                <a:solidFill>
+                  <a:schemeClr val="tx1">
+                    <a:lumMod val="90000"/>
+                    <a:lumOff val="5000"/>
+                  </a:schemeClr>
+                </a:solidFill>
+                <a:latin typeface="Droid Sans Mono"/>
+                <a:ea typeface="Droid Sans Mono"/>
+                <a:cs typeface="Droid Sans Mono"/>
+              </a:rPr>
+              <a:t>end</a:t>
+            </a:r>
+            <a:endParaRPr sz="2600">
+              <a:solidFill>
+                <a:schemeClr val="tx1">
+                  <a:lumMod val="90000"/>
+                  <a:lumOff val="5000"/>
+                </a:schemeClr>
+              </a:solidFill>
+            </a:endParaRPr>
+          </a:p>
+          <a:p>
+            <a:pPr marL="0" indent="0" algn="l">
+              <a:lnSpc>
+                <a:spcPct val="81000"/>
+              </a:lnSpc>
+              <a:spcAft>
+                <a:spcPts val="0"/>
+              </a:spcAft>
+              <a:buFont typeface="Arial"/>
+              <a:buNone/>
+              <a:defRPr/>
+            </a:pPr>
+            <a:r>
+              <a:rPr sz="2200" b="0" i="0" u="none">
+                <a:solidFill>
+                  <a:srgbClr val="00B0F0"/>
+                </a:solidFill>
+                <a:latin typeface="Droid Sans Mono"/>
+                <a:ea typeface="Droid Sans Mono"/>
+                <a:cs typeface="Droid Sans Mono"/>
+              </a:rPr>
+              <a:t>function</a:t>
+            </a:r>
+            <a:r>
+              <a:rPr sz="2200" b="0" i="0" u="none">
+                <a:solidFill>
+                  <a:srgbClr val="00B0F0"/>
+                </a:solidFill>
+                <a:latin typeface="Droid Sans Mono"/>
+                <a:ea typeface="Droid Sans Mono"/>
+                <a:cs typeface="Droid Sans Mono"/>
+              </a:rPr>
+              <a:t> </a:t>
+            </a:r>
+            <a:r>
+              <a:rPr sz="2200" b="0" i="0" u="none">
+                <a:solidFill>
+                  <a:srgbClr val="00B0F0"/>
+                </a:solidFill>
+                <a:latin typeface="Droid Sans Mono"/>
+                <a:ea typeface="Droid Sans Mono"/>
+                <a:cs typeface="Droid Sans Mono"/>
+              </a:rPr>
+              <a:t>test</a:t>
+            </a:r>
+            <a:r>
+              <a:rPr sz="2200" b="0" i="0" u="none">
+                <a:solidFill>
+                  <a:srgbClr val="00B0F0"/>
+                </a:solidFill>
+                <a:latin typeface="Droid Sans Mono"/>
+                <a:ea typeface="Droid Sans Mono"/>
+                <a:cs typeface="Droid Sans Mono"/>
+              </a:rPr>
+              <a:t>() </a:t>
+            </a:r>
+            <a:r>
+              <a:rPr sz="2200" b="0" i="0" u="none">
+                <a:solidFill>
+                  <a:srgbClr val="00B0F0"/>
+                </a:solidFill>
+                <a:latin typeface="Droid Sans Mono"/>
+                <a:ea typeface="Droid Sans Mono"/>
+                <a:cs typeface="Droid Sans Mono"/>
+              </a:rPr>
+              <a:t>for</a:t>
+            </a:r>
+            <a:r>
+              <a:rPr sz="2200" b="0" i="0" u="none">
+                <a:solidFill>
+                  <a:srgbClr val="00B0F0"/>
+                </a:solidFill>
+                <a:latin typeface="Droid Sans Mono"/>
+                <a:ea typeface="Droid Sans Mono"/>
+                <a:cs typeface="Droid Sans Mono"/>
+              </a:rPr>
+              <a:t> i=</a:t>
+            </a:r>
+            <a:r>
+              <a:rPr sz="2200" b="0" i="0" u="none">
+                <a:solidFill>
+                  <a:srgbClr val="00B0F0"/>
+                </a:solidFill>
+                <a:latin typeface="Droid Sans Mono"/>
+                <a:ea typeface="Droid Sans Mono"/>
+                <a:cs typeface="Droid Sans Mono"/>
+              </a:rPr>
+              <a:t>1</a:t>
+            </a:r>
+            <a:r>
+              <a:rPr sz="2200" b="0" i="0" u="none">
+                <a:solidFill>
+                  <a:srgbClr val="00B0F0"/>
+                </a:solidFill>
+                <a:latin typeface="Droid Sans Mono"/>
+                <a:ea typeface="Droid Sans Mono"/>
+                <a:cs typeface="Droid Sans Mono"/>
+              </a:rPr>
+              <a:t>:</a:t>
+            </a:r>
+            <a:r>
+              <a:rPr sz="2200" b="0" i="0" u="none">
+                <a:solidFill>
+                  <a:srgbClr val="00B0F0"/>
+                </a:solidFill>
+                <a:latin typeface="Droid Sans Mono"/>
+                <a:ea typeface="Droid Sans Mono"/>
+                <a:cs typeface="Droid Sans Mono"/>
+              </a:rPr>
+              <a:t>40000</a:t>
+            </a:r>
+            <a:r>
+              <a:rPr sz="2200" b="0" i="0" u="none">
+                <a:solidFill>
+                  <a:srgbClr val="00B0F0"/>
+                </a:solidFill>
+                <a:latin typeface="Droid Sans Mono"/>
+                <a:ea typeface="Droid Sans Mono"/>
+                <a:cs typeface="Droid Sans Mono"/>
+              </a:rPr>
+              <a:t> </a:t>
+            </a:r>
+            <a:r>
+              <a:rPr sz="2200" b="0" i="0" u="none">
+                <a:solidFill>
+                  <a:srgbClr val="00B0F0"/>
+                </a:solidFill>
+                <a:latin typeface="Droid Sans Mono"/>
+                <a:ea typeface="Droid Sans Mono"/>
+                <a:cs typeface="Droid Sans Mono"/>
+              </a:rPr>
+              <a:t>push!</a:t>
+            </a:r>
+            <a:r>
+              <a:rPr sz="2200" b="0" i="0" u="none">
+                <a:solidFill>
+                  <a:srgbClr val="00B0F0"/>
+                </a:solidFill>
+                <a:latin typeface="Droid Sans Mono"/>
+                <a:ea typeface="Droid Sans Mono"/>
+                <a:cs typeface="Droid Sans Mono"/>
+              </a:rPr>
+              <a:t>(x,-i*</a:t>
+            </a:r>
+            <a:r>
+              <a:rPr sz="2200" b="0" i="0" u="none">
+                <a:solidFill>
+                  <a:srgbClr val="00B0F0"/>
+                </a:solidFill>
+                <a:latin typeface="Droid Sans Mono"/>
+                <a:ea typeface="Droid Sans Mono"/>
+                <a:cs typeface="Droid Sans Mono"/>
+              </a:rPr>
+              <a:t>1.2</a:t>
+            </a:r>
+            <a:r>
+              <a:rPr sz="2200" b="0" i="0" u="none">
+                <a:solidFill>
+                  <a:srgbClr val="00B0F0"/>
+                </a:solidFill>
+                <a:latin typeface="Droid Sans Mono"/>
+                <a:ea typeface="Droid Sans Mono"/>
+                <a:cs typeface="Droid Sans Mono"/>
+              </a:rPr>
+              <a:t>)  </a:t>
+            </a:r>
+            <a:r>
+              <a:rPr sz="2200" b="0" i="0" u="none">
+                <a:solidFill>
+                  <a:srgbClr val="00B0F0"/>
+                </a:solidFill>
+                <a:latin typeface="Droid Sans Mono"/>
+                <a:ea typeface="Droid Sans Mono"/>
+                <a:cs typeface="Droid Sans Mono"/>
+              </a:rPr>
+              <a:t>end </a:t>
+            </a:r>
+            <a:r>
+              <a:rPr sz="2200" b="0" i="0" u="none">
+                <a:solidFill>
+                  <a:srgbClr val="00B0F0"/>
+                </a:solidFill>
+                <a:latin typeface="Droid Sans Mono"/>
+                <a:ea typeface="Droid Sans Mono"/>
+                <a:cs typeface="Droid Sans Mono"/>
+              </a:rPr>
+              <a:t>end</a:t>
+            </a:r>
+            <a:endParaRPr sz="2200" b="0" i="0" u="none">
+              <a:solidFill>
+                <a:srgbClr val="00B0F0"/>
+              </a:solidFill>
+              <a:latin typeface="Droid Sans Mono"/>
+              <a:ea typeface="Droid Sans Mono"/>
+              <a:cs typeface="Droid Sans Mono"/>
+            </a:endParaRPr>
+          </a:p>
+          <a:p>
+            <a:pPr marL="0" indent="0" algn="l">
+              <a:lnSpc>
+                <a:spcPct val="81000"/>
+              </a:lnSpc>
+              <a:spcAft>
+                <a:spcPts val="0"/>
+              </a:spcAft>
+              <a:buFont typeface="Arial"/>
+              <a:buNone/>
+              <a:defRPr/>
+            </a:pPr>
+            <a:r>
+              <a:rPr sz="2400" b="0" i="0" u="none">
+                <a:solidFill>
+                  <a:schemeClr val="tx1">
+                    <a:lumMod val="90000"/>
+                    <a:lumOff val="5000"/>
+                  </a:schemeClr>
+                </a:solidFill>
+                <a:latin typeface="Droid Sans Mono"/>
+                <a:ea typeface="Droid Sans Mono"/>
+                <a:cs typeface="Droid Sans Mono"/>
+              </a:rPr>
+              <a:t>@btime</a:t>
+            </a:r>
+            <a:r>
+              <a:rPr sz="2400" b="0" i="0" u="none">
+                <a:solidFill>
+                  <a:schemeClr val="tx1">
+                    <a:lumMod val="90000"/>
+                    <a:lumOff val="5000"/>
+                  </a:schemeClr>
+                </a:solidFill>
+                <a:latin typeface="Droid Sans Mono"/>
+                <a:ea typeface="Droid Sans Mono"/>
+                <a:cs typeface="Droid Sans Mono"/>
+              </a:rPr>
+              <a:t> </a:t>
+            </a:r>
+            <a:r>
+              <a:rPr sz="2400" b="0" i="0" u="none">
+                <a:solidFill>
+                  <a:schemeClr val="tx1">
+                    <a:lumMod val="90000"/>
+                    <a:lumOff val="5000"/>
+                  </a:schemeClr>
+                </a:solidFill>
+                <a:latin typeface="Droid Sans Mono"/>
+                <a:ea typeface="Droid Sans Mono"/>
+                <a:cs typeface="Droid Sans Mono"/>
+              </a:rPr>
+              <a:t>smallest</a:t>
+            </a:r>
+            <a:r>
+              <a:rPr sz="2400" b="0" i="0" u="none">
+                <a:solidFill>
+                  <a:schemeClr val="tx1">
+                    <a:lumMod val="90000"/>
+                    <a:lumOff val="5000"/>
+                  </a:schemeClr>
+                </a:solidFill>
+                <a:latin typeface="Droid Sans Mono"/>
+                <a:ea typeface="Droid Sans Mono"/>
+                <a:cs typeface="Droid Sans Mono"/>
+              </a:rPr>
+              <a:t>(</a:t>
+            </a:r>
+            <a:r>
+              <a:rPr sz="2400" b="0" i="0" u="none">
+                <a:solidFill>
+                  <a:schemeClr val="tx1">
+                    <a:lumMod val="90000"/>
+                    <a:lumOff val="5000"/>
+                  </a:schemeClr>
+                </a:solidFill>
+                <a:latin typeface="Droid Sans Mono"/>
+                <a:ea typeface="Droid Sans Mono"/>
+                <a:cs typeface="Droid Sans Mono"/>
+              </a:rPr>
+              <a:t>1.0</a:t>
+            </a:r>
+            <a:r>
+              <a:rPr sz="2400" b="0" i="0" u="none">
+                <a:solidFill>
+                  <a:schemeClr val="tx1">
+                    <a:lumMod val="90000"/>
+                    <a:lumOff val="5000"/>
+                  </a:schemeClr>
+                </a:solidFill>
+                <a:latin typeface="Droid Sans Mono"/>
+                <a:ea typeface="Droid Sans Mono"/>
+                <a:cs typeface="Droid Sans Mono"/>
+              </a:rPr>
+              <a:t>,</a:t>
+            </a:r>
+            <a:r>
+              <a:rPr sz="2400" b="0" i="0" u="none">
+                <a:solidFill>
+                  <a:schemeClr val="tx1">
+                    <a:lumMod val="90000"/>
+                    <a:lumOff val="5000"/>
+                  </a:schemeClr>
+                </a:solidFill>
+                <a:latin typeface="Droid Sans Mono"/>
+                <a:ea typeface="Droid Sans Mono"/>
+                <a:cs typeface="Droid Sans Mono"/>
+              </a:rPr>
+              <a:t>2.0</a:t>
+            </a:r>
+            <a:r>
+              <a:rPr sz="2400" b="0" i="0" u="none">
+                <a:solidFill>
+                  <a:schemeClr val="tx1">
+                    <a:lumMod val="90000"/>
+                    <a:lumOff val="5000"/>
+                  </a:schemeClr>
+                </a:solidFill>
+                <a:latin typeface="Droid Sans Mono"/>
+                <a:ea typeface="Droid Sans Mono"/>
+                <a:cs typeface="Droid Sans Mono"/>
+              </a:rPr>
+              <a:t>,x...)</a:t>
+            </a:r>
+            <a:r>
+              <a:rPr sz="2400" b="0" i="0" u="none">
+                <a:solidFill>
+                  <a:schemeClr val="tx1">
+                    <a:lumMod val="90000"/>
+                    <a:lumOff val="5000"/>
+                  </a:schemeClr>
+                </a:solidFill>
+                <a:latin typeface="Droid Sans Mono"/>
+                <a:ea typeface="Droid Sans Mono"/>
+                <a:cs typeface="Droid Sans Mono"/>
+              </a:rPr>
+              <a:t>#@generated </a:t>
+            </a:r>
+            <a:r>
+              <a:rPr lang="en-US" sz="2400" b="0" i="0" u="none" strike="noStrike" cap="none" spc="0">
+                <a:solidFill>
+                  <a:schemeClr val="tx1">
+                    <a:lumMod val="90000"/>
+                    <a:lumOff val="5000"/>
+                  </a:schemeClr>
+                </a:solidFill>
+                <a:latin typeface="Arial"/>
+                <a:ea typeface="Arial"/>
+                <a:cs typeface="Arial"/>
+              </a:rPr>
+              <a:t> LoadError: syntax: invalid syntax (memory-error out of gc handles)</a:t>
+            </a:r>
+            <a:endParaRPr sz="2400" b="0" i="0" u="none">
+              <a:solidFill>
+                <a:schemeClr val="tx1">
+                  <a:lumMod val="90000"/>
+                  <a:lumOff val="5000"/>
+                </a:schemeClr>
+              </a:solidFill>
+              <a:latin typeface="Droid Sans Mono"/>
+              <a:ea typeface="Droid Sans Mono"/>
+              <a:cs typeface="Droid Sans Mono"/>
+            </a:endParaRPr>
+          </a:p>
+          <a:p>
+            <a:pPr marL="0" indent="0" algn="l">
+              <a:lnSpc>
+                <a:spcPct val="81000"/>
+              </a:lnSpc>
+              <a:spcBef>
+                <a:spcPts val="0"/>
+              </a:spcBef>
+              <a:spcAft>
+                <a:spcPts val="0"/>
+              </a:spcAft>
+              <a:buFont typeface="Arial"/>
+              <a:buNone/>
+              <a:defRPr/>
+            </a:pPr>
+            <a:r>
+              <a:rPr sz="2400" b="0" i="0" u="none">
+                <a:solidFill>
+                  <a:schemeClr val="tx1">
+                    <a:lumMod val="90000"/>
+                    <a:lumOff val="5000"/>
+                  </a:schemeClr>
+                </a:solidFill>
+                <a:latin typeface="Droid Sans Mono"/>
+                <a:ea typeface="Droid Sans Mono"/>
+                <a:cs typeface="Droid Sans Mono"/>
+              </a:rPr>
+              <a:t>@btime</a:t>
+            </a:r>
+            <a:r>
+              <a:rPr sz="2400" b="0" i="0" u="none">
+                <a:solidFill>
+                  <a:schemeClr val="tx1">
+                    <a:lumMod val="90000"/>
+                    <a:lumOff val="5000"/>
+                  </a:schemeClr>
+                </a:solidFill>
+                <a:latin typeface="Droid Sans Mono"/>
+                <a:ea typeface="Droid Sans Mono"/>
+                <a:cs typeface="Droid Sans Mono"/>
+              </a:rPr>
+              <a:t> </a:t>
+            </a:r>
+            <a:r>
+              <a:rPr sz="2400" b="0" i="0" u="none">
+                <a:solidFill>
+                  <a:schemeClr val="tx1">
+                    <a:lumMod val="90000"/>
+                    <a:lumOff val="5000"/>
+                  </a:schemeClr>
+                </a:solidFill>
+                <a:latin typeface="Droid Sans Mono"/>
+                <a:ea typeface="Droid Sans Mono"/>
+                <a:cs typeface="Droid Sans Mono"/>
+              </a:rPr>
+              <a:t>smallest2</a:t>
+            </a:r>
+            <a:r>
+              <a:rPr sz="2400" b="0" i="0" u="none">
+                <a:solidFill>
+                  <a:schemeClr val="tx1">
+                    <a:lumMod val="90000"/>
+                    <a:lumOff val="5000"/>
+                  </a:schemeClr>
+                </a:solidFill>
+                <a:latin typeface="Droid Sans Mono"/>
+                <a:ea typeface="Droid Sans Mono"/>
+                <a:cs typeface="Droid Sans Mono"/>
+              </a:rPr>
+              <a:t>(</a:t>
+            </a:r>
+            <a:r>
+              <a:rPr sz="2400" b="0" i="0" u="none">
+                <a:solidFill>
+                  <a:schemeClr val="tx1">
+                    <a:lumMod val="90000"/>
+                    <a:lumOff val="5000"/>
+                  </a:schemeClr>
+                </a:solidFill>
+                <a:latin typeface="Droid Sans Mono"/>
+                <a:ea typeface="Droid Sans Mono"/>
+                <a:cs typeface="Droid Sans Mono"/>
+              </a:rPr>
+              <a:t>1.0</a:t>
+            </a:r>
+            <a:r>
+              <a:rPr sz="2400" b="0" i="0" u="none">
+                <a:solidFill>
+                  <a:schemeClr val="tx1">
+                    <a:lumMod val="90000"/>
+                    <a:lumOff val="5000"/>
+                  </a:schemeClr>
+                </a:solidFill>
+                <a:latin typeface="Droid Sans Mono"/>
+                <a:ea typeface="Droid Sans Mono"/>
+                <a:cs typeface="Droid Sans Mono"/>
+              </a:rPr>
+              <a:t>,</a:t>
+            </a:r>
+            <a:r>
+              <a:rPr sz="2400" b="0" i="0" u="none">
+                <a:solidFill>
+                  <a:schemeClr val="tx1">
+                    <a:lumMod val="90000"/>
+                    <a:lumOff val="5000"/>
+                  </a:schemeClr>
+                </a:solidFill>
+                <a:latin typeface="Droid Sans Mono"/>
+                <a:ea typeface="Droid Sans Mono"/>
+                <a:cs typeface="Droid Sans Mono"/>
+              </a:rPr>
+              <a:t>2.0</a:t>
+            </a:r>
+            <a:r>
+              <a:rPr sz="2400" b="0" i="0" u="none">
+                <a:solidFill>
+                  <a:schemeClr val="tx1">
+                    <a:lumMod val="90000"/>
+                    <a:lumOff val="5000"/>
+                  </a:schemeClr>
+                </a:solidFill>
+                <a:latin typeface="Droid Sans Mono"/>
+                <a:ea typeface="Droid Sans Mono"/>
+                <a:cs typeface="Droid Sans Mono"/>
+              </a:rPr>
+              <a:t>,x...)</a:t>
+            </a:r>
+            <a:r>
+              <a:rPr sz="2600">
+                <a:solidFill>
+                  <a:schemeClr val="tx1">
+                    <a:lumMod val="90000"/>
+                    <a:lumOff val="5000"/>
+                  </a:schemeClr>
+                </a:solidFill>
+              </a:rPr>
+              <a:t>#</a:t>
+            </a:r>
+            <a:r>
+              <a:rPr lang="en-US" sz="1600" b="0" i="0" u="none" strike="noStrike" cap="none" spc="0">
+                <a:solidFill>
+                  <a:schemeClr val="tx1">
+                    <a:lumMod val="90000"/>
+                    <a:lumOff val="5000"/>
+                  </a:schemeClr>
+                </a:solidFill>
+                <a:latin typeface="Arial"/>
+                <a:ea typeface="Arial"/>
+                <a:cs typeface="Arial"/>
+              </a:rPr>
+              <a:t> </a:t>
+            </a:r>
+            <a:r>
+              <a:rPr lang="en-US" sz="2400" b="0" i="0" u="none" strike="noStrike" cap="none" spc="0">
+                <a:solidFill>
+                  <a:schemeClr val="tx1">
+                    <a:lumMod val="90000"/>
+                    <a:lumOff val="5000"/>
+                  </a:schemeClr>
+                </a:solidFill>
+                <a:latin typeface="Arial"/>
+                <a:ea typeface="Arial"/>
+                <a:cs typeface="Arial"/>
+              </a:rPr>
+              <a:t>904.642 μs (40004 allocations: 937.67 KiB)</a:t>
+            </a:r>
+            <a:endParaRPr sz="7200">
+              <a:solidFill>
+                <a:schemeClr val="tx1">
+                  <a:lumMod val="90000"/>
+                  <a:lumOff val="5000"/>
+                </a:schemeClr>
+              </a:solidFill>
+            </a:endParaRPr>
+          </a:p>
+          <a:p>
+            <a:pPr marL="0" indent="0" algn="l">
+              <a:lnSpc>
+                <a:spcPct val="81000"/>
+              </a:lnSpc>
+              <a:spcBef>
+                <a:spcPts val="0"/>
+              </a:spcBef>
+              <a:spcAft>
+                <a:spcPts val="0"/>
+              </a:spcAft>
+              <a:buFont typeface="Arial"/>
+              <a:buNone/>
+              <a:defRPr/>
+            </a:pPr>
+            <a:r>
+              <a:rPr lang="en-US" sz="2200" b="0" i="0" u="none" strike="noStrike" cap="none" spc="0">
+                <a:solidFill>
+                  <a:srgbClr val="00B0F0"/>
+                </a:solidFill>
+                <a:latin typeface="Droid Sans Mono"/>
+                <a:ea typeface="Droid Sans Mono"/>
+                <a:cs typeface="Droid Sans Mono"/>
+              </a:rPr>
+              <a:t>function</a:t>
+            </a:r>
+            <a:r>
+              <a:rPr lang="en-US" sz="2200" b="0" i="0" u="none" strike="noStrike" cap="none" spc="0">
+                <a:solidFill>
+                  <a:srgbClr val="00B0F0"/>
+                </a:solidFill>
+                <a:latin typeface="Droid Sans Mono"/>
+                <a:ea typeface="Droid Sans Mono"/>
+                <a:cs typeface="Droid Sans Mono"/>
+              </a:rPr>
+              <a:t> </a:t>
+            </a:r>
+            <a:r>
+              <a:rPr lang="en-US" sz="2200" b="0" i="0" u="none" strike="noStrike" cap="none" spc="0">
+                <a:solidFill>
+                  <a:srgbClr val="00B0F0"/>
+                </a:solidFill>
+                <a:latin typeface="Droid Sans Mono"/>
+                <a:ea typeface="Droid Sans Mono"/>
+                <a:cs typeface="Droid Sans Mono"/>
+              </a:rPr>
+              <a:t>test</a:t>
+            </a:r>
+            <a:r>
+              <a:rPr lang="en-US" sz="2200" b="0" i="0" u="none" strike="noStrike" cap="none" spc="0">
+                <a:solidFill>
+                  <a:srgbClr val="00B0F0"/>
+                </a:solidFill>
+                <a:latin typeface="Droid Sans Mono"/>
+                <a:ea typeface="Droid Sans Mono"/>
+                <a:cs typeface="Droid Sans Mono"/>
+              </a:rPr>
+              <a:t>() </a:t>
+            </a:r>
+            <a:r>
+              <a:rPr lang="en-US" sz="2200" b="0" i="0" u="none" strike="noStrike" cap="none" spc="0">
+                <a:solidFill>
+                  <a:srgbClr val="00B0F0"/>
+                </a:solidFill>
+                <a:latin typeface="Droid Sans Mono"/>
+                <a:ea typeface="Droid Sans Mono"/>
+                <a:cs typeface="Droid Sans Mono"/>
+              </a:rPr>
+              <a:t>for</a:t>
+            </a:r>
+            <a:r>
+              <a:rPr lang="en-US" sz="2200" b="0" i="0" u="none" strike="noStrike" cap="none" spc="0">
+                <a:solidFill>
+                  <a:srgbClr val="00B0F0"/>
+                </a:solidFill>
+                <a:latin typeface="Droid Sans Mono"/>
+                <a:ea typeface="Droid Sans Mono"/>
+                <a:cs typeface="Droid Sans Mono"/>
+              </a:rPr>
+              <a:t> i=</a:t>
+            </a:r>
+            <a:r>
+              <a:rPr lang="en-US" sz="2200" b="0" i="0" u="none" strike="noStrike" cap="none" spc="0">
+                <a:solidFill>
+                  <a:srgbClr val="00B0F0"/>
+                </a:solidFill>
+                <a:latin typeface="Droid Sans Mono"/>
+                <a:ea typeface="Droid Sans Mono"/>
+                <a:cs typeface="Droid Sans Mono"/>
+              </a:rPr>
+              <a:t>1</a:t>
+            </a:r>
+            <a:r>
+              <a:rPr lang="en-US" sz="2200" b="0" i="0" u="none" strike="noStrike" cap="none" spc="0">
+                <a:solidFill>
+                  <a:srgbClr val="00B0F0"/>
+                </a:solidFill>
+                <a:latin typeface="Droid Sans Mono"/>
+                <a:ea typeface="Droid Sans Mono"/>
+                <a:cs typeface="Droid Sans Mono"/>
+              </a:rPr>
+              <a:t>:</a:t>
+            </a:r>
+            <a:r>
+              <a:rPr lang="en-US" sz="2200" b="0" i="0" u="none" strike="noStrike" cap="none" spc="0">
+                <a:solidFill>
+                  <a:srgbClr val="00B0F0"/>
+                </a:solidFill>
+                <a:highlight>
+                  <a:srgbClr val="FFFF00"/>
+                </a:highlight>
+                <a:latin typeface="Droid Sans Mono"/>
+                <a:ea typeface="Droid Sans Mono"/>
+                <a:cs typeface="Droid Sans Mono"/>
+              </a:rPr>
+              <a:t>4000</a:t>
+            </a:r>
+            <a:r>
+              <a:rPr lang="en-US" sz="2200" b="0" i="0" u="none" strike="noStrike" cap="none" spc="0">
+                <a:solidFill>
+                  <a:srgbClr val="00B0F0"/>
+                </a:solidFill>
+                <a:latin typeface="Droid Sans Mono"/>
+                <a:ea typeface="Droid Sans Mono"/>
+                <a:cs typeface="Droid Sans Mono"/>
+              </a:rPr>
+              <a:t> </a:t>
+            </a:r>
+            <a:r>
+              <a:rPr lang="en-US" sz="2200" b="0" i="0" u="none" strike="noStrike" cap="none" spc="0">
+                <a:solidFill>
+                  <a:srgbClr val="00B0F0"/>
+                </a:solidFill>
+                <a:latin typeface="Droid Sans Mono"/>
+                <a:ea typeface="Droid Sans Mono"/>
+                <a:cs typeface="Droid Sans Mono"/>
+              </a:rPr>
+              <a:t>push!</a:t>
+            </a:r>
+            <a:r>
+              <a:rPr lang="en-US" sz="2200" b="0" i="0" u="none" strike="noStrike" cap="none" spc="0">
+                <a:solidFill>
+                  <a:srgbClr val="00B0F0"/>
+                </a:solidFill>
+                <a:latin typeface="Droid Sans Mono"/>
+                <a:ea typeface="Droid Sans Mono"/>
+                <a:cs typeface="Droid Sans Mono"/>
+              </a:rPr>
+              <a:t>(x,-i*</a:t>
+            </a:r>
+            <a:r>
+              <a:rPr lang="en-US" sz="2200" b="0" i="0" u="none" strike="noStrike" cap="none" spc="0">
+                <a:solidFill>
+                  <a:srgbClr val="00B0F0"/>
+                </a:solidFill>
+                <a:latin typeface="Droid Sans Mono"/>
+                <a:ea typeface="Droid Sans Mono"/>
+                <a:cs typeface="Droid Sans Mono"/>
+              </a:rPr>
+              <a:t>1.2</a:t>
+            </a:r>
+            <a:r>
+              <a:rPr lang="en-US" sz="2200" b="0" i="0" u="none" strike="noStrike" cap="none" spc="0">
+                <a:solidFill>
+                  <a:srgbClr val="00B0F0"/>
+                </a:solidFill>
+                <a:latin typeface="Droid Sans Mono"/>
+                <a:ea typeface="Droid Sans Mono"/>
+                <a:cs typeface="Droid Sans Mono"/>
+              </a:rPr>
+              <a:t>)  </a:t>
+            </a:r>
+            <a:r>
+              <a:rPr lang="en-US" sz="2200" b="0" i="0" u="none" strike="noStrike" cap="none" spc="0">
+                <a:solidFill>
+                  <a:srgbClr val="00B0F0"/>
+                </a:solidFill>
+                <a:latin typeface="Droid Sans Mono"/>
+                <a:ea typeface="Droid Sans Mono"/>
+                <a:cs typeface="Droid Sans Mono"/>
+              </a:rPr>
+              <a:t>end </a:t>
+            </a:r>
+            <a:r>
+              <a:rPr lang="en-US" sz="2200" b="0" i="0" u="none" strike="noStrike" cap="none" spc="0">
+                <a:solidFill>
+                  <a:srgbClr val="00B0F0"/>
+                </a:solidFill>
+                <a:latin typeface="Droid Sans Mono"/>
+                <a:ea typeface="Droid Sans Mono"/>
+                <a:cs typeface="Droid Sans Mono"/>
+              </a:rPr>
+              <a:t>end</a:t>
+            </a:r>
+            <a:endParaRPr sz="2200">
+              <a:solidFill>
+                <a:schemeClr val="tx1">
+                  <a:lumMod val="90000"/>
+                  <a:lumOff val="5000"/>
+                </a:schemeClr>
+              </a:solidFill>
+            </a:endParaRPr>
+          </a:p>
+          <a:p>
+            <a:pPr marL="0" indent="0" algn="l">
+              <a:lnSpc>
+                <a:spcPct val="81000"/>
+              </a:lnSpc>
+              <a:spcAft>
+                <a:spcPts val="0"/>
+              </a:spcAft>
+              <a:buFont typeface="Arial"/>
+              <a:buNone/>
+              <a:defRPr/>
+            </a:pPr>
+            <a:r>
+              <a:rPr lang="en-US" sz="2400" b="0" i="0" u="none" strike="noStrike" cap="none" spc="0">
+                <a:solidFill>
+                  <a:schemeClr val="tx1">
+                    <a:lumMod val="90000"/>
+                    <a:lumOff val="5000"/>
+                  </a:schemeClr>
+                </a:solidFill>
+                <a:latin typeface="Droid Sans Mono"/>
+                <a:ea typeface="Droid Sans Mono"/>
+                <a:cs typeface="Droid Sans Mono"/>
+              </a:rPr>
+              <a:t>@btime</a:t>
+            </a:r>
+            <a:r>
+              <a:rPr lang="en-US" sz="2400" b="0" i="0" u="none" strike="noStrike" cap="none" spc="0">
+                <a:solidFill>
+                  <a:schemeClr val="tx1">
+                    <a:lumMod val="90000"/>
+                    <a:lumOff val="5000"/>
+                  </a:schemeClr>
+                </a:solidFill>
+                <a:latin typeface="Droid Sans Mono"/>
+                <a:ea typeface="Droid Sans Mono"/>
+                <a:cs typeface="Droid Sans Mono"/>
+              </a:rPr>
+              <a:t> </a:t>
+            </a:r>
+            <a:r>
+              <a:rPr lang="en-US" sz="2400" b="0" i="0" u="none" strike="noStrike" cap="none" spc="0">
+                <a:solidFill>
+                  <a:schemeClr val="tx1">
+                    <a:lumMod val="90000"/>
+                    <a:lumOff val="5000"/>
+                  </a:schemeClr>
+                </a:solidFill>
+                <a:latin typeface="Droid Sans Mono"/>
+                <a:ea typeface="Droid Sans Mono"/>
+                <a:cs typeface="Droid Sans Mono"/>
+              </a:rPr>
+              <a:t>smallest</a:t>
+            </a:r>
+            <a:r>
+              <a:rPr lang="en-US" sz="2400" b="0" i="0" u="none" strike="noStrike" cap="none" spc="0">
+                <a:solidFill>
+                  <a:schemeClr val="tx1">
+                    <a:lumMod val="90000"/>
+                    <a:lumOff val="5000"/>
+                  </a:schemeClr>
+                </a:solidFill>
+                <a:latin typeface="Droid Sans Mono"/>
+                <a:ea typeface="Droid Sans Mono"/>
+                <a:cs typeface="Droid Sans Mono"/>
+              </a:rPr>
+              <a:t>(</a:t>
+            </a:r>
+            <a:r>
+              <a:rPr lang="en-US" sz="2400" b="0" i="0" u="none" strike="noStrike" cap="none" spc="0">
+                <a:solidFill>
+                  <a:schemeClr val="tx1">
+                    <a:lumMod val="90000"/>
+                    <a:lumOff val="5000"/>
+                  </a:schemeClr>
+                </a:solidFill>
+                <a:latin typeface="Droid Sans Mono"/>
+                <a:ea typeface="Droid Sans Mono"/>
+                <a:cs typeface="Droid Sans Mono"/>
+              </a:rPr>
+              <a:t>1.0</a:t>
+            </a:r>
+            <a:r>
+              <a:rPr lang="en-US" sz="2400" b="0" i="0" u="none" strike="noStrike" cap="none" spc="0">
+                <a:solidFill>
+                  <a:schemeClr val="tx1">
+                    <a:lumMod val="90000"/>
+                    <a:lumOff val="5000"/>
+                  </a:schemeClr>
+                </a:solidFill>
+                <a:latin typeface="Droid Sans Mono"/>
+                <a:ea typeface="Droid Sans Mono"/>
+                <a:cs typeface="Droid Sans Mono"/>
+              </a:rPr>
+              <a:t>,</a:t>
+            </a:r>
+            <a:r>
+              <a:rPr lang="en-US" sz="2400" b="0" i="0" u="none" strike="noStrike" cap="none" spc="0">
+                <a:solidFill>
+                  <a:schemeClr val="tx1">
+                    <a:lumMod val="90000"/>
+                    <a:lumOff val="5000"/>
+                  </a:schemeClr>
+                </a:solidFill>
+                <a:latin typeface="Droid Sans Mono"/>
+                <a:ea typeface="Droid Sans Mono"/>
+                <a:cs typeface="Droid Sans Mono"/>
+              </a:rPr>
+              <a:t>2.0</a:t>
+            </a:r>
+            <a:r>
+              <a:rPr lang="en-US" sz="2400" b="0" i="0" u="none" strike="noStrike" cap="none" spc="0">
+                <a:solidFill>
+                  <a:schemeClr val="tx1">
+                    <a:lumMod val="90000"/>
+                    <a:lumOff val="5000"/>
+                  </a:schemeClr>
+                </a:solidFill>
+                <a:latin typeface="Droid Sans Mono"/>
+                <a:ea typeface="Droid Sans Mono"/>
+                <a:cs typeface="Droid Sans Mono"/>
+              </a:rPr>
+              <a:t>,x...)</a:t>
+            </a:r>
+            <a:r>
+              <a:rPr lang="en-US" sz="2400" b="0" i="0" u="none" strike="noStrike" cap="none" spc="0">
+                <a:solidFill>
+                  <a:schemeClr val="tx1">
+                    <a:lumMod val="90000"/>
+                    <a:lumOff val="5000"/>
+                  </a:schemeClr>
+                </a:solidFill>
+                <a:latin typeface="Droid Sans Mono"/>
+                <a:ea typeface="Droid Sans Mono"/>
+                <a:cs typeface="Droid Sans Mono"/>
+              </a:rPr>
+              <a:t>#</a:t>
+            </a:r>
+            <a:r>
+              <a:rPr lang="en-US" sz="2400" b="0" i="0" u="none" strike="noStrike" cap="none" spc="0">
+                <a:solidFill>
+                  <a:schemeClr val="tx1">
+                    <a:lumMod val="90000"/>
+                    <a:lumOff val="5000"/>
+                  </a:schemeClr>
+                </a:solidFill>
+                <a:latin typeface="Droid Sans Mono"/>
+                <a:ea typeface="Droid Sans Mono"/>
+                <a:cs typeface="Droid Sans Mono"/>
+              </a:rPr>
+              <a:t> 128.055 μs (4004 allocations: 93.92 KiB)</a:t>
+            </a:r>
+            <a:endParaRPr sz="2400" b="0" i="0" u="none">
+              <a:solidFill>
+                <a:schemeClr val="tx1">
+                  <a:lumMod val="90000"/>
+                  <a:lumOff val="5000"/>
+                </a:schemeClr>
+              </a:solidFill>
+              <a:latin typeface="Droid Sans Mono"/>
+              <a:ea typeface="Droid Sans Mono"/>
+              <a:cs typeface="Droid Sans Mono"/>
+            </a:endParaRPr>
+          </a:p>
+          <a:p>
+            <a:pPr marL="0" indent="0" algn="l">
+              <a:lnSpc>
+                <a:spcPct val="81000"/>
+              </a:lnSpc>
+              <a:spcBef>
+                <a:spcPts val="0"/>
+              </a:spcBef>
+              <a:spcAft>
+                <a:spcPts val="0"/>
+              </a:spcAft>
+              <a:buFont typeface="Arial"/>
+              <a:buNone/>
+              <a:defRPr/>
+            </a:pPr>
+            <a:r>
+              <a:rPr lang="en-US" sz="2400" b="0" i="0" u="none" strike="noStrike" cap="none" spc="0">
+                <a:solidFill>
+                  <a:schemeClr val="tx1">
+                    <a:lumMod val="90000"/>
+                    <a:lumOff val="5000"/>
+                  </a:schemeClr>
+                </a:solidFill>
+                <a:latin typeface="Droid Sans Mono"/>
+                <a:ea typeface="Droid Sans Mono"/>
+                <a:cs typeface="Droid Sans Mono"/>
+              </a:rPr>
+              <a:t>@btime</a:t>
+            </a:r>
+            <a:r>
+              <a:rPr lang="en-US" sz="2400" b="0" i="0" u="none" strike="noStrike" cap="none" spc="0">
+                <a:solidFill>
+                  <a:schemeClr val="tx1">
+                    <a:lumMod val="90000"/>
+                    <a:lumOff val="5000"/>
+                  </a:schemeClr>
+                </a:solidFill>
+                <a:latin typeface="Droid Sans Mono"/>
+                <a:ea typeface="Droid Sans Mono"/>
+                <a:cs typeface="Droid Sans Mono"/>
+              </a:rPr>
+              <a:t> </a:t>
+            </a:r>
+            <a:r>
+              <a:rPr lang="en-US" sz="2400" b="0" i="0" u="none" strike="noStrike" cap="none" spc="0">
+                <a:solidFill>
+                  <a:schemeClr val="tx1">
+                    <a:lumMod val="90000"/>
+                    <a:lumOff val="5000"/>
+                  </a:schemeClr>
+                </a:solidFill>
+                <a:latin typeface="Droid Sans Mono"/>
+                <a:ea typeface="Droid Sans Mono"/>
+                <a:cs typeface="Droid Sans Mono"/>
+              </a:rPr>
+              <a:t>smallest2</a:t>
+            </a:r>
+            <a:r>
+              <a:rPr lang="en-US" sz="2400" b="0" i="0" u="none" strike="noStrike" cap="none" spc="0">
+                <a:solidFill>
+                  <a:schemeClr val="tx1">
+                    <a:lumMod val="90000"/>
+                    <a:lumOff val="5000"/>
+                  </a:schemeClr>
+                </a:solidFill>
+                <a:latin typeface="Droid Sans Mono"/>
+                <a:ea typeface="Droid Sans Mono"/>
+                <a:cs typeface="Droid Sans Mono"/>
+              </a:rPr>
+              <a:t>(</a:t>
+            </a:r>
+            <a:r>
+              <a:rPr lang="en-US" sz="2400" b="0" i="0" u="none" strike="noStrike" cap="none" spc="0">
+                <a:solidFill>
+                  <a:schemeClr val="tx1">
+                    <a:lumMod val="90000"/>
+                    <a:lumOff val="5000"/>
+                  </a:schemeClr>
+                </a:solidFill>
+                <a:latin typeface="Droid Sans Mono"/>
+                <a:ea typeface="Droid Sans Mono"/>
+                <a:cs typeface="Droid Sans Mono"/>
+              </a:rPr>
+              <a:t>1.0</a:t>
+            </a:r>
+            <a:r>
+              <a:rPr lang="en-US" sz="2400" b="0" i="0" u="none" strike="noStrike" cap="none" spc="0">
+                <a:solidFill>
+                  <a:schemeClr val="tx1">
+                    <a:lumMod val="90000"/>
+                    <a:lumOff val="5000"/>
+                  </a:schemeClr>
+                </a:solidFill>
+                <a:latin typeface="Droid Sans Mono"/>
+                <a:ea typeface="Droid Sans Mono"/>
+                <a:cs typeface="Droid Sans Mono"/>
+              </a:rPr>
+              <a:t>,</a:t>
+            </a:r>
+            <a:r>
+              <a:rPr lang="en-US" sz="2400" b="0" i="0" u="none" strike="noStrike" cap="none" spc="0">
+                <a:solidFill>
+                  <a:schemeClr val="tx1">
+                    <a:lumMod val="90000"/>
+                    <a:lumOff val="5000"/>
+                  </a:schemeClr>
+                </a:solidFill>
+                <a:latin typeface="Droid Sans Mono"/>
+                <a:ea typeface="Droid Sans Mono"/>
+                <a:cs typeface="Droid Sans Mono"/>
+              </a:rPr>
+              <a:t>2.0</a:t>
+            </a:r>
+            <a:r>
+              <a:rPr lang="en-US" sz="2400" b="0" i="0" u="none" strike="noStrike" cap="none" spc="0">
+                <a:solidFill>
+                  <a:schemeClr val="tx1">
+                    <a:lumMod val="90000"/>
+                    <a:lumOff val="5000"/>
+                  </a:schemeClr>
+                </a:solidFill>
+                <a:latin typeface="Droid Sans Mono"/>
+                <a:ea typeface="Droid Sans Mono"/>
+                <a:cs typeface="Droid Sans Mono"/>
+              </a:rPr>
+              <a:t>,x...)</a:t>
+            </a:r>
+            <a:r>
+              <a:rPr lang="en-US" sz="2400" b="0" i="0" u="none" strike="noStrike" cap="none" spc="0">
+                <a:solidFill>
+                  <a:schemeClr val="tx1">
+                    <a:lumMod val="90000"/>
+                    <a:lumOff val="5000"/>
+                  </a:schemeClr>
+                </a:solidFill>
+                <a:latin typeface="+mn-lt"/>
+                <a:ea typeface="+mn-ea"/>
+                <a:cs typeface="+mn-cs"/>
+              </a:rPr>
+              <a:t>#</a:t>
+            </a:r>
+            <a:r>
+              <a:rPr lang="en-US" sz="2400" b="0" i="0" u="none" strike="noStrike" cap="none" spc="0">
+                <a:solidFill>
+                  <a:schemeClr val="tx1">
+                    <a:lumMod val="90000"/>
+                    <a:lumOff val="5000"/>
+                  </a:schemeClr>
+                </a:solidFill>
+                <a:latin typeface="Arial"/>
+                <a:ea typeface="Arial"/>
+                <a:cs typeface="Arial"/>
+              </a:rPr>
+              <a:t> </a:t>
+            </a:r>
+            <a:r>
+              <a:rPr lang="en-US" sz="2400" b="0" i="0" u="none" strike="noStrike" cap="none" spc="0">
+                <a:solidFill>
+                  <a:schemeClr val="tx1">
+                    <a:lumMod val="90000"/>
+                    <a:lumOff val="5000"/>
+                  </a:schemeClr>
+                </a:solidFill>
+                <a:latin typeface="Arial"/>
+                <a:ea typeface="Arial"/>
+                <a:cs typeface="Arial"/>
+              </a:rPr>
+              <a:t>  120.540 μs (4004 allocations: 93.92 KiB)</a:t>
+            </a:r>
+            <a:endParaRPr sz="2400" b="0" i="0" u="none" strike="noStrike" cap="none" spc="0">
+              <a:solidFill>
+                <a:schemeClr val="tx1">
+                  <a:lumMod val="90000"/>
+                  <a:lumOff val="5000"/>
+                </a:schemeClr>
+              </a:solidFill>
+              <a:latin typeface="Arial"/>
+              <a:ea typeface="Arial"/>
+              <a:cs typeface="Arial"/>
+            </a:endParaRPr>
+          </a:p>
+          <a:p>
+            <a:pPr marL="0" indent="0" algn="l">
+              <a:lnSpc>
+                <a:spcPct val="81000"/>
+              </a:lnSpc>
+              <a:spcBef>
+                <a:spcPts val="0"/>
+              </a:spcBef>
+              <a:spcAft>
+                <a:spcPts val="0"/>
+              </a:spcAft>
+              <a:buFont typeface="Arial"/>
+              <a:buNone/>
+              <a:defRPr/>
+            </a:pPr>
+            <a:r>
+              <a:rPr lang="en-US" sz="2600" b="0" i="0" u="none" strike="noStrike" cap="none" spc="0">
+                <a:solidFill>
+                  <a:schemeClr val="tx1">
+                    <a:lumMod val="90000"/>
+                    <a:lumOff val="5000"/>
+                  </a:schemeClr>
+                </a:solidFill>
+                <a:latin typeface="Arial"/>
+                <a:ea typeface="Arial"/>
+                <a:cs typeface="Arial"/>
+              </a:rPr>
+              <a:t>The same thing for @inline </a:t>
+            </a:r>
+            <a:r>
+              <a:rPr sz="2600" b="0" i="0" u="none">
+                <a:solidFill>
+                  <a:srgbClr val="569CD6"/>
+                </a:solidFill>
+                <a:latin typeface="Droid Sans Mono"/>
+                <a:ea typeface="Droid Sans Mono"/>
+                <a:cs typeface="Droid Sans Mono"/>
+              </a:rPr>
+              <a:t>function</a:t>
+            </a:r>
+            <a:r>
+              <a:rPr sz="2600" b="0" i="0" u="none">
+                <a:solidFill>
+                  <a:srgbClr val="D4D4D4"/>
+                </a:solidFill>
+                <a:latin typeface="Droid Sans Mono"/>
+                <a:ea typeface="Droid Sans Mono"/>
+                <a:cs typeface="Droid Sans Mono"/>
+              </a:rPr>
+              <a:t> </a:t>
+            </a:r>
+            <a:r>
+              <a:rPr sz="2600" b="0" i="0" u="none">
+                <a:solidFill>
+                  <a:srgbClr val="7030A0"/>
+                </a:solidFill>
+                <a:latin typeface="Droid Sans Mono"/>
+                <a:ea typeface="Droid Sans Mono"/>
+                <a:cs typeface="Droid Sans Mono"/>
+              </a:rPr>
+              <a:t>quadraticsmallestpositiveroot</a:t>
+            </a:r>
+            <a:r>
+              <a:rPr sz="2600" b="0" i="0" u="none">
+                <a:solidFill>
+                  <a:srgbClr val="7030A0"/>
+                </a:solidFill>
+                <a:latin typeface="Droid Sans Mono"/>
+                <a:ea typeface="Droid Sans Mono"/>
+                <a:cs typeface="Droid Sans Mono"/>
+              </a:rPr>
+              <a:t>(a::</a:t>
+            </a:r>
+            <a:r>
+              <a:rPr sz="2600" b="0" i="0" u="none">
+                <a:solidFill>
+                  <a:srgbClr val="7030A0"/>
+                </a:solidFill>
+                <a:latin typeface="Droid Sans Mono"/>
+                <a:ea typeface="Droid Sans Mono"/>
+                <a:cs typeface="Droid Sans Mono"/>
+              </a:rPr>
+              <a:t>F</a:t>
+            </a:r>
+            <a:r>
+              <a:rPr sz="2600" b="0" i="0" u="none">
+                <a:solidFill>
+                  <a:srgbClr val="7030A0"/>
+                </a:solidFill>
+                <a:latin typeface="Droid Sans Mono"/>
+                <a:ea typeface="Droid Sans Mono"/>
+                <a:cs typeface="Droid Sans Mono"/>
+              </a:rPr>
+              <a:t>, b::</a:t>
+            </a:r>
+            <a:r>
+              <a:rPr sz="2600" b="0" i="0" u="none">
+                <a:solidFill>
+                  <a:srgbClr val="7030A0"/>
+                </a:solidFill>
+                <a:latin typeface="Droid Sans Mono"/>
+                <a:ea typeface="Droid Sans Mono"/>
+                <a:cs typeface="Droid Sans Mono"/>
+              </a:rPr>
+              <a:t>F</a:t>
+            </a:r>
+            <a:r>
+              <a:rPr sz="2600" b="0" i="0" u="none">
+                <a:solidFill>
+                  <a:srgbClr val="7030A0"/>
+                </a:solidFill>
+                <a:latin typeface="Droid Sans Mono"/>
+                <a:ea typeface="Droid Sans Mono"/>
+                <a:cs typeface="Droid Sans Mono"/>
+              </a:rPr>
+              <a:t>, c::</a:t>
+            </a:r>
+            <a:r>
+              <a:rPr sz="2600" b="0" i="0" u="none">
+                <a:solidFill>
+                  <a:srgbClr val="7030A0"/>
+                </a:solidFill>
+                <a:latin typeface="Droid Sans Mono"/>
+                <a:ea typeface="Droid Sans Mono"/>
+                <a:cs typeface="Droid Sans Mono"/>
+              </a:rPr>
+              <a:t>F</a:t>
+            </a:r>
+            <a:r>
+              <a:rPr sz="2600" b="0" i="0" u="none">
+                <a:solidFill>
+                  <a:srgbClr val="7030A0"/>
+                </a:solidFill>
+                <a:latin typeface="Droid Sans Mono"/>
+                <a:ea typeface="Droid Sans Mono"/>
+                <a:cs typeface="Droid Sans Mono"/>
+              </a:rPr>
+              <a:t>)</a:t>
+            </a:r>
+            <a:endParaRPr sz="2600">
+              <a:solidFill>
+                <a:srgbClr val="7030A0"/>
+              </a:solidFill>
+            </a:endParaRPr>
           </a:p>
         </p:txBody>
       </p:sp>
@@ -3598,7 +6307,7 @@
       </p:grpSpPr>
       <p:sp>
         <p:nvSpPr>
-          <p:cNvPr id="1497336202" name="Title 1" hidden="0"/>
+          <p:cNvPr id="2033614704" name="Title 1" hidden="0"/>
           <p:cNvSpPr>
             <a:spLocks noGrp="1"/>
           </p:cNvSpPr>
@@ -3608,34 +6317,28 @@
         </p:nvSpPr>
         <p:spPr bwMode="auto">
           <a:xfrm flipH="0" flipV="0">
-            <a:off x="838199" y="365124"/>
-            <a:ext cx="10515600" cy="315231"/>
+            <a:off x="838198" y="365124"/>
+            <a:ext cx="10515600" cy="691283"/>
           </a:xfrm>
         </p:spPr>
         <p:txBody>
-          <a:bodyPr vertOverflow="overflow" horzOverflow="clip" vert="horz" wrap="square" lIns="91440" tIns="45720" rIns="91440" bIns="45720" numCol="1" spcCol="0" rtlCol="0" fromWordArt="0" anchor="ctr" anchorCtr="0" forceAA="0" upright="0" compatLnSpc="0">
-            <a:normAutofit fontScale="90000" lnSpcReduction="2000"/>
-          </a:bodyPr>
+          <a:bodyPr/>
           <a:lstStyle/>
           <a:p>
             <a:pPr algn="ctr">
               <a:defRPr/>
             </a:pPr>
             <a:r>
-              <a:rPr sz="2800" b="0"/>
-              <a:t>@</a:t>
-            </a:r>
-            <a:r>
-              <a:rPr sz="2800" b="0"/>
-              <a:t>generated @inbounds @inline</a:t>
-            </a:r>
-            <a:endParaRPr/>
+              <a:rPr sz="2800"/>
+              <a:t>Future tasks</a:t>
+            </a:r>
+            <a:endParaRPr sz="2800"/>
           </a:p>
         </p:txBody>
       </p:sp>
       <p:sp>
         <p:nvSpPr>
-          <p:cNvPr id="1601177732" name="Content Placeholder 2" hidden="0"/>
+          <p:cNvPr id="193761102" name="Content Placeholder 2" hidden="0"/>
           <p:cNvSpPr>
             <a:spLocks noGrp="1"/>
           </p:cNvSpPr>
@@ -3644,2524 +6347,71 @@
           </p:nvPr>
         </p:nvSpPr>
         <p:spPr bwMode="auto">
-          <a:xfrm flipH="0" flipV="0">
-            <a:off x="55821" y="832303"/>
-            <a:ext cx="11216335" cy="5971267"/>
+          <a:xfrm>
+            <a:off x="838198" y="1600488"/>
+            <a:ext cx="10515600" cy="4351338"/>
           </a:xfrm>
         </p:spPr>
         <p:txBody>
           <a:bodyPr vertOverflow="overflow" horzOverflow="clip" vert="horz" wrap="square" lIns="91440" tIns="45720" rIns="91440" bIns="45720" numCol="1" spcCol="0" rtlCol="0" fromWordArt="0" anchor="t" anchorCtr="0" forceAA="0" upright="0" compatLnSpc="0">
-            <a:normAutofit fontScale="60000" lnSpcReduction="8000"/>
+            <a:normAutofit/>
           </a:bodyPr>
           <a:lstStyle/>
           <a:p>
-            <a:pPr marL="0" indent="0" algn="l">
-              <a:lnSpc>
-                <a:spcPct val="80000"/>
-              </a:lnSpc>
-              <a:spcBef>
-                <a:spcPts val="0"/>
-              </a:spcBef>
-              <a:spcAft>
-                <a:spcPts val="0"/>
-              </a:spcAft>
-              <a:buFont typeface="Arial"/>
-              <a:buNone/>
-              <a:defRPr/>
-            </a:pPr>
-            <a:r>
-              <a:rPr sz="2800" b="0" i="0" u="none">
-                <a:solidFill>
-                  <a:schemeClr val="tx1">
-                    <a:lumMod val="90000"/>
-                    <a:lumOff val="5000"/>
-                  </a:schemeClr>
-                </a:solidFill>
-                <a:highlight>
-                  <a:srgbClr val="FFFF00"/>
-                </a:highlight>
-                <a:latin typeface="Droid Sans Mono"/>
-                <a:ea typeface="Droid Sans Mono"/>
-                <a:cs typeface="Droid Sans Mono"/>
-              </a:rPr>
-              <a:t>@generated</a:t>
-            </a:r>
-            <a:r>
-              <a:rPr sz="2800" b="0" i="0" u="none">
-                <a:solidFill>
-                  <a:schemeClr val="tx1">
-                    <a:lumMod val="90000"/>
-                    <a:lumOff val="5000"/>
-                  </a:schemeClr>
-                </a:solidFill>
-                <a:latin typeface="Droid Sans Mono"/>
-                <a:ea typeface="Droid Sans Mono"/>
-                <a:cs typeface="Droid Sans Mono"/>
-              </a:rPr>
-              <a:t> </a:t>
-            </a:r>
-            <a:r>
-              <a:rPr sz="2800" b="0" i="0" u="none">
-                <a:solidFill>
-                  <a:schemeClr val="tx1">
-                    <a:lumMod val="90000"/>
-                    <a:lumOff val="5000"/>
-                  </a:schemeClr>
-                </a:solidFill>
-                <a:latin typeface="Droid Sans Mono"/>
-                <a:ea typeface="Droid Sans Mono"/>
-                <a:cs typeface="Droid Sans Mono"/>
-              </a:rPr>
-              <a:t>function</a:t>
-            </a:r>
-            <a:r>
-              <a:rPr sz="2800" b="0" i="0" u="none">
-                <a:solidFill>
-                  <a:schemeClr val="tx1">
-                    <a:lumMod val="90000"/>
-                    <a:lumOff val="5000"/>
-                  </a:schemeClr>
-                </a:solidFill>
-                <a:latin typeface="Droid Sans Mono"/>
-                <a:ea typeface="Droid Sans Mono"/>
-                <a:cs typeface="Droid Sans Mono"/>
-              </a:rPr>
-              <a:t> </a:t>
-            </a:r>
-            <a:r>
-              <a:rPr sz="2800" b="0" i="0" u="none">
-                <a:solidFill>
-                  <a:schemeClr val="tx1">
-                    <a:lumMod val="90000"/>
-                    <a:lumOff val="5000"/>
-                  </a:schemeClr>
-                </a:solidFill>
-                <a:latin typeface="Droid Sans Mono"/>
-                <a:ea typeface="Droid Sans Mono"/>
-                <a:cs typeface="Droid Sans Mono"/>
-              </a:rPr>
-              <a:t>smallest</a:t>
-            </a:r>
-            <a:r>
-              <a:rPr sz="2800" b="0" i="0" u="none">
-                <a:solidFill>
-                  <a:schemeClr val="tx1">
-                    <a:lumMod val="90000"/>
-                    <a:lumOff val="5000"/>
-                  </a:schemeClr>
-                </a:solidFill>
-                <a:latin typeface="Droid Sans Mono"/>
-                <a:ea typeface="Droid Sans Mono"/>
-                <a:cs typeface="Droid Sans Mono"/>
-              </a:rPr>
-              <a:t>(arg1::</a:t>
-            </a:r>
-            <a:r>
-              <a:rPr sz="2800" b="0" i="0" u="none">
-                <a:solidFill>
-                  <a:schemeClr val="tx1">
-                    <a:lumMod val="90000"/>
-                    <a:lumOff val="5000"/>
-                  </a:schemeClr>
-                </a:solidFill>
-                <a:latin typeface="Droid Sans Mono"/>
-                <a:ea typeface="Droid Sans Mono"/>
-                <a:cs typeface="Droid Sans Mono"/>
-              </a:rPr>
-              <a:t>F</a:t>
-            </a:r>
-            <a:r>
-              <a:rPr sz="2800" b="0" i="0" u="none">
-                <a:solidFill>
-                  <a:schemeClr val="tx1">
-                    <a:lumMod val="90000"/>
-                    <a:lumOff val="5000"/>
-                  </a:schemeClr>
-                </a:solidFill>
-                <a:latin typeface="Droid Sans Mono"/>
-                <a:ea typeface="Droid Sans Mono"/>
-                <a:cs typeface="Droid Sans Mono"/>
-              </a:rPr>
-              <a:t>, arg2::</a:t>
-            </a:r>
-            <a:r>
-              <a:rPr sz="2800" b="0" i="0" u="none">
-                <a:solidFill>
-                  <a:schemeClr val="tx1">
-                    <a:lumMod val="90000"/>
-                    <a:lumOff val="5000"/>
-                  </a:schemeClr>
-                </a:solidFill>
-                <a:latin typeface="Droid Sans Mono"/>
-                <a:ea typeface="Droid Sans Mono"/>
-                <a:cs typeface="Droid Sans Mono"/>
-              </a:rPr>
-              <a:t>F</a:t>
-            </a:r>
-            <a:r>
-              <a:rPr sz="2800" b="0" i="0" u="none">
-                <a:solidFill>
-                  <a:schemeClr val="tx1">
-                    <a:lumMod val="90000"/>
-                    <a:lumOff val="5000"/>
-                  </a:schemeClr>
-                </a:solidFill>
-                <a:latin typeface="Droid Sans Mono"/>
-                <a:ea typeface="Droid Sans Mono"/>
-                <a:cs typeface="Droid Sans Mono"/>
-              </a:rPr>
-              <a:t>, args::</a:t>
-            </a:r>
-            <a:r>
-              <a:rPr sz="2800" b="0" i="0" u="none">
-                <a:solidFill>
-                  <a:schemeClr val="tx1">
-                    <a:lumMod val="90000"/>
-                    <a:lumOff val="5000"/>
-                  </a:schemeClr>
-                </a:solidFill>
-                <a:latin typeface="Droid Sans Mono"/>
-                <a:ea typeface="Droid Sans Mono"/>
-                <a:cs typeface="Droid Sans Mono"/>
-              </a:rPr>
-              <a:t>F...</a:t>
-            </a:r>
-            <a:r>
-              <a:rPr sz="2800" b="0" i="0" u="none">
-                <a:solidFill>
-                  <a:schemeClr val="tx1">
-                    <a:lumMod val="90000"/>
-                    <a:lumOff val="5000"/>
-                  </a:schemeClr>
-                </a:solidFill>
-                <a:latin typeface="Droid Sans Mono"/>
-                <a:ea typeface="Droid Sans Mono"/>
-                <a:cs typeface="Droid Sans Mono"/>
-              </a:rPr>
-              <a:t>) </a:t>
-            </a:r>
-            <a:r>
-              <a:rPr sz="2800" b="0" i="0" u="none">
-                <a:solidFill>
-                  <a:schemeClr val="tx1">
-                    <a:lumMod val="90000"/>
-                    <a:lumOff val="5000"/>
-                  </a:schemeClr>
-                </a:solidFill>
-                <a:latin typeface="Droid Sans Mono"/>
-                <a:ea typeface="Droid Sans Mono"/>
-                <a:cs typeface="Droid Sans Mono"/>
-              </a:rPr>
-              <a:t>where</a:t>
-            </a:r>
-            <a:r>
-              <a:rPr sz="2800" b="0" i="0" u="none">
-                <a:solidFill>
-                  <a:schemeClr val="tx1">
-                    <a:lumMod val="90000"/>
-                    <a:lumOff val="5000"/>
-                  </a:schemeClr>
-                </a:solidFill>
-                <a:latin typeface="Droid Sans Mono"/>
-                <a:ea typeface="Droid Sans Mono"/>
-                <a:cs typeface="Droid Sans Mono"/>
-              </a:rPr>
-              <a:t> F &lt;: </a:t>
-            </a:r>
-            <a:r>
-              <a:rPr sz="2800" b="0" i="0" u="none">
-                <a:solidFill>
-                  <a:schemeClr val="tx1">
-                    <a:lumMod val="90000"/>
-                    <a:lumOff val="5000"/>
-                  </a:schemeClr>
-                </a:solidFill>
-                <a:latin typeface="Droid Sans Mono"/>
-                <a:ea typeface="Droid Sans Mono"/>
-                <a:cs typeface="Droid Sans Mono"/>
-              </a:rPr>
-              <a:t>AbstractFloat</a:t>
-            </a:r>
-            <a:endParaRPr sz="2800" b="0" i="0" u="none">
-              <a:solidFill>
-                <a:schemeClr val="tx1">
-                  <a:lumMod val="90000"/>
-                  <a:lumOff val="5000"/>
-                </a:schemeClr>
-              </a:solidFill>
-              <a:latin typeface="Droid Sans Mono"/>
-              <a:ea typeface="Droid Sans Mono"/>
-              <a:cs typeface="Droid Sans Mono"/>
-            </a:endParaRPr>
-          </a:p>
-          <a:p>
-            <a:pPr marL="0" indent="0" algn="l">
-              <a:lnSpc>
-                <a:spcPct val="80000"/>
-              </a:lnSpc>
-              <a:spcBef>
-                <a:spcPts val="0"/>
-              </a:spcBef>
-              <a:spcAft>
-                <a:spcPts val="0"/>
-              </a:spcAft>
-              <a:buFont typeface="Arial"/>
-              <a:buNone/>
-              <a:defRPr/>
-            </a:pPr>
-            <a:r>
-              <a:rPr sz="2800" b="0" i="0" u="none">
-                <a:solidFill>
-                  <a:schemeClr val="tx1">
-                    <a:lumMod val="90000"/>
-                    <a:lumOff val="5000"/>
-                  </a:schemeClr>
-                </a:solidFill>
-                <a:latin typeface="Droid Sans Mono"/>
-                <a:ea typeface="Droid Sans Mono"/>
-                <a:cs typeface="Droid Sans Mono"/>
-              </a:rPr>
-              <a:t>    ex = </a:t>
-            </a:r>
-            <a:r>
-              <a:rPr sz="2800" b="0" i="0" u="none">
-                <a:solidFill>
-                  <a:schemeClr val="tx1">
-                    <a:lumMod val="90000"/>
-                    <a:lumOff val="5000"/>
-                  </a:schemeClr>
-                </a:solidFill>
-                <a:latin typeface="Droid Sans Mono"/>
-                <a:ea typeface="Droid Sans Mono"/>
-                <a:cs typeface="Droid Sans Mono"/>
-              </a:rPr>
-              <a:t>quote</a:t>
-            </a:r>
-            <a:r>
-              <a:rPr sz="2800" b="0" i="0" u="none">
-                <a:solidFill>
-                  <a:schemeClr val="tx1">
-                    <a:lumMod val="90000"/>
-                    <a:lumOff val="5000"/>
-                  </a:schemeClr>
-                </a:solidFill>
-                <a:latin typeface="Droid Sans Mono"/>
-                <a:ea typeface="Droid Sans Mono"/>
-                <a:cs typeface="Droid Sans Mono"/>
-              </a:rPr>
-              <a:t> m = arg1 &lt; arg2 ? arg1 : arg2 </a:t>
-            </a:r>
-            <a:r>
-              <a:rPr sz="2800" b="0" i="0" u="none">
-                <a:solidFill>
-                  <a:schemeClr val="tx1">
-                    <a:lumMod val="90000"/>
-                    <a:lumOff val="5000"/>
-                  </a:schemeClr>
-                </a:solidFill>
-                <a:latin typeface="Droid Sans Mono"/>
-                <a:ea typeface="Droid Sans Mono"/>
-                <a:cs typeface="Droid Sans Mono"/>
-              </a:rPr>
-              <a:t>end</a:t>
-            </a:r>
-            <a:endParaRPr sz="2800" b="0" i="0" u="none">
-              <a:solidFill>
-                <a:schemeClr val="tx1">
-                  <a:lumMod val="90000"/>
-                  <a:lumOff val="5000"/>
-                </a:schemeClr>
-              </a:solidFill>
-              <a:latin typeface="Droid Sans Mono"/>
-              <a:ea typeface="Droid Sans Mono"/>
-              <a:cs typeface="Droid Sans Mono"/>
-            </a:endParaRPr>
-          </a:p>
-          <a:p>
-            <a:pPr marL="0" indent="0" algn="l">
-              <a:lnSpc>
-                <a:spcPct val="80000"/>
-              </a:lnSpc>
-              <a:spcBef>
-                <a:spcPts val="0"/>
-              </a:spcBef>
-              <a:spcAft>
-                <a:spcPts val="0"/>
-              </a:spcAft>
-              <a:buFont typeface="Arial"/>
-              <a:buNone/>
-              <a:defRPr/>
-            </a:pPr>
-            <a:r>
-              <a:rPr sz="2800" b="0" i="0" u="none">
-                <a:solidFill>
-                  <a:schemeClr val="tx1">
-                    <a:lumMod val="90000"/>
-                    <a:lumOff val="5000"/>
-                  </a:schemeClr>
-                </a:solidFill>
-                <a:latin typeface="Droid Sans Mono"/>
-                <a:ea typeface="Droid Sans Mono"/>
-                <a:cs typeface="Droid Sans Mono"/>
-              </a:rPr>
-              <a:t>    </a:t>
-            </a:r>
-            <a:r>
-              <a:rPr sz="2800" b="0" i="0" u="none">
-                <a:solidFill>
-                  <a:schemeClr val="tx1">
-                    <a:lumMod val="90000"/>
-                    <a:lumOff val="5000"/>
-                  </a:schemeClr>
-                </a:solidFill>
-                <a:latin typeface="Droid Sans Mono"/>
-                <a:ea typeface="Droid Sans Mono"/>
-                <a:cs typeface="Droid Sans Mono"/>
-              </a:rPr>
-              <a:t>for</a:t>
-            </a:r>
-            <a:r>
-              <a:rPr sz="2800" b="0" i="0" u="none">
-                <a:solidFill>
-                  <a:schemeClr val="tx1">
-                    <a:lumMod val="90000"/>
-                    <a:lumOff val="5000"/>
-                  </a:schemeClr>
-                </a:solidFill>
-                <a:latin typeface="Droid Sans Mono"/>
-                <a:ea typeface="Droid Sans Mono"/>
-                <a:cs typeface="Droid Sans Mono"/>
-              </a:rPr>
-              <a:t> i in </a:t>
-            </a:r>
-            <a:r>
-              <a:rPr sz="2800" b="0" i="0" u="none">
-                <a:solidFill>
-                  <a:schemeClr val="tx1">
-                    <a:lumMod val="90000"/>
-                    <a:lumOff val="5000"/>
-                  </a:schemeClr>
-                </a:solidFill>
-                <a:latin typeface="Droid Sans Mono"/>
-                <a:ea typeface="Droid Sans Mono"/>
-                <a:cs typeface="Droid Sans Mono"/>
-              </a:rPr>
-              <a:t>1</a:t>
-            </a:r>
-            <a:r>
-              <a:rPr sz="2800" b="0" i="0" u="none">
-                <a:solidFill>
-                  <a:schemeClr val="tx1">
-                    <a:lumMod val="90000"/>
-                    <a:lumOff val="5000"/>
-                  </a:schemeClr>
-                </a:solidFill>
-                <a:latin typeface="Droid Sans Mono"/>
-                <a:ea typeface="Droid Sans Mono"/>
-                <a:cs typeface="Droid Sans Mono"/>
-              </a:rPr>
-              <a:t>:</a:t>
-            </a:r>
-            <a:r>
-              <a:rPr sz="2800" b="0" i="0" u="none">
-                <a:solidFill>
-                  <a:schemeClr val="tx1">
-                    <a:lumMod val="90000"/>
-                    <a:lumOff val="5000"/>
-                  </a:schemeClr>
-                </a:solidFill>
-                <a:latin typeface="Droid Sans Mono"/>
-                <a:ea typeface="Droid Sans Mono"/>
-                <a:cs typeface="Droid Sans Mono"/>
-              </a:rPr>
-              <a:t>length</a:t>
-            </a:r>
-            <a:r>
-              <a:rPr sz="2800" b="0" i="0" u="none">
-                <a:solidFill>
-                  <a:schemeClr val="tx1">
-                    <a:lumMod val="90000"/>
-                    <a:lumOff val="5000"/>
-                  </a:schemeClr>
-                </a:solidFill>
-                <a:latin typeface="Droid Sans Mono"/>
-                <a:ea typeface="Droid Sans Mono"/>
-                <a:cs typeface="Droid Sans Mono"/>
-              </a:rPr>
-              <a:t>(args)</a:t>
-            </a:r>
-            <a:endParaRPr sz="2800" b="0" i="0" u="none">
-              <a:solidFill>
-                <a:schemeClr val="tx1">
-                  <a:lumMod val="90000"/>
-                  <a:lumOff val="5000"/>
-                </a:schemeClr>
-              </a:solidFill>
-              <a:latin typeface="Droid Sans Mono"/>
-              <a:ea typeface="Droid Sans Mono"/>
-              <a:cs typeface="Droid Sans Mono"/>
-            </a:endParaRPr>
-          </a:p>
-          <a:p>
-            <a:pPr marL="0" indent="0" algn="l">
-              <a:lnSpc>
-                <a:spcPct val="80000"/>
-              </a:lnSpc>
-              <a:spcBef>
-                <a:spcPts val="0"/>
-              </a:spcBef>
-              <a:spcAft>
-                <a:spcPts val="0"/>
-              </a:spcAft>
-              <a:buFont typeface="Arial"/>
-              <a:buNone/>
-              <a:defRPr/>
-            </a:pPr>
-            <a:r>
-              <a:rPr sz="2800" b="0" i="0" u="none">
-                <a:solidFill>
-                  <a:schemeClr val="tx1">
-                    <a:lumMod val="90000"/>
-                    <a:lumOff val="5000"/>
-                  </a:schemeClr>
-                </a:solidFill>
-                <a:latin typeface="Droid Sans Mono"/>
-                <a:ea typeface="Droid Sans Mono"/>
-                <a:cs typeface="Droid Sans Mono"/>
-              </a:rPr>
-              <a:t>        ex = </a:t>
-            </a:r>
-            <a:r>
-              <a:rPr sz="2800" b="0" i="0" u="none">
-                <a:solidFill>
-                  <a:schemeClr val="tx1">
-                    <a:lumMod val="90000"/>
-                    <a:lumOff val="5000"/>
-                  </a:schemeClr>
-                </a:solidFill>
-                <a:latin typeface="Droid Sans Mono"/>
-                <a:ea typeface="Droid Sans Mono"/>
-                <a:cs typeface="Droid Sans Mono"/>
-              </a:rPr>
-              <a:t>quote</a:t>
-            </a:r>
-            <a:endParaRPr sz="2800" b="0" i="0" u="none">
-              <a:solidFill>
-                <a:schemeClr val="tx1">
-                  <a:lumMod val="90000"/>
-                  <a:lumOff val="5000"/>
-                </a:schemeClr>
-              </a:solidFill>
-              <a:latin typeface="Droid Sans Mono"/>
-              <a:ea typeface="Droid Sans Mono"/>
-              <a:cs typeface="Droid Sans Mono"/>
-            </a:endParaRPr>
-          </a:p>
-          <a:p>
-            <a:pPr marL="0" indent="0" algn="l">
-              <a:lnSpc>
-                <a:spcPct val="80000"/>
-              </a:lnSpc>
-              <a:spcBef>
-                <a:spcPts val="0"/>
-              </a:spcBef>
-              <a:spcAft>
-                <a:spcPts val="0"/>
-              </a:spcAft>
-              <a:buFont typeface="Arial"/>
-              <a:buNone/>
-              <a:defRPr/>
-            </a:pPr>
-            <a:r>
-              <a:rPr sz="2800" b="0" i="0" u="none">
-                <a:solidFill>
-                  <a:schemeClr val="tx1">
-                    <a:lumMod val="90000"/>
-                    <a:lumOff val="5000"/>
-                  </a:schemeClr>
-                </a:solidFill>
-                <a:latin typeface="Droid Sans Mono"/>
-                <a:ea typeface="Droid Sans Mono"/>
-                <a:cs typeface="Droid Sans Mono"/>
-              </a:rPr>
-              <a:t>            $ex </a:t>
-            </a:r>
-            <a:r>
-              <a:rPr sz="2800" b="0" i="0" u="none">
-                <a:solidFill>
-                  <a:schemeClr val="tx1">
-                    <a:lumMod val="90000"/>
-                    <a:lumOff val="5000"/>
-                  </a:schemeClr>
-                </a:solidFill>
-                <a:latin typeface="Droid Sans Mono"/>
-                <a:ea typeface="Droid Sans Mono"/>
-                <a:cs typeface="Droid Sans Mono"/>
-              </a:rPr>
-              <a:t>#value of last m</a:t>
-            </a:r>
-            <a:endParaRPr sz="2800" b="0" i="0" u="none">
-              <a:solidFill>
-                <a:schemeClr val="tx1">
-                  <a:lumMod val="90000"/>
-                  <a:lumOff val="5000"/>
-                </a:schemeClr>
-              </a:solidFill>
-              <a:latin typeface="Droid Sans Mono"/>
-              <a:ea typeface="Droid Sans Mono"/>
-              <a:cs typeface="Droid Sans Mono"/>
-            </a:endParaRPr>
-          </a:p>
-          <a:p>
-            <a:pPr marL="0" indent="0" algn="l">
-              <a:lnSpc>
-                <a:spcPct val="80000"/>
-              </a:lnSpc>
-              <a:spcBef>
-                <a:spcPts val="0"/>
-              </a:spcBef>
-              <a:spcAft>
-                <a:spcPts val="0"/>
-              </a:spcAft>
-              <a:buFont typeface="Arial"/>
-              <a:buNone/>
-              <a:defRPr/>
-            </a:pPr>
-            <a:r>
-              <a:rPr sz="2800" b="0" i="0" u="none">
-                <a:solidFill>
-                  <a:schemeClr val="tx1">
-                    <a:lumMod val="90000"/>
-                    <a:lumOff val="5000"/>
-                  </a:schemeClr>
-                </a:solidFill>
-                <a:latin typeface="Droid Sans Mono"/>
-                <a:ea typeface="Droid Sans Mono"/>
-                <a:cs typeface="Droid Sans Mono"/>
-              </a:rPr>
-              <a:t>             m = args[$i] &lt; m ? args[$i] : m</a:t>
-            </a:r>
-            <a:endParaRPr sz="2800" b="0" i="0" u="none">
-              <a:solidFill>
-                <a:schemeClr val="tx1">
-                  <a:lumMod val="90000"/>
-                  <a:lumOff val="5000"/>
-                </a:schemeClr>
-              </a:solidFill>
-              <a:latin typeface="Droid Sans Mono"/>
-              <a:ea typeface="Droid Sans Mono"/>
-              <a:cs typeface="Droid Sans Mono"/>
-            </a:endParaRPr>
-          </a:p>
-          <a:p>
-            <a:pPr marL="0" indent="0" algn="l">
-              <a:lnSpc>
-                <a:spcPct val="80000"/>
-              </a:lnSpc>
-              <a:spcBef>
-                <a:spcPts val="0"/>
-              </a:spcBef>
-              <a:spcAft>
-                <a:spcPts val="0"/>
-              </a:spcAft>
-              <a:buFont typeface="Arial"/>
-              <a:buNone/>
-              <a:defRPr/>
-            </a:pPr>
-            <a:r>
-              <a:rPr sz="2800" b="0" i="0" u="none">
-                <a:solidFill>
-                  <a:schemeClr val="tx1">
-                    <a:lumMod val="90000"/>
-                    <a:lumOff val="5000"/>
-                  </a:schemeClr>
-                </a:solidFill>
-                <a:latin typeface="Droid Sans Mono"/>
-                <a:ea typeface="Droid Sans Mono"/>
-                <a:cs typeface="Droid Sans Mono"/>
-              </a:rPr>
-              <a:t>            </a:t>
-            </a:r>
-            <a:r>
-              <a:rPr sz="2800" b="0" i="0" u="none">
-                <a:solidFill>
-                  <a:schemeClr val="tx1">
-                    <a:lumMod val="90000"/>
-                    <a:lumOff val="5000"/>
-                  </a:schemeClr>
-                </a:solidFill>
-                <a:highlight>
-                  <a:srgbClr val="00FF00"/>
-                </a:highlight>
-                <a:latin typeface="Droid Sans Mono"/>
-                <a:ea typeface="Droid Sans Mono"/>
-                <a:cs typeface="Droid Sans Mono"/>
-              </a:rPr>
-              <a:t>#@inbounds</a:t>
-            </a:r>
-            <a:r>
-              <a:rPr sz="2800" b="0" i="0" u="none">
-                <a:solidFill>
-                  <a:schemeClr val="tx1">
-                    <a:lumMod val="90000"/>
-                    <a:lumOff val="5000"/>
-                  </a:schemeClr>
-                </a:solidFill>
-                <a:latin typeface="Droid Sans Mono"/>
-                <a:ea typeface="Droid Sans Mono"/>
-                <a:cs typeface="Droid Sans Mono"/>
-              </a:rPr>
-              <a:t> m = args[$i] &lt; m ? args[$i] : m</a:t>
-            </a:r>
-            <a:r>
-              <a:rPr sz="2800" b="0" i="0" u="none">
-                <a:solidFill>
-                  <a:schemeClr val="tx1">
-                    <a:lumMod val="90000"/>
-                    <a:lumOff val="5000"/>
-                  </a:schemeClr>
-                </a:solidFill>
-                <a:latin typeface="Droid Sans Mono"/>
-                <a:ea typeface="Droid Sans Mono"/>
-                <a:cs typeface="Droid Sans Mono"/>
-              </a:rPr>
-              <a:t> #</a:t>
-            </a:r>
-            <a:r>
-              <a:rPr sz="2800" b="0" i="0" u="none">
-                <a:solidFill>
-                  <a:schemeClr val="tx1">
-                    <a:lumMod val="90000"/>
-                    <a:lumOff val="5000"/>
-                  </a:schemeClr>
-                </a:solidFill>
-                <a:highlight>
-                  <a:srgbClr val="00FF00"/>
-                </a:highlight>
-                <a:latin typeface="Droid Sans Mono"/>
-                <a:ea typeface="Droid Sans Mono"/>
-                <a:cs typeface="Droid Sans Mono"/>
-              </a:rPr>
-              <a:t>removed</a:t>
-            </a:r>
-            <a:r>
-              <a:rPr sz="2800" b="0" i="0" u="none">
-                <a:solidFill>
-                  <a:schemeClr val="tx1">
-                    <a:lumMod val="90000"/>
-                    <a:lumOff val="5000"/>
-                  </a:schemeClr>
-                </a:solidFill>
-                <a:latin typeface="Droid Sans Mono"/>
-                <a:ea typeface="Droid Sans Mono"/>
-                <a:cs typeface="Droid Sans Mono"/>
-              </a:rPr>
-              <a:t> gave better performance!</a:t>
-            </a:r>
-            <a:endParaRPr sz="2800" b="0" i="0" u="none">
-              <a:solidFill>
-                <a:schemeClr val="tx1">
-                  <a:lumMod val="90000"/>
-                  <a:lumOff val="5000"/>
-                </a:schemeClr>
-              </a:solidFill>
-              <a:latin typeface="Droid Sans Mono"/>
-              <a:ea typeface="Droid Sans Mono"/>
-              <a:cs typeface="Droid Sans Mono"/>
-            </a:endParaRPr>
-          </a:p>
-          <a:p>
-            <a:pPr marL="0" indent="0" algn="l">
-              <a:lnSpc>
-                <a:spcPct val="80000"/>
-              </a:lnSpc>
-              <a:spcBef>
-                <a:spcPts val="0"/>
-              </a:spcBef>
-              <a:spcAft>
-                <a:spcPts val="0"/>
-              </a:spcAft>
-              <a:buFont typeface="Arial"/>
-              <a:buNone/>
-              <a:defRPr/>
-            </a:pPr>
-            <a:r>
-              <a:rPr sz="2800" b="0" i="0" u="none">
-                <a:solidFill>
-                  <a:schemeClr val="tx1">
-                    <a:lumMod val="90000"/>
-                    <a:lumOff val="5000"/>
-                  </a:schemeClr>
-                </a:solidFill>
-                <a:latin typeface="Droid Sans Mono"/>
-                <a:ea typeface="Droid Sans Mono"/>
-                <a:cs typeface="Droid Sans Mono"/>
-              </a:rPr>
-              <a:t>        </a:t>
-            </a:r>
-            <a:r>
-              <a:rPr sz="2800" b="0" i="0" u="none">
-                <a:solidFill>
-                  <a:schemeClr val="tx1">
-                    <a:lumMod val="90000"/>
-                    <a:lumOff val="5000"/>
-                  </a:schemeClr>
-                </a:solidFill>
-                <a:latin typeface="Droid Sans Mono"/>
-                <a:ea typeface="Droid Sans Mono"/>
-                <a:cs typeface="Droid Sans Mono"/>
-              </a:rPr>
-              <a:t>end</a:t>
-            </a:r>
-            <a:endParaRPr sz="2800" b="0" i="0" u="none">
-              <a:solidFill>
-                <a:schemeClr val="tx1">
-                  <a:lumMod val="90000"/>
-                  <a:lumOff val="5000"/>
-                </a:schemeClr>
-              </a:solidFill>
-              <a:latin typeface="Droid Sans Mono"/>
-              <a:ea typeface="Droid Sans Mono"/>
-              <a:cs typeface="Droid Sans Mono"/>
-            </a:endParaRPr>
-          </a:p>
-          <a:p>
-            <a:pPr marL="0" indent="0" algn="l">
-              <a:lnSpc>
-                <a:spcPct val="80000"/>
-              </a:lnSpc>
-              <a:spcBef>
-                <a:spcPts val="0"/>
-              </a:spcBef>
-              <a:spcAft>
-                <a:spcPts val="0"/>
-              </a:spcAft>
-              <a:buFont typeface="Arial"/>
-              <a:buNone/>
-              <a:defRPr/>
-            </a:pPr>
-            <a:r>
-              <a:rPr sz="2800" b="0" i="0" u="none">
-                <a:solidFill>
-                  <a:schemeClr val="tx1">
-                    <a:lumMod val="90000"/>
-                    <a:lumOff val="5000"/>
-                  </a:schemeClr>
-                </a:solidFill>
-                <a:latin typeface="Droid Sans Mono"/>
-                <a:ea typeface="Droid Sans Mono"/>
-                <a:cs typeface="Droid Sans Mono"/>
-              </a:rPr>
-              <a:t>    </a:t>
-            </a:r>
-            <a:r>
-              <a:rPr sz="2800" b="0" i="0" u="none">
-                <a:solidFill>
-                  <a:schemeClr val="tx1">
-                    <a:lumMod val="90000"/>
-                    <a:lumOff val="5000"/>
-                  </a:schemeClr>
-                </a:solidFill>
-                <a:latin typeface="Droid Sans Mono"/>
-                <a:ea typeface="Droid Sans Mono"/>
-                <a:cs typeface="Droid Sans Mono"/>
-              </a:rPr>
-              <a:t>end</a:t>
-            </a:r>
-            <a:endParaRPr sz="2800" b="0" i="0" u="none">
-              <a:solidFill>
-                <a:schemeClr val="tx1">
-                  <a:lumMod val="90000"/>
-                  <a:lumOff val="5000"/>
-                </a:schemeClr>
-              </a:solidFill>
-              <a:latin typeface="Droid Sans Mono"/>
-              <a:ea typeface="Droid Sans Mono"/>
-              <a:cs typeface="Droid Sans Mono"/>
-            </a:endParaRPr>
-          </a:p>
-          <a:p>
-            <a:pPr marL="0" indent="0" algn="l">
-              <a:lnSpc>
-                <a:spcPct val="80000"/>
-              </a:lnSpc>
-              <a:spcBef>
-                <a:spcPts val="0"/>
-              </a:spcBef>
-              <a:spcAft>
-                <a:spcPts val="0"/>
-              </a:spcAft>
-              <a:buFont typeface="Arial"/>
-              <a:buNone/>
-              <a:defRPr/>
-            </a:pPr>
-            <a:r>
-              <a:rPr sz="2800" b="0" i="0" u="none">
-                <a:solidFill>
-                  <a:schemeClr val="tx1">
-                    <a:lumMod val="90000"/>
-                    <a:lumOff val="5000"/>
-                  </a:schemeClr>
-                </a:solidFill>
-                <a:latin typeface="Droid Sans Mono"/>
-                <a:ea typeface="Droid Sans Mono"/>
-                <a:cs typeface="Droid Sans Mono"/>
-              </a:rPr>
-              <a:t>    ex </a:t>
-            </a:r>
-            <a:r>
-              <a:rPr sz="2800" b="0" i="0" u="none">
-                <a:solidFill>
-                  <a:schemeClr val="tx1">
-                    <a:lumMod val="90000"/>
-                    <a:lumOff val="5000"/>
-                  </a:schemeClr>
-                </a:solidFill>
-                <a:latin typeface="Droid Sans Mono"/>
-                <a:ea typeface="Droid Sans Mono"/>
-                <a:cs typeface="Droid Sans Mono"/>
-              </a:rPr>
-              <a:t>#|&gt; flatten</a:t>
-            </a:r>
-            <a:endParaRPr sz="2800" b="0" i="0" u="none">
-              <a:solidFill>
-                <a:schemeClr val="tx1">
-                  <a:lumMod val="90000"/>
-                  <a:lumOff val="5000"/>
-                </a:schemeClr>
-              </a:solidFill>
-              <a:latin typeface="Droid Sans Mono"/>
-              <a:ea typeface="Droid Sans Mono"/>
-              <a:cs typeface="Droid Sans Mono"/>
-            </a:endParaRPr>
-          </a:p>
-          <a:p>
-            <a:pPr marL="0" indent="0" algn="l">
-              <a:lnSpc>
-                <a:spcPct val="80000"/>
-              </a:lnSpc>
-              <a:spcBef>
-                <a:spcPts val="0"/>
-              </a:spcBef>
-              <a:spcAft>
-                <a:spcPts val="0"/>
-              </a:spcAft>
-              <a:buFont typeface="Arial"/>
-              <a:buNone/>
-              <a:defRPr/>
-            </a:pPr>
-            <a:r>
-              <a:rPr sz="2800" b="0" i="0" u="none">
-                <a:solidFill>
-                  <a:schemeClr val="tx1">
-                    <a:lumMod val="90000"/>
-                    <a:lumOff val="5000"/>
-                  </a:schemeClr>
-                </a:solidFill>
-                <a:latin typeface="Droid Sans Mono"/>
-                <a:ea typeface="Droid Sans Mono"/>
-                <a:cs typeface="Droid Sans Mono"/>
-              </a:rPr>
-              <a:t>end</a:t>
-            </a:r>
-            <a:endParaRPr sz="2800" b="0" i="0" u="none">
-              <a:solidFill>
-                <a:schemeClr val="tx1">
-                  <a:lumMod val="90000"/>
-                  <a:lumOff val="5000"/>
-                </a:schemeClr>
-              </a:solidFill>
-              <a:latin typeface="Droid Sans Mono"/>
-              <a:ea typeface="Droid Sans Mono"/>
-              <a:cs typeface="Droid Sans Mono"/>
-            </a:endParaRPr>
-          </a:p>
-          <a:p>
-            <a:pPr marL="0" indent="0" algn="l">
-              <a:lnSpc>
-                <a:spcPct val="80000"/>
-              </a:lnSpc>
-              <a:spcBef>
-                <a:spcPts val="0"/>
-              </a:spcBef>
-              <a:spcAft>
-                <a:spcPts val="0"/>
-              </a:spcAft>
-              <a:buFont typeface="Arial"/>
-              <a:buNone/>
-              <a:defRPr/>
-            </a:pPr>
-            <a:r>
-              <a:rPr sz="2800" b="0" i="0" u="none">
-                <a:solidFill>
-                  <a:schemeClr val="tx1">
-                    <a:lumMod val="90000"/>
-                    <a:lumOff val="5000"/>
-                  </a:schemeClr>
-                </a:solidFill>
-                <a:latin typeface="Droid Sans Mono"/>
-                <a:ea typeface="Droid Sans Mono"/>
-                <a:cs typeface="Droid Sans Mono"/>
-              </a:rPr>
-              <a:t>function</a:t>
-            </a:r>
-            <a:r>
-              <a:rPr sz="2800" b="0" i="0" u="none">
-                <a:solidFill>
-                  <a:schemeClr val="tx1">
-                    <a:lumMod val="90000"/>
-                    <a:lumOff val="5000"/>
-                  </a:schemeClr>
-                </a:solidFill>
-                <a:latin typeface="Droid Sans Mono"/>
-                <a:ea typeface="Droid Sans Mono"/>
-                <a:cs typeface="Droid Sans Mono"/>
-              </a:rPr>
-              <a:t> </a:t>
-            </a:r>
-            <a:r>
-              <a:rPr sz="2800" b="0" i="0" u="none">
-                <a:solidFill>
-                  <a:schemeClr val="tx1">
-                    <a:lumMod val="90000"/>
-                    <a:lumOff val="5000"/>
-                  </a:schemeClr>
-                </a:solidFill>
-                <a:latin typeface="Droid Sans Mono"/>
-                <a:ea typeface="Droid Sans Mono"/>
-                <a:cs typeface="Droid Sans Mono"/>
-              </a:rPr>
-              <a:t>smallest2</a:t>
-            </a:r>
-            <a:r>
-              <a:rPr sz="2800" b="0" i="0" u="none">
-                <a:solidFill>
-                  <a:schemeClr val="tx1">
-                    <a:lumMod val="90000"/>
-                    <a:lumOff val="5000"/>
-                  </a:schemeClr>
-                </a:solidFill>
-                <a:latin typeface="Droid Sans Mono"/>
-                <a:ea typeface="Droid Sans Mono"/>
-                <a:cs typeface="Droid Sans Mono"/>
-              </a:rPr>
-              <a:t>(arg1::</a:t>
-            </a:r>
-            <a:r>
-              <a:rPr sz="2800" b="0" i="0" u="none">
-                <a:solidFill>
-                  <a:schemeClr val="tx1">
-                    <a:lumMod val="90000"/>
-                    <a:lumOff val="5000"/>
-                  </a:schemeClr>
-                </a:solidFill>
-                <a:latin typeface="Droid Sans Mono"/>
-                <a:ea typeface="Droid Sans Mono"/>
-                <a:cs typeface="Droid Sans Mono"/>
-              </a:rPr>
-              <a:t>Float64</a:t>
-            </a:r>
-            <a:r>
-              <a:rPr sz="2800" b="0" i="0" u="none">
-                <a:solidFill>
-                  <a:schemeClr val="tx1">
-                    <a:lumMod val="90000"/>
-                    <a:lumOff val="5000"/>
-                  </a:schemeClr>
-                </a:solidFill>
-                <a:latin typeface="Droid Sans Mono"/>
-                <a:ea typeface="Droid Sans Mono"/>
-                <a:cs typeface="Droid Sans Mono"/>
-              </a:rPr>
-              <a:t>, arg2::</a:t>
-            </a:r>
-            <a:r>
-              <a:rPr sz="2800" b="0" i="0" u="none">
-                <a:solidFill>
-                  <a:schemeClr val="tx1">
-                    <a:lumMod val="90000"/>
-                    <a:lumOff val="5000"/>
-                  </a:schemeClr>
-                </a:solidFill>
-                <a:latin typeface="Droid Sans Mono"/>
-                <a:ea typeface="Droid Sans Mono"/>
-                <a:cs typeface="Droid Sans Mono"/>
-              </a:rPr>
-              <a:t>Float64</a:t>
-            </a:r>
-            <a:r>
-              <a:rPr sz="2800" b="0" i="0" u="none">
-                <a:solidFill>
-                  <a:schemeClr val="tx1">
-                    <a:lumMod val="90000"/>
-                    <a:lumOff val="5000"/>
-                  </a:schemeClr>
-                </a:solidFill>
-                <a:latin typeface="Droid Sans Mono"/>
-                <a:ea typeface="Droid Sans Mono"/>
-                <a:cs typeface="Droid Sans Mono"/>
-              </a:rPr>
-              <a:t>, args::</a:t>
-            </a:r>
-            <a:r>
-              <a:rPr sz="2800" b="0" i="0" u="none">
-                <a:solidFill>
-                  <a:schemeClr val="tx1">
-                    <a:lumMod val="90000"/>
-                    <a:lumOff val="5000"/>
-                  </a:schemeClr>
-                </a:solidFill>
-                <a:latin typeface="Droid Sans Mono"/>
-                <a:ea typeface="Droid Sans Mono"/>
-                <a:cs typeface="Droid Sans Mono"/>
-              </a:rPr>
-              <a:t>Float64...</a:t>
-            </a:r>
-            <a:r>
-              <a:rPr sz="2800" b="0" i="0" u="none">
-                <a:solidFill>
-                  <a:schemeClr val="tx1">
-                    <a:lumMod val="90000"/>
-                    <a:lumOff val="5000"/>
-                  </a:schemeClr>
-                </a:solidFill>
-                <a:latin typeface="Droid Sans Mono"/>
-                <a:ea typeface="Droid Sans Mono"/>
-                <a:cs typeface="Droid Sans Mono"/>
-              </a:rPr>
-              <a:t>) </a:t>
-            </a:r>
-            <a:endParaRPr sz="2800" b="0" i="0" u="none">
-              <a:solidFill>
-                <a:schemeClr val="tx1">
-                  <a:lumMod val="90000"/>
-                  <a:lumOff val="5000"/>
-                </a:schemeClr>
-              </a:solidFill>
-              <a:latin typeface="Droid Sans Mono"/>
-              <a:ea typeface="Droid Sans Mono"/>
-              <a:cs typeface="Droid Sans Mono"/>
-            </a:endParaRPr>
-          </a:p>
-          <a:p>
-            <a:pPr marL="0" indent="0" algn="l">
-              <a:lnSpc>
-                <a:spcPct val="80000"/>
-              </a:lnSpc>
-              <a:spcBef>
-                <a:spcPts val="0"/>
-              </a:spcBef>
-              <a:spcAft>
-                <a:spcPts val="0"/>
-              </a:spcAft>
-              <a:buFont typeface="Arial"/>
-              <a:buNone/>
-              <a:defRPr/>
-            </a:pPr>
-            <a:r>
-              <a:rPr sz="2800" b="0" i="0" u="none">
-                <a:solidFill>
-                  <a:schemeClr val="tx1">
-                    <a:lumMod val="90000"/>
-                    <a:lumOff val="5000"/>
-                  </a:schemeClr>
-                </a:solidFill>
-                <a:latin typeface="Droid Sans Mono"/>
-                <a:ea typeface="Droid Sans Mono"/>
-                <a:cs typeface="Droid Sans Mono"/>
-              </a:rPr>
-              <a:t>     m = arg1 &lt; arg2 ? arg1 : arg2 </a:t>
-            </a:r>
-            <a:endParaRPr sz="2800" b="0" i="0" u="none">
-              <a:solidFill>
-                <a:schemeClr val="tx1">
-                  <a:lumMod val="90000"/>
-                  <a:lumOff val="5000"/>
-                </a:schemeClr>
-              </a:solidFill>
-              <a:latin typeface="Droid Sans Mono"/>
-              <a:ea typeface="Droid Sans Mono"/>
-              <a:cs typeface="Droid Sans Mono"/>
-            </a:endParaRPr>
-          </a:p>
-          <a:p>
-            <a:pPr marL="0" indent="0" algn="l">
-              <a:lnSpc>
-                <a:spcPct val="80000"/>
-              </a:lnSpc>
-              <a:spcBef>
-                <a:spcPts val="0"/>
-              </a:spcBef>
-              <a:spcAft>
-                <a:spcPts val="0"/>
-              </a:spcAft>
-              <a:buFont typeface="Arial"/>
-              <a:buNone/>
-              <a:defRPr/>
-            </a:pPr>
-            <a:r>
-              <a:rPr sz="2800" b="0" i="0" u="none">
-                <a:solidFill>
-                  <a:schemeClr val="tx1">
-                    <a:lumMod val="90000"/>
-                    <a:lumOff val="5000"/>
-                  </a:schemeClr>
-                </a:solidFill>
-                <a:latin typeface="Droid Sans Mono"/>
-                <a:ea typeface="Droid Sans Mono"/>
-                <a:cs typeface="Droid Sans Mono"/>
-              </a:rPr>
-              <a:t>    </a:t>
-            </a:r>
-            <a:r>
-              <a:rPr sz="2800" b="0" i="0" u="none">
-                <a:solidFill>
-                  <a:schemeClr val="tx1">
-                    <a:lumMod val="90000"/>
-                    <a:lumOff val="5000"/>
-                  </a:schemeClr>
-                </a:solidFill>
-                <a:latin typeface="Droid Sans Mono"/>
-                <a:ea typeface="Droid Sans Mono"/>
-                <a:cs typeface="Droid Sans Mono"/>
-              </a:rPr>
-              <a:t>for</a:t>
-            </a:r>
-            <a:r>
-              <a:rPr sz="2800" b="0" i="0" u="none">
-                <a:solidFill>
-                  <a:schemeClr val="tx1">
-                    <a:lumMod val="90000"/>
-                    <a:lumOff val="5000"/>
-                  </a:schemeClr>
-                </a:solidFill>
-                <a:latin typeface="Droid Sans Mono"/>
-                <a:ea typeface="Droid Sans Mono"/>
-                <a:cs typeface="Droid Sans Mono"/>
-              </a:rPr>
-              <a:t> i in </a:t>
-            </a:r>
-            <a:r>
-              <a:rPr sz="2800" b="0" i="0" u="none">
-                <a:solidFill>
-                  <a:schemeClr val="tx1">
-                    <a:lumMod val="90000"/>
-                    <a:lumOff val="5000"/>
-                  </a:schemeClr>
-                </a:solidFill>
-                <a:latin typeface="Droid Sans Mono"/>
-                <a:ea typeface="Droid Sans Mono"/>
-                <a:cs typeface="Droid Sans Mono"/>
-              </a:rPr>
-              <a:t>1</a:t>
-            </a:r>
-            <a:r>
-              <a:rPr sz="2800" b="0" i="0" u="none">
-                <a:solidFill>
-                  <a:schemeClr val="tx1">
-                    <a:lumMod val="90000"/>
-                    <a:lumOff val="5000"/>
-                  </a:schemeClr>
-                </a:solidFill>
-                <a:latin typeface="Droid Sans Mono"/>
-                <a:ea typeface="Droid Sans Mono"/>
-                <a:cs typeface="Droid Sans Mono"/>
-              </a:rPr>
-              <a:t>:</a:t>
-            </a:r>
-            <a:r>
-              <a:rPr sz="2800" b="0" i="0" u="none">
-                <a:solidFill>
-                  <a:schemeClr val="tx1">
-                    <a:lumMod val="90000"/>
-                    <a:lumOff val="5000"/>
-                  </a:schemeClr>
-                </a:solidFill>
-                <a:latin typeface="Droid Sans Mono"/>
-                <a:ea typeface="Droid Sans Mono"/>
-                <a:cs typeface="Droid Sans Mono"/>
-              </a:rPr>
-              <a:t>length</a:t>
-            </a:r>
-            <a:r>
-              <a:rPr sz="2800" b="0" i="0" u="none">
-                <a:solidFill>
-                  <a:schemeClr val="tx1">
-                    <a:lumMod val="90000"/>
-                    <a:lumOff val="5000"/>
-                  </a:schemeClr>
-                </a:solidFill>
-                <a:latin typeface="Droid Sans Mono"/>
-                <a:ea typeface="Droid Sans Mono"/>
-                <a:cs typeface="Droid Sans Mono"/>
-              </a:rPr>
-              <a:t>(args)</a:t>
-            </a:r>
-            <a:endParaRPr sz="2800" b="0" i="0" u="none">
-              <a:solidFill>
-                <a:schemeClr val="tx1">
-                  <a:lumMod val="90000"/>
-                  <a:lumOff val="5000"/>
-                </a:schemeClr>
-              </a:solidFill>
-              <a:latin typeface="Droid Sans Mono"/>
-              <a:ea typeface="Droid Sans Mono"/>
-              <a:cs typeface="Droid Sans Mono"/>
-            </a:endParaRPr>
-          </a:p>
-          <a:p>
-            <a:pPr marL="0" indent="0" algn="l">
-              <a:lnSpc>
-                <a:spcPct val="80000"/>
-              </a:lnSpc>
-              <a:spcBef>
-                <a:spcPts val="0"/>
-              </a:spcBef>
-              <a:spcAft>
-                <a:spcPts val="0"/>
-              </a:spcAft>
-              <a:buFont typeface="Arial"/>
-              <a:buNone/>
-              <a:defRPr/>
-            </a:pPr>
-            <a:r>
-              <a:rPr sz="2800" b="0" i="0" u="none">
-                <a:solidFill>
-                  <a:schemeClr val="tx1">
-                    <a:lumMod val="90000"/>
-                    <a:lumOff val="5000"/>
-                  </a:schemeClr>
-                </a:solidFill>
-                <a:latin typeface="Droid Sans Mono"/>
-                <a:ea typeface="Droid Sans Mono"/>
-                <a:cs typeface="Droid Sans Mono"/>
-              </a:rPr>
-              <a:t>             m = args[i] &lt; m ? args[i] : m</a:t>
-            </a:r>
-            <a:endParaRPr sz="2800" b="0" i="0" u="none">
-              <a:solidFill>
-                <a:schemeClr val="tx1">
-                  <a:lumMod val="90000"/>
-                  <a:lumOff val="5000"/>
-                </a:schemeClr>
-              </a:solidFill>
-              <a:latin typeface="Droid Sans Mono"/>
-              <a:ea typeface="Droid Sans Mono"/>
-              <a:cs typeface="Droid Sans Mono"/>
-            </a:endParaRPr>
-          </a:p>
-          <a:p>
-            <a:pPr marL="0" indent="0" algn="l">
-              <a:lnSpc>
-                <a:spcPct val="80000"/>
-              </a:lnSpc>
-              <a:spcBef>
-                <a:spcPts val="0"/>
-              </a:spcBef>
-              <a:spcAft>
-                <a:spcPts val="0"/>
-              </a:spcAft>
-              <a:buFont typeface="Arial"/>
-              <a:buNone/>
-              <a:defRPr/>
-            </a:pPr>
-            <a:r>
-              <a:rPr sz="2800" b="0" i="0" u="none">
-                <a:solidFill>
-                  <a:schemeClr val="tx1">
-                    <a:lumMod val="90000"/>
-                    <a:lumOff val="5000"/>
-                  </a:schemeClr>
-                </a:solidFill>
-                <a:latin typeface="Droid Sans Mono"/>
-                <a:ea typeface="Droid Sans Mono"/>
-                <a:cs typeface="Droid Sans Mono"/>
-              </a:rPr>
-              <a:t>    </a:t>
-            </a:r>
-            <a:r>
-              <a:rPr sz="2800" b="0" i="0" u="none">
-                <a:solidFill>
-                  <a:schemeClr val="tx1">
-                    <a:lumMod val="90000"/>
-                    <a:lumOff val="5000"/>
-                  </a:schemeClr>
-                </a:solidFill>
-                <a:latin typeface="Droid Sans Mono"/>
-                <a:ea typeface="Droid Sans Mono"/>
-                <a:cs typeface="Droid Sans Mono"/>
-              </a:rPr>
-              <a:t>end</a:t>
-            </a:r>
-            <a:endParaRPr sz="2800" b="0" i="0" u="none">
-              <a:solidFill>
-                <a:schemeClr val="tx1">
-                  <a:lumMod val="90000"/>
-                  <a:lumOff val="5000"/>
-                </a:schemeClr>
-              </a:solidFill>
-              <a:latin typeface="Droid Sans Mono"/>
-              <a:ea typeface="Droid Sans Mono"/>
-              <a:cs typeface="Droid Sans Mono"/>
-            </a:endParaRPr>
-          </a:p>
-          <a:p>
-            <a:pPr marL="0" indent="0" algn="l">
-              <a:lnSpc>
-                <a:spcPct val="80000"/>
-              </a:lnSpc>
-              <a:spcBef>
-                <a:spcPts val="0"/>
-              </a:spcBef>
-              <a:spcAft>
-                <a:spcPts val="0"/>
-              </a:spcAft>
-              <a:buFont typeface="Arial"/>
-              <a:buNone/>
-              <a:defRPr/>
-            </a:pPr>
-            <a:r>
-              <a:rPr sz="2800" b="0" i="0" u="none">
-                <a:solidFill>
-                  <a:schemeClr val="tx1">
-                    <a:lumMod val="90000"/>
-                    <a:lumOff val="5000"/>
-                  </a:schemeClr>
-                </a:solidFill>
-                <a:latin typeface="Droid Sans Mono"/>
-                <a:ea typeface="Droid Sans Mono"/>
-                <a:cs typeface="Droid Sans Mono"/>
-              </a:rPr>
-              <a:t>    m</a:t>
-            </a:r>
-            <a:endParaRPr sz="2800" b="0" i="0" u="none">
-              <a:solidFill>
-                <a:schemeClr val="tx1">
-                  <a:lumMod val="90000"/>
-                  <a:lumOff val="5000"/>
-                </a:schemeClr>
-              </a:solidFill>
-              <a:latin typeface="Droid Sans Mono"/>
-              <a:ea typeface="Droid Sans Mono"/>
-              <a:cs typeface="Droid Sans Mono"/>
-            </a:endParaRPr>
-          </a:p>
-          <a:p>
-            <a:pPr marL="0" indent="0" algn="l">
-              <a:lnSpc>
-                <a:spcPct val="80000"/>
-              </a:lnSpc>
-              <a:spcBef>
-                <a:spcPts val="0"/>
-              </a:spcBef>
-              <a:spcAft>
-                <a:spcPts val="0"/>
-              </a:spcAft>
-              <a:buFont typeface="Arial"/>
-              <a:buNone/>
-              <a:defRPr/>
-            </a:pPr>
-            <a:r>
-              <a:rPr sz="2800" b="0" i="0" u="none">
-                <a:solidFill>
-                  <a:schemeClr val="tx1">
-                    <a:lumMod val="90000"/>
-                    <a:lumOff val="5000"/>
-                  </a:schemeClr>
-                </a:solidFill>
-                <a:latin typeface="Droid Sans Mono"/>
-                <a:ea typeface="Droid Sans Mono"/>
-                <a:cs typeface="Droid Sans Mono"/>
-              </a:rPr>
-              <a:t>end</a:t>
-            </a:r>
-            <a:endParaRPr sz="2600">
-              <a:solidFill>
-                <a:schemeClr val="tx1">
-                  <a:lumMod val="90000"/>
-                  <a:lumOff val="5000"/>
-                </a:schemeClr>
-              </a:solidFill>
-            </a:endParaRPr>
-          </a:p>
-          <a:p>
-            <a:pPr marL="0" indent="0" algn="l">
-              <a:lnSpc>
-                <a:spcPct val="81000"/>
-              </a:lnSpc>
-              <a:spcAft>
-                <a:spcPts val="0"/>
-              </a:spcAft>
-              <a:buFont typeface="Arial"/>
-              <a:buNone/>
-              <a:defRPr/>
-            </a:pPr>
-            <a:r>
-              <a:rPr sz="2200" b="0" i="0" u="none">
-                <a:solidFill>
-                  <a:srgbClr val="00B0F0"/>
-                </a:solidFill>
-                <a:latin typeface="Droid Sans Mono"/>
-                <a:ea typeface="Droid Sans Mono"/>
-                <a:cs typeface="Droid Sans Mono"/>
-              </a:rPr>
-              <a:t>function</a:t>
-            </a:r>
-            <a:r>
-              <a:rPr sz="2200" b="0" i="0" u="none">
-                <a:solidFill>
-                  <a:srgbClr val="00B0F0"/>
-                </a:solidFill>
-                <a:latin typeface="Droid Sans Mono"/>
-                <a:ea typeface="Droid Sans Mono"/>
-                <a:cs typeface="Droid Sans Mono"/>
-              </a:rPr>
-              <a:t> </a:t>
-            </a:r>
-            <a:r>
-              <a:rPr sz="2200" b="0" i="0" u="none">
-                <a:solidFill>
-                  <a:srgbClr val="00B0F0"/>
-                </a:solidFill>
-                <a:latin typeface="Droid Sans Mono"/>
-                <a:ea typeface="Droid Sans Mono"/>
-                <a:cs typeface="Droid Sans Mono"/>
-              </a:rPr>
-              <a:t>test</a:t>
-            </a:r>
-            <a:r>
-              <a:rPr sz="2200" b="0" i="0" u="none">
-                <a:solidFill>
-                  <a:srgbClr val="00B0F0"/>
-                </a:solidFill>
-                <a:latin typeface="Droid Sans Mono"/>
-                <a:ea typeface="Droid Sans Mono"/>
-                <a:cs typeface="Droid Sans Mono"/>
-              </a:rPr>
-              <a:t>() </a:t>
-            </a:r>
-            <a:r>
-              <a:rPr sz="2200" b="0" i="0" u="none">
-                <a:solidFill>
-                  <a:srgbClr val="00B0F0"/>
-                </a:solidFill>
-                <a:latin typeface="Droid Sans Mono"/>
-                <a:ea typeface="Droid Sans Mono"/>
-                <a:cs typeface="Droid Sans Mono"/>
-              </a:rPr>
-              <a:t>for</a:t>
-            </a:r>
-            <a:r>
-              <a:rPr sz="2200" b="0" i="0" u="none">
-                <a:solidFill>
-                  <a:srgbClr val="00B0F0"/>
-                </a:solidFill>
-                <a:latin typeface="Droid Sans Mono"/>
-                <a:ea typeface="Droid Sans Mono"/>
-                <a:cs typeface="Droid Sans Mono"/>
-              </a:rPr>
-              <a:t> i=</a:t>
-            </a:r>
-            <a:r>
-              <a:rPr sz="2200" b="0" i="0" u="none">
-                <a:solidFill>
-                  <a:srgbClr val="00B0F0"/>
-                </a:solidFill>
-                <a:latin typeface="Droid Sans Mono"/>
-                <a:ea typeface="Droid Sans Mono"/>
-                <a:cs typeface="Droid Sans Mono"/>
-              </a:rPr>
-              <a:t>1</a:t>
-            </a:r>
-            <a:r>
-              <a:rPr sz="2200" b="0" i="0" u="none">
-                <a:solidFill>
-                  <a:srgbClr val="00B0F0"/>
-                </a:solidFill>
-                <a:latin typeface="Droid Sans Mono"/>
-                <a:ea typeface="Droid Sans Mono"/>
-                <a:cs typeface="Droid Sans Mono"/>
-              </a:rPr>
-              <a:t>:</a:t>
-            </a:r>
-            <a:r>
-              <a:rPr sz="2200" b="0" i="0" u="none">
-                <a:solidFill>
-                  <a:srgbClr val="00B0F0"/>
-                </a:solidFill>
-                <a:latin typeface="Droid Sans Mono"/>
-                <a:ea typeface="Droid Sans Mono"/>
-                <a:cs typeface="Droid Sans Mono"/>
-              </a:rPr>
-              <a:t>40000</a:t>
-            </a:r>
-            <a:r>
-              <a:rPr sz="2200" b="0" i="0" u="none">
-                <a:solidFill>
-                  <a:srgbClr val="00B0F0"/>
-                </a:solidFill>
-                <a:latin typeface="Droid Sans Mono"/>
-                <a:ea typeface="Droid Sans Mono"/>
-                <a:cs typeface="Droid Sans Mono"/>
-              </a:rPr>
-              <a:t> </a:t>
-            </a:r>
-            <a:r>
-              <a:rPr sz="2200" b="0" i="0" u="none">
-                <a:solidFill>
-                  <a:srgbClr val="00B0F0"/>
-                </a:solidFill>
-                <a:latin typeface="Droid Sans Mono"/>
-                <a:ea typeface="Droid Sans Mono"/>
-                <a:cs typeface="Droid Sans Mono"/>
-              </a:rPr>
-              <a:t>push!</a:t>
-            </a:r>
-            <a:r>
-              <a:rPr sz="2200" b="0" i="0" u="none">
-                <a:solidFill>
-                  <a:srgbClr val="00B0F0"/>
-                </a:solidFill>
-                <a:latin typeface="Droid Sans Mono"/>
-                <a:ea typeface="Droid Sans Mono"/>
-                <a:cs typeface="Droid Sans Mono"/>
-              </a:rPr>
-              <a:t>(x,-i*</a:t>
-            </a:r>
-            <a:r>
-              <a:rPr sz="2200" b="0" i="0" u="none">
-                <a:solidFill>
-                  <a:srgbClr val="00B0F0"/>
-                </a:solidFill>
-                <a:latin typeface="Droid Sans Mono"/>
-                <a:ea typeface="Droid Sans Mono"/>
-                <a:cs typeface="Droid Sans Mono"/>
-              </a:rPr>
-              <a:t>1.2</a:t>
-            </a:r>
-            <a:r>
-              <a:rPr sz="2200" b="0" i="0" u="none">
-                <a:solidFill>
-                  <a:srgbClr val="00B0F0"/>
-                </a:solidFill>
-                <a:latin typeface="Droid Sans Mono"/>
-                <a:ea typeface="Droid Sans Mono"/>
-                <a:cs typeface="Droid Sans Mono"/>
-              </a:rPr>
-              <a:t>)  </a:t>
-            </a:r>
-            <a:r>
-              <a:rPr sz="2200" b="0" i="0" u="none">
-                <a:solidFill>
-                  <a:srgbClr val="00B0F0"/>
-                </a:solidFill>
-                <a:latin typeface="Droid Sans Mono"/>
-                <a:ea typeface="Droid Sans Mono"/>
-                <a:cs typeface="Droid Sans Mono"/>
-              </a:rPr>
-              <a:t>end </a:t>
-            </a:r>
-            <a:r>
-              <a:rPr sz="2200" b="0" i="0" u="none">
-                <a:solidFill>
-                  <a:srgbClr val="00B0F0"/>
-                </a:solidFill>
-                <a:latin typeface="Droid Sans Mono"/>
-                <a:ea typeface="Droid Sans Mono"/>
-                <a:cs typeface="Droid Sans Mono"/>
-              </a:rPr>
-              <a:t>end</a:t>
-            </a:r>
-            <a:endParaRPr sz="2200" b="0" i="0" u="none">
-              <a:solidFill>
-                <a:srgbClr val="00B0F0"/>
-              </a:solidFill>
-              <a:latin typeface="Droid Sans Mono"/>
-              <a:ea typeface="Droid Sans Mono"/>
-              <a:cs typeface="Droid Sans Mono"/>
-            </a:endParaRPr>
-          </a:p>
-          <a:p>
-            <a:pPr marL="0" indent="0" algn="l">
-              <a:lnSpc>
-                <a:spcPct val="81000"/>
-              </a:lnSpc>
-              <a:spcAft>
-                <a:spcPts val="0"/>
-              </a:spcAft>
-              <a:buFont typeface="Arial"/>
-              <a:buNone/>
-              <a:defRPr/>
-            </a:pPr>
-            <a:r>
-              <a:rPr sz="2400" b="0" i="0" u="none">
-                <a:solidFill>
-                  <a:schemeClr val="tx1">
-                    <a:lumMod val="90000"/>
-                    <a:lumOff val="5000"/>
-                  </a:schemeClr>
-                </a:solidFill>
-                <a:latin typeface="Droid Sans Mono"/>
-                <a:ea typeface="Droid Sans Mono"/>
-                <a:cs typeface="Droid Sans Mono"/>
-              </a:rPr>
-              <a:t>@btime</a:t>
-            </a:r>
-            <a:r>
-              <a:rPr sz="2400" b="0" i="0" u="none">
-                <a:solidFill>
-                  <a:schemeClr val="tx1">
-                    <a:lumMod val="90000"/>
-                    <a:lumOff val="5000"/>
-                  </a:schemeClr>
-                </a:solidFill>
-                <a:latin typeface="Droid Sans Mono"/>
-                <a:ea typeface="Droid Sans Mono"/>
-                <a:cs typeface="Droid Sans Mono"/>
-              </a:rPr>
-              <a:t> </a:t>
-            </a:r>
-            <a:r>
-              <a:rPr sz="2400" b="0" i="0" u="none">
-                <a:solidFill>
-                  <a:schemeClr val="tx1">
-                    <a:lumMod val="90000"/>
-                    <a:lumOff val="5000"/>
-                  </a:schemeClr>
-                </a:solidFill>
-                <a:latin typeface="Droid Sans Mono"/>
-                <a:ea typeface="Droid Sans Mono"/>
-                <a:cs typeface="Droid Sans Mono"/>
-              </a:rPr>
-              <a:t>smallest</a:t>
-            </a:r>
-            <a:r>
-              <a:rPr sz="2400" b="0" i="0" u="none">
-                <a:solidFill>
-                  <a:schemeClr val="tx1">
-                    <a:lumMod val="90000"/>
-                    <a:lumOff val="5000"/>
-                  </a:schemeClr>
-                </a:solidFill>
-                <a:latin typeface="Droid Sans Mono"/>
-                <a:ea typeface="Droid Sans Mono"/>
-                <a:cs typeface="Droid Sans Mono"/>
-              </a:rPr>
-              <a:t>(</a:t>
-            </a:r>
-            <a:r>
-              <a:rPr sz="2400" b="0" i="0" u="none">
-                <a:solidFill>
-                  <a:schemeClr val="tx1">
-                    <a:lumMod val="90000"/>
-                    <a:lumOff val="5000"/>
-                  </a:schemeClr>
-                </a:solidFill>
-                <a:latin typeface="Droid Sans Mono"/>
-                <a:ea typeface="Droid Sans Mono"/>
-                <a:cs typeface="Droid Sans Mono"/>
-              </a:rPr>
-              <a:t>1.0</a:t>
-            </a:r>
-            <a:r>
-              <a:rPr sz="2400" b="0" i="0" u="none">
-                <a:solidFill>
-                  <a:schemeClr val="tx1">
-                    <a:lumMod val="90000"/>
-                    <a:lumOff val="5000"/>
-                  </a:schemeClr>
-                </a:solidFill>
-                <a:latin typeface="Droid Sans Mono"/>
-                <a:ea typeface="Droid Sans Mono"/>
-                <a:cs typeface="Droid Sans Mono"/>
-              </a:rPr>
-              <a:t>,</a:t>
-            </a:r>
-            <a:r>
-              <a:rPr sz="2400" b="0" i="0" u="none">
-                <a:solidFill>
-                  <a:schemeClr val="tx1">
-                    <a:lumMod val="90000"/>
-                    <a:lumOff val="5000"/>
-                  </a:schemeClr>
-                </a:solidFill>
-                <a:latin typeface="Droid Sans Mono"/>
-                <a:ea typeface="Droid Sans Mono"/>
-                <a:cs typeface="Droid Sans Mono"/>
-              </a:rPr>
-              <a:t>2.0</a:t>
-            </a:r>
-            <a:r>
-              <a:rPr sz="2400" b="0" i="0" u="none">
-                <a:solidFill>
-                  <a:schemeClr val="tx1">
-                    <a:lumMod val="90000"/>
-                    <a:lumOff val="5000"/>
-                  </a:schemeClr>
-                </a:solidFill>
-                <a:latin typeface="Droid Sans Mono"/>
-                <a:ea typeface="Droid Sans Mono"/>
-                <a:cs typeface="Droid Sans Mono"/>
-              </a:rPr>
-              <a:t>,x...)</a:t>
-            </a:r>
-            <a:r>
-              <a:rPr sz="2400" b="0" i="0" u="none">
-                <a:solidFill>
-                  <a:schemeClr val="tx1">
-                    <a:lumMod val="90000"/>
-                    <a:lumOff val="5000"/>
-                  </a:schemeClr>
-                </a:solidFill>
-                <a:latin typeface="Droid Sans Mono"/>
-                <a:ea typeface="Droid Sans Mono"/>
-                <a:cs typeface="Droid Sans Mono"/>
-              </a:rPr>
-              <a:t>#@generated </a:t>
-            </a:r>
-            <a:r>
-              <a:rPr lang="en-US" sz="2400" b="0" i="0" u="none" strike="noStrike" cap="none" spc="0">
-                <a:solidFill>
-                  <a:schemeClr val="tx1">
-                    <a:lumMod val="90000"/>
-                    <a:lumOff val="5000"/>
-                  </a:schemeClr>
-                </a:solidFill>
-                <a:latin typeface="Arial"/>
-                <a:ea typeface="Arial"/>
-                <a:cs typeface="Arial"/>
-              </a:rPr>
-              <a:t> LoadError: syntax: invalid syntax (memory-error out of gc handles)</a:t>
-            </a:r>
-            <a:endParaRPr sz="2400" b="0" i="0" u="none">
-              <a:solidFill>
-                <a:schemeClr val="tx1">
-                  <a:lumMod val="90000"/>
-                  <a:lumOff val="5000"/>
-                </a:schemeClr>
-              </a:solidFill>
-              <a:latin typeface="Droid Sans Mono"/>
-              <a:ea typeface="Droid Sans Mono"/>
-              <a:cs typeface="Droid Sans Mono"/>
-            </a:endParaRPr>
-          </a:p>
-          <a:p>
-            <a:pPr marL="0" indent="0" algn="l">
-              <a:lnSpc>
-                <a:spcPct val="81000"/>
-              </a:lnSpc>
-              <a:spcBef>
-                <a:spcPts val="0"/>
-              </a:spcBef>
-              <a:spcAft>
-                <a:spcPts val="0"/>
-              </a:spcAft>
-              <a:buFont typeface="Arial"/>
-              <a:buNone/>
-              <a:defRPr/>
-            </a:pPr>
-            <a:r>
-              <a:rPr sz="2400" b="0" i="0" u="none">
-                <a:solidFill>
-                  <a:schemeClr val="tx1">
-                    <a:lumMod val="90000"/>
-                    <a:lumOff val="5000"/>
-                  </a:schemeClr>
-                </a:solidFill>
-                <a:latin typeface="Droid Sans Mono"/>
-                <a:ea typeface="Droid Sans Mono"/>
-                <a:cs typeface="Droid Sans Mono"/>
-              </a:rPr>
-              <a:t>@btime</a:t>
-            </a:r>
-            <a:r>
-              <a:rPr sz="2400" b="0" i="0" u="none">
-                <a:solidFill>
-                  <a:schemeClr val="tx1">
-                    <a:lumMod val="90000"/>
-                    <a:lumOff val="5000"/>
-                  </a:schemeClr>
-                </a:solidFill>
-                <a:latin typeface="Droid Sans Mono"/>
-                <a:ea typeface="Droid Sans Mono"/>
-                <a:cs typeface="Droid Sans Mono"/>
-              </a:rPr>
-              <a:t> </a:t>
-            </a:r>
-            <a:r>
-              <a:rPr sz="2400" b="0" i="0" u="none">
-                <a:solidFill>
-                  <a:schemeClr val="tx1">
-                    <a:lumMod val="90000"/>
-                    <a:lumOff val="5000"/>
-                  </a:schemeClr>
-                </a:solidFill>
-                <a:latin typeface="Droid Sans Mono"/>
-                <a:ea typeface="Droid Sans Mono"/>
-                <a:cs typeface="Droid Sans Mono"/>
-              </a:rPr>
-              <a:t>smallest2</a:t>
-            </a:r>
-            <a:r>
-              <a:rPr sz="2400" b="0" i="0" u="none">
-                <a:solidFill>
-                  <a:schemeClr val="tx1">
-                    <a:lumMod val="90000"/>
-                    <a:lumOff val="5000"/>
-                  </a:schemeClr>
-                </a:solidFill>
-                <a:latin typeface="Droid Sans Mono"/>
-                <a:ea typeface="Droid Sans Mono"/>
-                <a:cs typeface="Droid Sans Mono"/>
-              </a:rPr>
-              <a:t>(</a:t>
-            </a:r>
-            <a:r>
-              <a:rPr sz="2400" b="0" i="0" u="none">
-                <a:solidFill>
-                  <a:schemeClr val="tx1">
-                    <a:lumMod val="90000"/>
-                    <a:lumOff val="5000"/>
-                  </a:schemeClr>
-                </a:solidFill>
-                <a:latin typeface="Droid Sans Mono"/>
-                <a:ea typeface="Droid Sans Mono"/>
-                <a:cs typeface="Droid Sans Mono"/>
-              </a:rPr>
-              <a:t>1.0</a:t>
-            </a:r>
-            <a:r>
-              <a:rPr sz="2400" b="0" i="0" u="none">
-                <a:solidFill>
-                  <a:schemeClr val="tx1">
-                    <a:lumMod val="90000"/>
-                    <a:lumOff val="5000"/>
-                  </a:schemeClr>
-                </a:solidFill>
-                <a:latin typeface="Droid Sans Mono"/>
-                <a:ea typeface="Droid Sans Mono"/>
-                <a:cs typeface="Droid Sans Mono"/>
-              </a:rPr>
-              <a:t>,</a:t>
-            </a:r>
-            <a:r>
-              <a:rPr sz="2400" b="0" i="0" u="none">
-                <a:solidFill>
-                  <a:schemeClr val="tx1">
-                    <a:lumMod val="90000"/>
-                    <a:lumOff val="5000"/>
-                  </a:schemeClr>
-                </a:solidFill>
-                <a:latin typeface="Droid Sans Mono"/>
-                <a:ea typeface="Droid Sans Mono"/>
-                <a:cs typeface="Droid Sans Mono"/>
-              </a:rPr>
-              <a:t>2.0</a:t>
-            </a:r>
-            <a:r>
-              <a:rPr sz="2400" b="0" i="0" u="none">
-                <a:solidFill>
-                  <a:schemeClr val="tx1">
-                    <a:lumMod val="90000"/>
-                    <a:lumOff val="5000"/>
-                  </a:schemeClr>
-                </a:solidFill>
-                <a:latin typeface="Droid Sans Mono"/>
-                <a:ea typeface="Droid Sans Mono"/>
-                <a:cs typeface="Droid Sans Mono"/>
-              </a:rPr>
-              <a:t>,x...)</a:t>
-            </a:r>
-            <a:r>
-              <a:rPr sz="2600">
-                <a:solidFill>
-                  <a:schemeClr val="tx1">
-                    <a:lumMod val="90000"/>
-                    <a:lumOff val="5000"/>
-                  </a:schemeClr>
-                </a:solidFill>
-              </a:rPr>
-              <a:t>#</a:t>
-            </a:r>
-            <a:r>
-              <a:rPr lang="en-US" sz="1600" b="0" i="0" u="none" strike="noStrike" cap="none" spc="0">
-                <a:solidFill>
-                  <a:schemeClr val="tx1">
-                    <a:lumMod val="90000"/>
-                    <a:lumOff val="5000"/>
-                  </a:schemeClr>
-                </a:solidFill>
-                <a:latin typeface="Arial"/>
-                <a:ea typeface="Arial"/>
-                <a:cs typeface="Arial"/>
-              </a:rPr>
-              <a:t> </a:t>
-            </a:r>
-            <a:r>
-              <a:rPr lang="en-US" sz="2400" b="0" i="0" u="none" strike="noStrike" cap="none" spc="0">
-                <a:solidFill>
-                  <a:schemeClr val="tx1">
-                    <a:lumMod val="90000"/>
-                    <a:lumOff val="5000"/>
-                  </a:schemeClr>
-                </a:solidFill>
-                <a:latin typeface="Arial"/>
-                <a:ea typeface="Arial"/>
-                <a:cs typeface="Arial"/>
-              </a:rPr>
-              <a:t>904.642 μs (40004 allocations: 937.67 KiB)</a:t>
-            </a:r>
-            <a:endParaRPr sz="7200">
-              <a:solidFill>
-                <a:schemeClr val="tx1">
-                  <a:lumMod val="90000"/>
-                  <a:lumOff val="5000"/>
-                </a:schemeClr>
-              </a:solidFill>
-            </a:endParaRPr>
-          </a:p>
-          <a:p>
-            <a:pPr marL="0" indent="0" algn="l">
-              <a:lnSpc>
-                <a:spcPct val="81000"/>
-              </a:lnSpc>
-              <a:spcBef>
-                <a:spcPts val="0"/>
-              </a:spcBef>
-              <a:spcAft>
-                <a:spcPts val="0"/>
-              </a:spcAft>
-              <a:buFont typeface="Arial"/>
-              <a:buNone/>
-              <a:defRPr/>
-            </a:pPr>
-            <a:r>
-              <a:rPr lang="en-US" sz="2200" b="0" i="0" u="none" strike="noStrike" cap="none" spc="0">
-                <a:solidFill>
-                  <a:srgbClr val="00B0F0"/>
-                </a:solidFill>
-                <a:latin typeface="Droid Sans Mono"/>
-                <a:ea typeface="Droid Sans Mono"/>
-                <a:cs typeface="Droid Sans Mono"/>
-              </a:rPr>
-              <a:t>function</a:t>
-            </a:r>
-            <a:r>
-              <a:rPr lang="en-US" sz="2200" b="0" i="0" u="none" strike="noStrike" cap="none" spc="0">
-                <a:solidFill>
-                  <a:srgbClr val="00B0F0"/>
-                </a:solidFill>
-                <a:latin typeface="Droid Sans Mono"/>
-                <a:ea typeface="Droid Sans Mono"/>
-                <a:cs typeface="Droid Sans Mono"/>
-              </a:rPr>
-              <a:t> </a:t>
-            </a:r>
-            <a:r>
-              <a:rPr lang="en-US" sz="2200" b="0" i="0" u="none" strike="noStrike" cap="none" spc="0">
-                <a:solidFill>
-                  <a:srgbClr val="00B0F0"/>
-                </a:solidFill>
-                <a:latin typeface="Droid Sans Mono"/>
-                <a:ea typeface="Droid Sans Mono"/>
-                <a:cs typeface="Droid Sans Mono"/>
-              </a:rPr>
-              <a:t>test</a:t>
-            </a:r>
-            <a:r>
-              <a:rPr lang="en-US" sz="2200" b="0" i="0" u="none" strike="noStrike" cap="none" spc="0">
-                <a:solidFill>
-                  <a:srgbClr val="00B0F0"/>
-                </a:solidFill>
-                <a:latin typeface="Droid Sans Mono"/>
-                <a:ea typeface="Droid Sans Mono"/>
-                <a:cs typeface="Droid Sans Mono"/>
-              </a:rPr>
-              <a:t>() </a:t>
-            </a:r>
-            <a:r>
-              <a:rPr lang="en-US" sz="2200" b="0" i="0" u="none" strike="noStrike" cap="none" spc="0">
-                <a:solidFill>
-                  <a:srgbClr val="00B0F0"/>
-                </a:solidFill>
-                <a:latin typeface="Droid Sans Mono"/>
-                <a:ea typeface="Droid Sans Mono"/>
-                <a:cs typeface="Droid Sans Mono"/>
-              </a:rPr>
-              <a:t>for</a:t>
-            </a:r>
-            <a:r>
-              <a:rPr lang="en-US" sz="2200" b="0" i="0" u="none" strike="noStrike" cap="none" spc="0">
-                <a:solidFill>
-                  <a:srgbClr val="00B0F0"/>
-                </a:solidFill>
-                <a:latin typeface="Droid Sans Mono"/>
-                <a:ea typeface="Droid Sans Mono"/>
-                <a:cs typeface="Droid Sans Mono"/>
-              </a:rPr>
-              <a:t> i=</a:t>
-            </a:r>
-            <a:r>
-              <a:rPr lang="en-US" sz="2200" b="0" i="0" u="none" strike="noStrike" cap="none" spc="0">
-                <a:solidFill>
-                  <a:srgbClr val="00B0F0"/>
-                </a:solidFill>
-                <a:latin typeface="Droid Sans Mono"/>
-                <a:ea typeface="Droid Sans Mono"/>
-                <a:cs typeface="Droid Sans Mono"/>
-              </a:rPr>
-              <a:t>1</a:t>
-            </a:r>
-            <a:r>
-              <a:rPr lang="en-US" sz="2200" b="0" i="0" u="none" strike="noStrike" cap="none" spc="0">
-                <a:solidFill>
-                  <a:srgbClr val="00B0F0"/>
-                </a:solidFill>
-                <a:latin typeface="Droid Sans Mono"/>
-                <a:ea typeface="Droid Sans Mono"/>
-                <a:cs typeface="Droid Sans Mono"/>
-              </a:rPr>
-              <a:t>:</a:t>
-            </a:r>
-            <a:r>
-              <a:rPr lang="en-US" sz="2200" b="0" i="0" u="none" strike="noStrike" cap="none" spc="0">
-                <a:solidFill>
-                  <a:srgbClr val="00B0F0"/>
-                </a:solidFill>
-                <a:highlight>
-                  <a:srgbClr val="FFFF00"/>
-                </a:highlight>
-                <a:latin typeface="Droid Sans Mono"/>
-                <a:ea typeface="Droid Sans Mono"/>
-                <a:cs typeface="Droid Sans Mono"/>
-              </a:rPr>
-              <a:t>4000</a:t>
-            </a:r>
-            <a:r>
-              <a:rPr lang="en-US" sz="2200" b="0" i="0" u="none" strike="noStrike" cap="none" spc="0">
-                <a:solidFill>
-                  <a:srgbClr val="00B0F0"/>
-                </a:solidFill>
-                <a:latin typeface="Droid Sans Mono"/>
-                <a:ea typeface="Droid Sans Mono"/>
-                <a:cs typeface="Droid Sans Mono"/>
-              </a:rPr>
-              <a:t> </a:t>
-            </a:r>
-            <a:r>
-              <a:rPr lang="en-US" sz="2200" b="0" i="0" u="none" strike="noStrike" cap="none" spc="0">
-                <a:solidFill>
-                  <a:srgbClr val="00B0F0"/>
-                </a:solidFill>
-                <a:latin typeface="Droid Sans Mono"/>
-                <a:ea typeface="Droid Sans Mono"/>
-                <a:cs typeface="Droid Sans Mono"/>
-              </a:rPr>
-              <a:t>push!</a:t>
-            </a:r>
-            <a:r>
-              <a:rPr lang="en-US" sz="2200" b="0" i="0" u="none" strike="noStrike" cap="none" spc="0">
-                <a:solidFill>
-                  <a:srgbClr val="00B0F0"/>
-                </a:solidFill>
-                <a:latin typeface="Droid Sans Mono"/>
-                <a:ea typeface="Droid Sans Mono"/>
-                <a:cs typeface="Droid Sans Mono"/>
-              </a:rPr>
-              <a:t>(x,-i*</a:t>
-            </a:r>
-            <a:r>
-              <a:rPr lang="en-US" sz="2200" b="0" i="0" u="none" strike="noStrike" cap="none" spc="0">
-                <a:solidFill>
-                  <a:srgbClr val="00B0F0"/>
-                </a:solidFill>
-                <a:latin typeface="Droid Sans Mono"/>
-                <a:ea typeface="Droid Sans Mono"/>
-                <a:cs typeface="Droid Sans Mono"/>
-              </a:rPr>
-              <a:t>1.2</a:t>
-            </a:r>
-            <a:r>
-              <a:rPr lang="en-US" sz="2200" b="0" i="0" u="none" strike="noStrike" cap="none" spc="0">
-                <a:solidFill>
-                  <a:srgbClr val="00B0F0"/>
-                </a:solidFill>
-                <a:latin typeface="Droid Sans Mono"/>
-                <a:ea typeface="Droid Sans Mono"/>
-                <a:cs typeface="Droid Sans Mono"/>
-              </a:rPr>
-              <a:t>)  </a:t>
-            </a:r>
-            <a:r>
-              <a:rPr lang="en-US" sz="2200" b="0" i="0" u="none" strike="noStrike" cap="none" spc="0">
-                <a:solidFill>
-                  <a:srgbClr val="00B0F0"/>
-                </a:solidFill>
-                <a:latin typeface="Droid Sans Mono"/>
-                <a:ea typeface="Droid Sans Mono"/>
-                <a:cs typeface="Droid Sans Mono"/>
-              </a:rPr>
-              <a:t>end </a:t>
-            </a:r>
-            <a:r>
-              <a:rPr lang="en-US" sz="2200" b="0" i="0" u="none" strike="noStrike" cap="none" spc="0">
-                <a:solidFill>
-                  <a:srgbClr val="00B0F0"/>
-                </a:solidFill>
-                <a:latin typeface="Droid Sans Mono"/>
-                <a:ea typeface="Droid Sans Mono"/>
-                <a:cs typeface="Droid Sans Mono"/>
-              </a:rPr>
-              <a:t>end</a:t>
-            </a:r>
-            <a:endParaRPr sz="2200">
-              <a:solidFill>
-                <a:schemeClr val="tx1">
-                  <a:lumMod val="90000"/>
-                  <a:lumOff val="5000"/>
-                </a:schemeClr>
-              </a:solidFill>
-            </a:endParaRPr>
-          </a:p>
-          <a:p>
-            <a:pPr marL="0" indent="0" algn="l">
-              <a:lnSpc>
-                <a:spcPct val="81000"/>
-              </a:lnSpc>
-              <a:spcAft>
-                <a:spcPts val="0"/>
-              </a:spcAft>
-              <a:buFont typeface="Arial"/>
-              <a:buNone/>
-              <a:defRPr/>
-            </a:pPr>
-            <a:r>
-              <a:rPr lang="en-US" sz="2400" b="0" i="0" u="none" strike="noStrike" cap="none" spc="0">
-                <a:solidFill>
-                  <a:schemeClr val="tx1">
-                    <a:lumMod val="90000"/>
-                    <a:lumOff val="5000"/>
-                  </a:schemeClr>
-                </a:solidFill>
-                <a:latin typeface="Droid Sans Mono"/>
-                <a:ea typeface="Droid Sans Mono"/>
-                <a:cs typeface="Droid Sans Mono"/>
-              </a:rPr>
-              <a:t>@btime</a:t>
-            </a:r>
-            <a:r>
-              <a:rPr lang="en-US" sz="2400" b="0" i="0" u="none" strike="noStrike" cap="none" spc="0">
-                <a:solidFill>
-                  <a:schemeClr val="tx1">
-                    <a:lumMod val="90000"/>
-                    <a:lumOff val="5000"/>
-                  </a:schemeClr>
-                </a:solidFill>
-                <a:latin typeface="Droid Sans Mono"/>
-                <a:ea typeface="Droid Sans Mono"/>
-                <a:cs typeface="Droid Sans Mono"/>
-              </a:rPr>
-              <a:t> </a:t>
-            </a:r>
-            <a:r>
-              <a:rPr lang="en-US" sz="2400" b="0" i="0" u="none" strike="noStrike" cap="none" spc="0">
-                <a:solidFill>
-                  <a:schemeClr val="tx1">
-                    <a:lumMod val="90000"/>
-                    <a:lumOff val="5000"/>
-                  </a:schemeClr>
-                </a:solidFill>
-                <a:latin typeface="Droid Sans Mono"/>
-                <a:ea typeface="Droid Sans Mono"/>
-                <a:cs typeface="Droid Sans Mono"/>
-              </a:rPr>
-              <a:t>smallest</a:t>
-            </a:r>
-            <a:r>
-              <a:rPr lang="en-US" sz="2400" b="0" i="0" u="none" strike="noStrike" cap="none" spc="0">
-                <a:solidFill>
-                  <a:schemeClr val="tx1">
-                    <a:lumMod val="90000"/>
-                    <a:lumOff val="5000"/>
-                  </a:schemeClr>
-                </a:solidFill>
-                <a:latin typeface="Droid Sans Mono"/>
-                <a:ea typeface="Droid Sans Mono"/>
-                <a:cs typeface="Droid Sans Mono"/>
-              </a:rPr>
-              <a:t>(</a:t>
-            </a:r>
-            <a:r>
-              <a:rPr lang="en-US" sz="2400" b="0" i="0" u="none" strike="noStrike" cap="none" spc="0">
-                <a:solidFill>
-                  <a:schemeClr val="tx1">
-                    <a:lumMod val="90000"/>
-                    <a:lumOff val="5000"/>
-                  </a:schemeClr>
-                </a:solidFill>
-                <a:latin typeface="Droid Sans Mono"/>
-                <a:ea typeface="Droid Sans Mono"/>
-                <a:cs typeface="Droid Sans Mono"/>
-              </a:rPr>
-              <a:t>1.0</a:t>
-            </a:r>
-            <a:r>
-              <a:rPr lang="en-US" sz="2400" b="0" i="0" u="none" strike="noStrike" cap="none" spc="0">
-                <a:solidFill>
-                  <a:schemeClr val="tx1">
-                    <a:lumMod val="90000"/>
-                    <a:lumOff val="5000"/>
-                  </a:schemeClr>
-                </a:solidFill>
-                <a:latin typeface="Droid Sans Mono"/>
-                <a:ea typeface="Droid Sans Mono"/>
-                <a:cs typeface="Droid Sans Mono"/>
-              </a:rPr>
-              <a:t>,</a:t>
-            </a:r>
-            <a:r>
-              <a:rPr lang="en-US" sz="2400" b="0" i="0" u="none" strike="noStrike" cap="none" spc="0">
-                <a:solidFill>
-                  <a:schemeClr val="tx1">
-                    <a:lumMod val="90000"/>
-                    <a:lumOff val="5000"/>
-                  </a:schemeClr>
-                </a:solidFill>
-                <a:latin typeface="Droid Sans Mono"/>
-                <a:ea typeface="Droid Sans Mono"/>
-                <a:cs typeface="Droid Sans Mono"/>
-              </a:rPr>
-              <a:t>2.0</a:t>
-            </a:r>
-            <a:r>
-              <a:rPr lang="en-US" sz="2400" b="0" i="0" u="none" strike="noStrike" cap="none" spc="0">
-                <a:solidFill>
-                  <a:schemeClr val="tx1">
-                    <a:lumMod val="90000"/>
-                    <a:lumOff val="5000"/>
-                  </a:schemeClr>
-                </a:solidFill>
-                <a:latin typeface="Droid Sans Mono"/>
-                <a:ea typeface="Droid Sans Mono"/>
-                <a:cs typeface="Droid Sans Mono"/>
-              </a:rPr>
-              <a:t>,x...)</a:t>
-            </a:r>
-            <a:r>
-              <a:rPr lang="en-US" sz="2400" b="0" i="0" u="none" strike="noStrike" cap="none" spc="0">
-                <a:solidFill>
-                  <a:schemeClr val="tx1">
-                    <a:lumMod val="90000"/>
-                    <a:lumOff val="5000"/>
-                  </a:schemeClr>
-                </a:solidFill>
-                <a:latin typeface="Droid Sans Mono"/>
-                <a:ea typeface="Droid Sans Mono"/>
-                <a:cs typeface="Droid Sans Mono"/>
-              </a:rPr>
-              <a:t>#</a:t>
-            </a:r>
-            <a:r>
-              <a:rPr lang="en-US" sz="2400" b="0" i="0" u="none" strike="noStrike" cap="none" spc="0">
-                <a:solidFill>
-                  <a:schemeClr val="tx1">
-                    <a:lumMod val="90000"/>
-                    <a:lumOff val="5000"/>
-                  </a:schemeClr>
-                </a:solidFill>
-                <a:latin typeface="Droid Sans Mono"/>
-                <a:ea typeface="Droid Sans Mono"/>
-                <a:cs typeface="Droid Sans Mono"/>
-              </a:rPr>
-              <a:t> 128.055 μs (4004 allocations: 93.92 KiB)</a:t>
-            </a:r>
-            <a:endParaRPr sz="2400" b="0" i="0" u="none">
-              <a:solidFill>
-                <a:schemeClr val="tx1">
-                  <a:lumMod val="90000"/>
-                  <a:lumOff val="5000"/>
-                </a:schemeClr>
-              </a:solidFill>
-              <a:latin typeface="Droid Sans Mono"/>
-              <a:ea typeface="Droid Sans Mono"/>
-              <a:cs typeface="Droid Sans Mono"/>
-            </a:endParaRPr>
-          </a:p>
-          <a:p>
-            <a:pPr marL="0" indent="0" algn="l">
-              <a:lnSpc>
-                <a:spcPct val="81000"/>
-              </a:lnSpc>
-              <a:spcBef>
-                <a:spcPts val="0"/>
-              </a:spcBef>
-              <a:spcAft>
-                <a:spcPts val="0"/>
-              </a:spcAft>
-              <a:buFont typeface="Arial"/>
-              <a:buNone/>
-              <a:defRPr/>
-            </a:pPr>
-            <a:r>
-              <a:rPr lang="en-US" sz="2400" b="0" i="0" u="none" strike="noStrike" cap="none" spc="0">
-                <a:solidFill>
-                  <a:schemeClr val="tx1">
-                    <a:lumMod val="90000"/>
-                    <a:lumOff val="5000"/>
-                  </a:schemeClr>
-                </a:solidFill>
-                <a:latin typeface="Droid Sans Mono"/>
-                <a:ea typeface="Droid Sans Mono"/>
-                <a:cs typeface="Droid Sans Mono"/>
-              </a:rPr>
-              <a:t>@btime</a:t>
-            </a:r>
-            <a:r>
-              <a:rPr lang="en-US" sz="2400" b="0" i="0" u="none" strike="noStrike" cap="none" spc="0">
-                <a:solidFill>
-                  <a:schemeClr val="tx1">
-                    <a:lumMod val="90000"/>
-                    <a:lumOff val="5000"/>
-                  </a:schemeClr>
-                </a:solidFill>
-                <a:latin typeface="Droid Sans Mono"/>
-                <a:ea typeface="Droid Sans Mono"/>
-                <a:cs typeface="Droid Sans Mono"/>
-              </a:rPr>
-              <a:t> </a:t>
-            </a:r>
-            <a:r>
-              <a:rPr lang="en-US" sz="2400" b="0" i="0" u="none" strike="noStrike" cap="none" spc="0">
-                <a:solidFill>
-                  <a:schemeClr val="tx1">
-                    <a:lumMod val="90000"/>
-                    <a:lumOff val="5000"/>
-                  </a:schemeClr>
-                </a:solidFill>
-                <a:latin typeface="Droid Sans Mono"/>
-                <a:ea typeface="Droid Sans Mono"/>
-                <a:cs typeface="Droid Sans Mono"/>
-              </a:rPr>
-              <a:t>smallest2</a:t>
-            </a:r>
-            <a:r>
-              <a:rPr lang="en-US" sz="2400" b="0" i="0" u="none" strike="noStrike" cap="none" spc="0">
-                <a:solidFill>
-                  <a:schemeClr val="tx1">
-                    <a:lumMod val="90000"/>
-                    <a:lumOff val="5000"/>
-                  </a:schemeClr>
-                </a:solidFill>
-                <a:latin typeface="Droid Sans Mono"/>
-                <a:ea typeface="Droid Sans Mono"/>
-                <a:cs typeface="Droid Sans Mono"/>
-              </a:rPr>
-              <a:t>(</a:t>
-            </a:r>
-            <a:r>
-              <a:rPr lang="en-US" sz="2400" b="0" i="0" u="none" strike="noStrike" cap="none" spc="0">
-                <a:solidFill>
-                  <a:schemeClr val="tx1">
-                    <a:lumMod val="90000"/>
-                    <a:lumOff val="5000"/>
-                  </a:schemeClr>
-                </a:solidFill>
-                <a:latin typeface="Droid Sans Mono"/>
-                <a:ea typeface="Droid Sans Mono"/>
-                <a:cs typeface="Droid Sans Mono"/>
-              </a:rPr>
-              <a:t>1.0</a:t>
-            </a:r>
-            <a:r>
-              <a:rPr lang="en-US" sz="2400" b="0" i="0" u="none" strike="noStrike" cap="none" spc="0">
-                <a:solidFill>
-                  <a:schemeClr val="tx1">
-                    <a:lumMod val="90000"/>
-                    <a:lumOff val="5000"/>
-                  </a:schemeClr>
-                </a:solidFill>
-                <a:latin typeface="Droid Sans Mono"/>
-                <a:ea typeface="Droid Sans Mono"/>
-                <a:cs typeface="Droid Sans Mono"/>
-              </a:rPr>
-              <a:t>,</a:t>
-            </a:r>
-            <a:r>
-              <a:rPr lang="en-US" sz="2400" b="0" i="0" u="none" strike="noStrike" cap="none" spc="0">
-                <a:solidFill>
-                  <a:schemeClr val="tx1">
-                    <a:lumMod val="90000"/>
-                    <a:lumOff val="5000"/>
-                  </a:schemeClr>
-                </a:solidFill>
-                <a:latin typeface="Droid Sans Mono"/>
-                <a:ea typeface="Droid Sans Mono"/>
-                <a:cs typeface="Droid Sans Mono"/>
-              </a:rPr>
-              <a:t>2.0</a:t>
-            </a:r>
-            <a:r>
-              <a:rPr lang="en-US" sz="2400" b="0" i="0" u="none" strike="noStrike" cap="none" spc="0">
-                <a:solidFill>
-                  <a:schemeClr val="tx1">
-                    <a:lumMod val="90000"/>
-                    <a:lumOff val="5000"/>
-                  </a:schemeClr>
-                </a:solidFill>
-                <a:latin typeface="Droid Sans Mono"/>
-                <a:ea typeface="Droid Sans Mono"/>
-                <a:cs typeface="Droid Sans Mono"/>
-              </a:rPr>
-              <a:t>,x...)</a:t>
-            </a:r>
-            <a:r>
-              <a:rPr lang="en-US" sz="2400" b="0" i="0" u="none" strike="noStrike" cap="none" spc="0">
-                <a:solidFill>
-                  <a:schemeClr val="tx1">
-                    <a:lumMod val="90000"/>
-                    <a:lumOff val="5000"/>
-                  </a:schemeClr>
+            <a:pPr>
+              <a:defRPr/>
+            </a:pPr>
+            <a:r>
+              <a:rPr lang="en-US" sz="2800" b="0" i="0" u="none" strike="noStrike" cap="none" spc="0">
+                <a:solidFill>
+                  <a:schemeClr val="tx1"/>
                 </a:solidFill>
                 <a:latin typeface="+mn-lt"/>
                 <a:ea typeface="+mn-ea"/>
                 <a:cs typeface="+mn-cs"/>
               </a:rPr>
-              <a:t>#</a:t>
-            </a:r>
-            <a:r>
-              <a:rPr lang="en-US" sz="2400" b="0" i="0" u="none" strike="noStrike" cap="none" spc="0">
-                <a:solidFill>
-                  <a:schemeClr val="tx1">
-                    <a:lumMod val="90000"/>
-                    <a:lumOff val="5000"/>
-                  </a:schemeClr>
-                </a:solidFill>
-                <a:latin typeface="Arial"/>
-                <a:ea typeface="Arial"/>
-                <a:cs typeface="Arial"/>
-              </a:rPr>
-              <a:t> </a:t>
-            </a:r>
-            <a:r>
-              <a:rPr lang="en-US" sz="2400" b="0" i="0" u="none" strike="noStrike" cap="none" spc="0">
-                <a:solidFill>
-                  <a:schemeClr val="tx1">
-                    <a:lumMod val="90000"/>
-                    <a:lumOff val="5000"/>
-                  </a:schemeClr>
-                </a:solidFill>
-                <a:latin typeface="Arial"/>
-                <a:ea typeface="Arial"/>
-                <a:cs typeface="Arial"/>
-              </a:rPr>
-              <a:t>  120.540 μs (4004 allocations: 93.92 KiB)</a:t>
-            </a:r>
-            <a:endParaRPr sz="2400" b="0" i="0" u="none" strike="noStrike" cap="none" spc="0">
+              <a:t>Currently the qss package is just a prototype: </a:t>
+            </a:r>
+            <a:endParaRPr/>
+          </a:p>
+          <a:p>
+            <a:pPr>
+              <a:defRPr/>
+            </a:pPr>
+            <a:r>
+              <a:rPr/>
+              <a:t>I will have to see if it is more efficient to use the “withoutsaving” approach and add a “saveat” feature.</a:t>
+            </a:r>
+            <a:endParaRPr/>
+          </a:p>
+          <a:p>
+            <a:pPr>
+              <a:defRPr/>
+            </a:pPr>
+            <a:r>
+              <a:rPr/>
+              <a:t>Should we also save the derivatives?</a:t>
+            </a:r>
+            <a:endParaRPr/>
+          </a:p>
+          <a:p>
+            <a:pPr>
+              <a:defRPr/>
+            </a:pPr>
+            <a:r>
+              <a:rPr lang="en-US" sz="2800" b="0" i="0" u="none" strike="noStrike" cap="none" spc="0">
+                <a:solidFill>
+                  <a:schemeClr val="tx1"/>
+                </a:solidFill>
+                <a:latin typeface="+mn-lt"/>
+                <a:ea typeface="+mn-ea"/>
+                <a:cs typeface="+mn-cs"/>
+              </a:rPr>
+              <a:t>The client should be able for query the solution as such: sol1(0.321). So an interpolation feature should be added.</a:t>
+            </a:r>
+            <a:endParaRPr lang="en-US" sz="2800" b="0" i="0" u="none" strike="noStrike" cap="none" spc="0">
               <a:solidFill>
-                <a:schemeClr val="tx1">
-                  <a:lumMod val="90000"/>
-                  <a:lumOff val="5000"/>
-                </a:schemeClr>
+                <a:schemeClr val="tx1"/>
               </a:solidFill>
               <a:latin typeface="Arial"/>
               <a:ea typeface="Arial"/>
@@ -6169,149 +6419,56 @@
             </a:endParaRPr>
           </a:p>
           <a:p>
-            <a:pPr marL="0" indent="0" algn="l">
-              <a:lnSpc>
-                <a:spcPct val="81000"/>
-              </a:lnSpc>
-              <a:spcBef>
-                <a:spcPts val="0"/>
-              </a:spcBef>
-              <a:spcAft>
-                <a:spcPts val="0"/>
-              </a:spcAft>
-              <a:buFont typeface="Arial"/>
-              <a:buNone/>
-              <a:defRPr/>
-            </a:pPr>
-            <a:r>
-              <a:rPr lang="en-US" sz="2600" b="0" i="0" u="none" strike="noStrike" cap="none" spc="0">
-                <a:solidFill>
-                  <a:schemeClr val="tx1">
-                    <a:lumMod val="90000"/>
-                    <a:lumOff val="5000"/>
-                  </a:schemeClr>
-                </a:solidFill>
-                <a:latin typeface="Arial"/>
-                <a:ea typeface="Arial"/>
-                <a:cs typeface="Arial"/>
-              </a:rPr>
-              <a:t>The same thing for @inline </a:t>
-            </a:r>
-            <a:r>
-              <a:rPr sz="2600" b="0" i="0" u="none">
-                <a:solidFill>
-                  <a:srgbClr val="569CD6"/>
-                </a:solidFill>
-                <a:latin typeface="Droid Sans Mono"/>
-                <a:ea typeface="Droid Sans Mono"/>
-                <a:cs typeface="Droid Sans Mono"/>
-              </a:rPr>
-              <a:t>function</a:t>
-            </a:r>
-            <a:r>
-              <a:rPr sz="2600" b="0" i="0" u="none">
-                <a:solidFill>
-                  <a:srgbClr val="D4D4D4"/>
-                </a:solidFill>
-                <a:latin typeface="Droid Sans Mono"/>
-                <a:ea typeface="Droid Sans Mono"/>
-                <a:cs typeface="Droid Sans Mono"/>
-              </a:rPr>
-              <a:t> </a:t>
-            </a:r>
-            <a:r>
-              <a:rPr sz="2600" b="0" i="0" u="none">
-                <a:solidFill>
-                  <a:srgbClr val="7030A0"/>
-                </a:solidFill>
-                <a:latin typeface="Droid Sans Mono"/>
-                <a:ea typeface="Droid Sans Mono"/>
-                <a:cs typeface="Droid Sans Mono"/>
-              </a:rPr>
-              <a:t>quadraticsmallestpositiveroot</a:t>
-            </a:r>
-            <a:r>
-              <a:rPr sz="2600" b="0" i="0" u="none">
-                <a:solidFill>
-                  <a:srgbClr val="7030A0"/>
-                </a:solidFill>
-                <a:latin typeface="Droid Sans Mono"/>
-                <a:ea typeface="Droid Sans Mono"/>
-                <a:cs typeface="Droid Sans Mono"/>
-              </a:rPr>
-              <a:t>(a::</a:t>
-            </a:r>
-            <a:r>
-              <a:rPr sz="2600" b="0" i="0" u="none">
-                <a:solidFill>
-                  <a:srgbClr val="7030A0"/>
-                </a:solidFill>
-                <a:latin typeface="Droid Sans Mono"/>
-                <a:ea typeface="Droid Sans Mono"/>
-                <a:cs typeface="Droid Sans Mono"/>
-              </a:rPr>
-              <a:t>F</a:t>
-            </a:r>
-            <a:r>
-              <a:rPr sz="2600" b="0" i="0" u="none">
-                <a:solidFill>
-                  <a:srgbClr val="7030A0"/>
-                </a:solidFill>
-                <a:latin typeface="Droid Sans Mono"/>
-                <a:ea typeface="Droid Sans Mono"/>
-                <a:cs typeface="Droid Sans Mono"/>
-              </a:rPr>
-              <a:t>, b::</a:t>
-            </a:r>
-            <a:r>
-              <a:rPr sz="2600" b="0" i="0" u="none">
-                <a:solidFill>
-                  <a:srgbClr val="7030A0"/>
-                </a:solidFill>
-                <a:latin typeface="Droid Sans Mono"/>
-                <a:ea typeface="Droid Sans Mono"/>
-                <a:cs typeface="Droid Sans Mono"/>
-              </a:rPr>
-              <a:t>F</a:t>
-            </a:r>
-            <a:r>
-              <a:rPr sz="2600" b="0" i="0" u="none">
-                <a:solidFill>
-                  <a:srgbClr val="7030A0"/>
-                </a:solidFill>
-                <a:latin typeface="Droid Sans Mono"/>
-                <a:ea typeface="Droid Sans Mono"/>
-                <a:cs typeface="Droid Sans Mono"/>
-              </a:rPr>
-              <a:t>, c::</a:t>
-            </a:r>
-            <a:r>
-              <a:rPr sz="2600" b="0" i="0" u="none">
-                <a:solidFill>
-                  <a:srgbClr val="7030A0"/>
-                </a:solidFill>
-                <a:latin typeface="Droid Sans Mono"/>
-                <a:ea typeface="Droid Sans Mono"/>
-                <a:cs typeface="Droid Sans Mono"/>
-              </a:rPr>
-              <a:t>F</a:t>
-            </a:r>
-            <a:r>
-              <a:rPr sz="2600" b="0" i="0" u="none">
-                <a:solidFill>
-                  <a:srgbClr val="7030A0"/>
-                </a:solidFill>
-                <a:latin typeface="Droid Sans Mono"/>
-                <a:ea typeface="Droid Sans Mono"/>
-                <a:cs typeface="Droid Sans Mono"/>
-              </a:rPr>
-              <a:t>)</a:t>
-            </a:r>
-            <a:endParaRPr sz="2600">
+            <a:pPr>
+              <a:defRPr/>
+            </a:pPr>
+            <a:r>
+              <a:rPr lang="en-US" sz="2800" b="0" i="0" u="none" strike="noStrike" cap="none" spc="0">
+                <a:solidFill>
+                  <a:schemeClr val="tx1"/>
+                </a:solidFill>
+                <a:latin typeface="+mn-lt"/>
+                <a:ea typeface="+mn-ea"/>
+                <a:cs typeface="+mn-cs"/>
+              </a:rPr>
+              <a:t>Next, the package should implement other solvers besides qss1, accounts</a:t>
+            </a:r>
+            <a:r>
+              <a:rPr lang="en-US" sz="2800" b="0" i="0" u="none" strike="noStrike" cap="none" spc="0">
+                <a:solidFill>
+                  <a:schemeClr val="tx1"/>
+                </a:solidFill>
+                <a:latin typeface="+mn-lt"/>
+                <a:ea typeface="+mn-ea"/>
+                <a:cs typeface="+mn-cs"/>
+              </a:rPr>
+              <a:t> for input signals and discontinuities.</a:t>
+            </a:r>
+            <a:endParaRPr lang="en-US" sz="2800" b="0" i="0" u="none" strike="noStrike" cap="none" spc="0">
               <a:solidFill>
-                <a:srgbClr val="7030A0"/>
+                <a:schemeClr val="tx1"/>
               </a:solidFill>
+              <a:latin typeface="Arial"/>
+              <a:ea typeface="Arial"/>
+              <a:cs typeface="Arial"/>
             </a:endParaRPr>
+          </a:p>
+          <a:p>
+            <a:pPr>
+              <a:defRPr/>
+            </a:pPr>
+            <a:r>
+              <a:rPr lang="en-US" sz="2800" b="0" i="0" u="none" strike="noStrike" cap="none" spc="0">
+                <a:solidFill>
+                  <a:schemeClr val="tx1"/>
+                </a:solidFill>
+                <a:latin typeface="+mn-lt"/>
+                <a:ea typeface="+mn-ea"/>
+                <a:cs typeface="+mn-cs"/>
+              </a:rPr>
+              <a:t>What range of t are we interested in: order of t? </a:t>
+            </a:r>
+            <a:endParaRPr sz="2800"/>
           </a:p>
         </p:txBody>
       </p:sp>
@@ -6599,7 +6756,7 @@
         </p:nvSpPr>
         <p:spPr bwMode="auto">
           <a:xfrm flipH="0" flipV="0">
-            <a:off x="838199" y="365124"/>
+            <a:off x="838198" y="365124"/>
             <a:ext cx="10515600" cy="535420"/>
           </a:xfrm>
         </p:spPr>
@@ -7511,7 +7668,7 @@
           <a:graphicData uri="http://schemas.openxmlformats.org/drawingml/2006/table">
             <a:tbl>
               <a:tblPr firstRow="1" firstCol="0" lastRow="0" lastCol="0" bandRow="1" bandCol="0">
-                <a:tableStyleId>{43B1A62B-0A62-751F-4EA3-890BCB84386E}</a:tableStyleId>
+                <a:tableStyleId>{17719860-53CB-55F3-CD7A-8D73792C20BA}</a:tableStyleId>
               </a:tblPr>
               <a:tblGrid>
                 <a:gridCol w="11498943"/>
@@ -8263,7 +8420,7 @@
         </p:spPr>
         <p:txBody>
           <a:bodyPr vertOverflow="overflow" horzOverflow="clip" vert="horz" wrap="square" lIns="91440" tIns="45720" rIns="91440" bIns="45720" numCol="1" spcCol="0" rtlCol="0" fromWordArt="0" anchor="t" anchorCtr="0" forceAA="0" upright="0" compatLnSpc="0">
-            <a:normAutofit/>
+            <a:normAutofit fontScale="85000" lnSpcReduction="3000"/>
           </a:bodyPr>
           <a:lstStyle/>
           <a:p>
@@ -8282,7 +8439,18 @@
                 <a:ea typeface="Arial"/>
                 <a:cs typeface="Arial"/>
               </a:rPr>
-              <a:t>QSS1 </a:t>
+              <a:t>QSS1  </a:t>
+            </a:r>
+            <a:r>
+              <a:rPr lang="en-US" sz="2400" b="0" i="0" u="none" strike="noStrike" cap="none" spc="0">
+                <a:solidFill>
+                  <a:schemeClr val="tx1"/>
+                </a:solidFill>
+                <a:latin typeface="Arial"/>
+                <a:ea typeface="Arial"/>
+                <a:cs typeface="Arial"/>
+              </a:rPr>
+              <a:t>Without saving the solution</a:t>
             </a:r>
             <a:endParaRPr sz="2400" b="0" i="0" u="none" strike="noStrike" cap="none" spc="0">
               <a:solidFill>
@@ -8311,7 +8479,7 @@
                 <a:ea typeface="Arial"/>
                 <a:cs typeface="Arial"/>
               </a:rPr>
-              <a:t>Without saving the solution</a:t>
+              <a:t>Ft=0.5====&gt;191.954 μs (25 allocations: 1.58 KiB)</a:t>
             </a:r>
             <a:endParaRPr sz="2400" b="0" i="0" u="none" strike="noStrike" cap="none" spc="0">
               <a:solidFill>
@@ -8337,7 +8505,7 @@
                 <a:ea typeface="Arial"/>
                 <a:cs typeface="Arial"/>
               </a:rPr>
-              <a:t>Ft=0.5====&gt;191.954 μs (25 allocations: 1.58 KiB)</a:t>
+              <a:t>Ft=5.0====&gt;4.164 ms (25 allocations: 1.58 KiB)</a:t>
             </a:r>
             <a:endParaRPr sz="2400" b="0" i="0" u="none" strike="noStrike" cap="none" spc="0">
               <a:solidFill>
@@ -8363,7 +8531,42 @@
                 <a:ea typeface="Arial"/>
                 <a:cs typeface="Arial"/>
               </a:rPr>
-              <a:t>Ft=5.0====&gt;4.164 ms (25 allocations: 1.58 KiB)</a:t>
+              <a:t>Ft=15====&gt; </a:t>
+            </a:r>
+            <a:r>
+              <a:rPr lang="en-US" sz="2400" b="0" i="0" u="none" strike="noStrike" cap="none" spc="0">
+                <a:solidFill>
+                  <a:schemeClr val="accent1">
+                    <a:lumMod val="75000"/>
+                  </a:schemeClr>
+                </a:solidFill>
+                <a:latin typeface="Arial"/>
+                <a:ea typeface="Arial"/>
+                <a:cs typeface="Arial"/>
+              </a:rPr>
+              <a:t>9.702 ms</a:t>
+            </a:r>
+            <a:r>
+              <a:rPr lang="en-US" sz="2400" b="0" i="0" u="none" strike="noStrike" cap="none" spc="0">
+                <a:solidFill>
+                  <a:schemeClr val="tx1"/>
+                </a:solidFill>
+                <a:latin typeface="Arial"/>
+                <a:ea typeface="Arial"/>
+                <a:cs typeface="Arial"/>
+              </a:rPr>
+              <a:t> (25 allocations: 1.58 KiB)</a:t>
+            </a:r>
+            <a:r>
+              <a:rPr lang="en-US" sz="2400" b="0" i="0" u="none" strike="noStrike" cap="none" spc="0">
+                <a:solidFill>
+                  <a:schemeClr val="tx1"/>
+                </a:solidFill>
+                <a:latin typeface="Arial"/>
+                <a:ea typeface="Arial"/>
+                <a:cs typeface="Arial"/>
+              </a:rPr>
+              <a:t>      </a:t>
             </a:r>
             <a:endParaRPr sz="2400" b="0" i="0" u="none" strike="noStrike" cap="none" spc="0">
               <a:solidFill>
@@ -8375,9 +8578,7 @@
             </a:endParaRPr>
           </a:p>
           <a:p>
-            <a:pPr marL="0" indent="0">
-              <a:buFont typeface="Arial"/>
-              <a:buNone/>
+            <a:pPr>
               <a:defRPr/>
             </a:pPr>
             <a:r>
@@ -8385,46 +8586,25 @@
                 <a:solidFill>
                   <a:schemeClr val="tx1"/>
                 </a:solidFill>
+                <a:highlight>
+                  <a:srgbClr val="FFFF00"/>
+                </a:highlight>
                 <a:latin typeface="Arial"/>
                 <a:ea typeface="Arial"/>
                 <a:cs typeface="Arial"/>
               </a:rPr>
-              <a:t>Ft=15====&gt; </a:t>
+              <a:t>QSS1  </a:t>
             </a:r>
             <a:r>
               <a:rPr lang="en-US" sz="2400" b="0" i="0" u="none" strike="noStrike" cap="none" spc="0">
                 <a:solidFill>
-                  <a:schemeClr val="accent1">
-                    <a:lumMod val="75000"/>
-                  </a:schemeClr>
+                  <a:schemeClr val="tx1"/>
                 </a:solidFill>
                 <a:latin typeface="Arial"/>
                 <a:ea typeface="Arial"/>
                 <a:cs typeface="Arial"/>
               </a:rPr>
-              <a:t>9.702 ms</a:t>
-            </a:r>
-            <a:r>
-              <a:rPr lang="en-US" sz="2400" b="0" i="0" u="none" strike="noStrike" cap="none" spc="0">
-                <a:solidFill>
-                  <a:schemeClr val="tx1"/>
-                </a:solidFill>
-                <a:latin typeface="Arial"/>
-                <a:ea typeface="Arial"/>
-                <a:cs typeface="Arial"/>
-              </a:rPr>
-              <a:t> (25 allocations: 1.58 KiB)</a:t>
-            </a:r>
-            <a:r>
-              <a:rPr lang="en-US" sz="2400" b="0" i="0" u="none" strike="noStrike" cap="none" spc="0">
-                <a:solidFill>
-                  <a:schemeClr val="tx1"/>
-                </a:solidFill>
-                <a:latin typeface="Arial"/>
-                <a:ea typeface="Arial"/>
-                <a:cs typeface="Arial"/>
-              </a:rPr>
-              <a:t>      </a:t>
+              <a:t>With saving the solution</a:t>
             </a:r>
             <a:endParaRPr sz="2400" b="0" i="0" u="none" strike="noStrike" cap="none" spc="0">
               <a:solidFill>
@@ -8450,7 +8630,29 @@
                 <a:ea typeface="Arial"/>
                 <a:cs typeface="Arial"/>
               </a:rPr>
-              <a:t>With saving the solution</a:t>
+              <a:t>Ft=0.5====&gt;1.072 ms (27661 allocations: </a:t>
+            </a:r>
+            <a:r>
+              <a:rPr lang="en-US" sz="2400" b="0" i="0" u="none" strike="noStrike" cap="none" spc="0">
+                <a:solidFill>
+                  <a:srgbClr val="00B050"/>
+                </a:solidFill>
+                <a:latin typeface="Arial"/>
+                <a:ea typeface="Arial"/>
+                <a:cs typeface="Arial"/>
+              </a:rPr>
+              <a:t>628.23 KiB</a:t>
+            </a:r>
+            <a:r>
+              <a:rPr lang="en-US" sz="2400" b="0" i="0" u="none" strike="noStrike" cap="none" spc="0">
+                <a:solidFill>
+                  <a:schemeClr val="tx1"/>
+                </a:solidFill>
+                <a:latin typeface="Arial"/>
+                <a:ea typeface="Arial"/>
+                <a:cs typeface="Arial"/>
+              </a:rPr>
+              <a:t>)</a:t>
             </a:r>
             <a:endParaRPr sz="2400" b="0" i="0" u="none" strike="noStrike" cap="none" spc="0">
               <a:solidFill>
@@ -8476,29 +8678,7 @@
                 <a:ea typeface="Arial"/>
                 <a:cs typeface="Arial"/>
               </a:rPr>
-              <a:t>Ft=0.5====&gt;1.072 ms (27661 allocations: </a:t>
-            </a:r>
-            <a:r>
-              <a:rPr lang="en-US" sz="2400" b="0" i="0" u="none" strike="noStrike" cap="none" spc="0">
-                <a:solidFill>
-                  <a:srgbClr val="00B050"/>
-                </a:solidFill>
-                <a:latin typeface="Arial"/>
-                <a:ea typeface="Arial"/>
-                <a:cs typeface="Arial"/>
-              </a:rPr>
-              <a:t>628.23 KiB</a:t>
-            </a:r>
-            <a:r>
-              <a:rPr lang="en-US" sz="2400" b="0" i="0" u="none" strike="noStrike" cap="none" spc="0">
-                <a:solidFill>
-                  <a:schemeClr val="tx1"/>
-                </a:solidFill>
-                <a:latin typeface="Arial"/>
-                <a:ea typeface="Arial"/>
-                <a:cs typeface="Arial"/>
-              </a:rPr>
-              <a:t>)</a:t>
+              <a:t>Ft=5.0====&gt;32.430 ms (777083 allocations: 18.69 MiB)</a:t>
             </a:r>
             <a:endParaRPr sz="2400" b="0" i="0" u="none" strike="noStrike" cap="none" spc="0">
               <a:solidFill>
@@ -8524,7 +8704,53 @@
                 <a:ea typeface="Arial"/>
                 <a:cs typeface="Arial"/>
               </a:rPr>
-              <a:t>Ft=5.0====&gt;32.430 ms (777083 allocations: 18.69 MiB)</a:t>
+              <a:t>Ft=15====&gt; </a:t>
+            </a:r>
+            <a:r>
+              <a:rPr lang="en-US" sz="2400" b="0" i="0" u="none" strike="noStrike" cap="none" spc="0">
+                <a:solidFill>
+                  <a:schemeClr val="accent1">
+                    <a:lumMod val="75000"/>
+                  </a:schemeClr>
+                </a:solidFill>
+                <a:latin typeface="Arial"/>
+                <a:ea typeface="Arial"/>
+                <a:cs typeface="Arial"/>
+              </a:rPr>
+              <a:t>45.258 ms</a:t>
+            </a:r>
+            <a:r>
+              <a:rPr lang="en-US" sz="2400" b="0" i="0" u="none" strike="noStrike" cap="none" spc="0">
+                <a:solidFill>
+                  <a:schemeClr val="tx1"/>
+                </a:solidFill>
+                <a:latin typeface="Arial"/>
+                <a:ea typeface="Arial"/>
+                <a:cs typeface="Arial"/>
+              </a:rPr>
+              <a:t> (1446596 allocations: </a:t>
+            </a:r>
+            <a:r>
+              <a:rPr lang="en-US" sz="2400" b="0" i="0" u="none" strike="noStrike" cap="none" spc="0">
+                <a:solidFill>
+                  <a:srgbClr val="FF0000"/>
+                </a:solidFill>
+                <a:latin typeface="Arial"/>
+                <a:ea typeface="Arial"/>
+                <a:cs typeface="Arial"/>
+              </a:rPr>
+              <a:t>34.26 MiB</a:t>
+            </a:r>
+            <a:r>
+              <a:rPr lang="en-US" sz="2400" b="0" i="0" u="none" strike="noStrike" cap="none" spc="0">
+                <a:solidFill>
+                  <a:schemeClr val="tx1"/>
+                </a:solidFill>
+                <a:latin typeface="Arial"/>
+                <a:ea typeface="Arial"/>
+                <a:cs typeface="Arial"/>
+              </a:rPr>
+              <a:t>)</a:t>
             </a:r>
             <a:endParaRPr sz="2400" b="0" i="0" u="none" strike="noStrike" cap="none" spc="0">
               <a:solidFill>
@@ -8536,9 +8762,7 @@
             </a:endParaRPr>
           </a:p>
           <a:p>
-            <a:pPr marL="0" indent="0">
-              <a:buFont typeface="Arial"/>
-              <a:buNone/>
+            <a:pPr>
               <a:defRPr/>
             </a:pPr>
             <a:r>
@@ -8546,57 +8770,25 @@
                 <a:solidFill>
                   <a:schemeClr val="tx1"/>
                 </a:solidFill>
+                <a:highlight>
+                  <a:srgbClr val="FFFF00"/>
+                </a:highlight>
                 <a:latin typeface="Arial"/>
                 <a:ea typeface="Arial"/>
                 <a:cs typeface="Arial"/>
               </a:rPr>
-              <a:t>Ft=15====&gt; </a:t>
+              <a:t>ODE_DIFF</a:t>
             </a:r>
             <a:r>
               <a:rPr lang="en-US" sz="2400" b="0" i="0" u="none" strike="noStrike" cap="none" spc="0">
                 <a:solidFill>
-                  <a:schemeClr val="accent1">
-                    <a:lumMod val="75000"/>
-                  </a:schemeClr>
+                  <a:schemeClr val="tx1"/>
                 </a:solidFill>
                 <a:latin typeface="Arial"/>
                 <a:ea typeface="Arial"/>
                 <a:cs typeface="Arial"/>
               </a:rPr>
-              <a:t>45.258 ms</a:t>
-            </a:r>
-            <a:r>
-              <a:rPr lang="en-US" sz="2400" b="0" i="0" u="none" strike="noStrike" cap="none" spc="0">
-                <a:solidFill>
-                  <a:schemeClr val="tx1"/>
-                </a:solidFill>
-                <a:latin typeface="Arial"/>
-                <a:ea typeface="Arial"/>
-                <a:cs typeface="Arial"/>
-              </a:rPr>
-              <a:t> (1446596 allocations: </a:t>
-            </a:r>
-            <a:r>
-              <a:rPr lang="en-US" sz="2400" b="0" i="0" u="none" strike="noStrike" cap="none" spc="0">
-                <a:solidFill>
-                  <a:srgbClr val="FF0000"/>
-                </a:solidFill>
-                <a:latin typeface="Arial"/>
-                <a:ea typeface="Arial"/>
-                <a:cs typeface="Arial"/>
-              </a:rPr>
-              <a:t>34.26 MiB</a:t>
-            </a:r>
-            <a:r>
-              <a:rPr lang="en-US" sz="2400" b="0" i="0" u="none" strike="noStrike" cap="none" spc="0">
-                <a:solidFill>
-                  <a:schemeClr val="tx1"/>
-                </a:solidFill>
-                <a:latin typeface="Arial"/>
-                <a:ea typeface="Arial"/>
-                <a:cs typeface="Arial"/>
-              </a:rPr>
-              <a:t>)</a:t>
+              <a:t> default </a:t>
             </a:r>
             <a:endParaRPr sz="2400" b="0" i="0" u="none" strike="noStrike" cap="none" spc="0">
               <a:solidFill>
@@ -8608,7 +8800,9 @@
             </a:endParaRPr>
           </a:p>
           <a:p>
-            <a:pPr>
+            <a:pPr marL="0" indent="0">
+              <a:buFont typeface="Arial"/>
+              <a:buNone/>
               <a:defRPr/>
             </a:pPr>
             <a:r>
@@ -8616,25 +8810,33 @@
                 <a:solidFill>
                   <a:schemeClr val="tx1"/>
                 </a:solidFill>
-                <a:highlight>
-                  <a:srgbClr val="FFFF00"/>
-                </a:highlight>
                 <a:latin typeface="Arial"/>
                 <a:ea typeface="Arial"/>
                 <a:cs typeface="Arial"/>
               </a:rPr>
-              <a:t>ODE_DIFF</a:t>
+              <a:t>Ft=0.5====&gt;128.246 μs (575 allocations: </a:t>
             </a:r>
             <a:r>
               <a:rPr lang="en-US" sz="2400" b="0" i="0" u="none" strike="noStrike" cap="none" spc="0">
                 <a:solidFill>
-                  <a:schemeClr val="tx1"/>
+                  <a:srgbClr val="00B050"/>
                 </a:solidFill>
                 <a:latin typeface="Arial"/>
                 <a:ea typeface="Arial"/>
                 <a:cs typeface="Arial"/>
               </a:rPr>
-              <a:t> </a:t>
+              <a:t>46.20 KiB</a:t>
+            </a:r>
+            <a:r>
+              <a:rPr lang="en-US" sz="2400" b="0" i="0" u="none" strike="noStrike" cap="none" spc="0">
+                <a:solidFill>
+                  <a:schemeClr val="tx1"/>
+                </a:solidFill>
+                <a:latin typeface="Arial"/>
+                <a:ea typeface="Arial"/>
+                <a:cs typeface="Arial"/>
+              </a:rPr>
+              <a:t>)</a:t>
             </a:r>
             <a:endParaRPr sz="2400" b="0" i="0" u="none" strike="noStrike" cap="none" spc="0">
               <a:solidFill>
@@ -8660,29 +8862,7 @@
                 <a:ea typeface="Arial"/>
                 <a:cs typeface="Arial"/>
               </a:rPr>
-              <a:t>Ft=0.5====&gt;128.246 μs (575 allocations: </a:t>
-            </a:r>
-            <a:r>
-              <a:rPr lang="en-US" sz="2400" b="0" i="0" u="none" strike="noStrike" cap="none" spc="0">
-                <a:solidFill>
-                  <a:srgbClr val="00B050"/>
-                </a:solidFill>
-                <a:latin typeface="Arial"/>
-                <a:ea typeface="Arial"/>
-                <a:cs typeface="Arial"/>
-              </a:rPr>
-              <a:t>46.20 KiB</a:t>
-            </a:r>
-            <a:r>
-              <a:rPr lang="en-US" sz="2400" b="0" i="0" u="none" strike="noStrike" cap="none" spc="0">
-                <a:solidFill>
-                  <a:schemeClr val="tx1"/>
-                </a:solidFill>
-                <a:latin typeface="Arial"/>
-                <a:ea typeface="Arial"/>
-                <a:cs typeface="Arial"/>
-              </a:rPr>
-              <a:t>)</a:t>
+              <a:t>Ft=5.0====&gt;133.143 μs (657 allocations: 53.14 KiB)</a:t>
             </a:r>
             <a:endParaRPr sz="2400" b="0" i="0" u="none" strike="noStrike" cap="none" spc="0">
               <a:solidFill>
@@ -8708,7 +8888,242 @@
                 <a:ea typeface="Arial"/>
                 <a:cs typeface="Arial"/>
               </a:rPr>
-              <a:t>Ft=5.0====&gt;133.143 μs (657 allocations: 53.14 KiB)</a:t>
+              <a:t>Ft=15====&gt;</a:t>
+            </a:r>
+            <a:r>
+              <a:rPr lang="en-US" sz="2400" b="0" i="0" u="none" strike="noStrike" cap="none" spc="0">
+                <a:solidFill>
+                  <a:schemeClr val="accent1">
+                    <a:lumMod val="75000"/>
+                  </a:schemeClr>
+                </a:solidFill>
+                <a:latin typeface="Arial"/>
+                <a:ea typeface="Arial"/>
+                <a:cs typeface="Arial"/>
+              </a:rPr>
+              <a:t>146.018 μs</a:t>
+            </a:r>
+            <a:r>
+              <a:rPr lang="en-US" sz="2400" b="0" i="0" u="none" strike="noStrike" cap="none" spc="0">
+                <a:solidFill>
+                  <a:schemeClr val="tx1"/>
+                </a:solidFill>
+                <a:latin typeface="Arial"/>
+                <a:ea typeface="Arial"/>
+                <a:cs typeface="Arial"/>
+              </a:rPr>
+              <a:t> (774 allocations: </a:t>
+            </a:r>
+            <a:r>
+              <a:rPr lang="en-US" sz="2400" b="0" i="0" u="none" strike="noStrike" cap="none" spc="0">
+                <a:solidFill>
+                  <a:srgbClr val="FF0000"/>
+                </a:solidFill>
+                <a:latin typeface="Arial"/>
+                <a:ea typeface="Arial"/>
+                <a:cs typeface="Arial"/>
+              </a:rPr>
+              <a:t>62.69 KiB</a:t>
+            </a:r>
+            <a:r>
+              <a:rPr lang="en-US" sz="2400" b="0" i="0" u="none" strike="noStrike" cap="none" spc="0">
+                <a:solidFill>
+                  <a:schemeClr val="tx1"/>
+                </a:solidFill>
+                <a:latin typeface="Arial"/>
+                <a:ea typeface="Arial"/>
+                <a:cs typeface="Arial"/>
+              </a:rPr>
+              <a:t>)</a:t>
+            </a:r>
+            <a:endParaRPr lang="en-US" sz="2400" b="0" i="0" u="none" strike="noStrike" cap="none" spc="0">
+              <a:solidFill>
+                <a:schemeClr val="tx1"/>
+              </a:solidFill>
+              <a:latin typeface="Arial"/>
+              <a:ea typeface="Arial"/>
+              <a:cs typeface="Arial"/>
+            </a:endParaRPr>
+          </a:p>
+          <a:p>
+            <a:pPr>
+              <a:defRPr/>
+            </a:pPr>
+            <a:r>
+              <a:rPr lang="en-US" sz="2400" b="0" i="0" u="none" strike="noStrike" cap="none" spc="0">
+                <a:solidFill>
+                  <a:schemeClr val="tx1"/>
+                </a:solidFill>
+                <a:highlight>
+                  <a:srgbClr val="FFFF00"/>
+                </a:highlight>
+                <a:latin typeface="Arial"/>
+                <a:ea typeface="Arial"/>
+                <a:cs typeface="Arial"/>
+              </a:rPr>
+              <a:t>ODE_DIFF</a:t>
+            </a:r>
+            <a:r>
+              <a:rPr lang="en-US" sz="2400" b="0" i="0" u="none" strike="noStrike" cap="none" spc="0">
+                <a:solidFill>
+                  <a:schemeClr val="tx1"/>
+                </a:solidFill>
+                <a:latin typeface="Arial"/>
+                <a:ea typeface="Arial"/>
+                <a:cs typeface="Arial"/>
+              </a:rPr>
+              <a:t> </a:t>
+            </a:r>
+            <a:r>
+              <a:rPr sz="1800" b="1" i="0" u="none">
+                <a:solidFill>
+                  <a:srgbClr val="FF0000"/>
+                </a:solidFill>
+                <a:latin typeface="Droid Sans Mono"/>
+                <a:ea typeface="Droid Sans Mono"/>
+                <a:cs typeface="Droid Sans Mono"/>
+              </a:rPr>
+              <a:t>BS3</a:t>
+            </a:r>
+            <a:r>
+              <a:rPr sz="1800" b="1" i="0" u="none">
+                <a:solidFill>
+                  <a:srgbClr val="FF0000"/>
+                </a:solidFill>
+                <a:latin typeface="Droid Sans Mono"/>
+                <a:ea typeface="Droid Sans Mono"/>
+                <a:cs typeface="Droid Sans Mono"/>
+              </a:rPr>
+              <a:t>()</a:t>
+            </a:r>
+            <a:r>
+              <a:rPr lang="en-US" sz="2400" b="1" i="0" u="none" strike="noStrike" cap="none" spc="0">
+                <a:solidFill>
+                  <a:srgbClr val="FF0000"/>
+                </a:solidFill>
+                <a:latin typeface="Arial"/>
+                <a:ea typeface="Arial"/>
+                <a:cs typeface="Arial"/>
+              </a:rPr>
+              <a:t> </a:t>
+            </a:r>
+            <a:r>
+              <a:rPr lang="en-US" sz="1400" b="0" i="0" u="none" strike="noStrike" cap="none" spc="0">
+                <a:solidFill>
+                  <a:schemeClr val="tx1"/>
+                </a:solidFill>
+                <a:latin typeface="Arial"/>
+                <a:ea typeface="Arial"/>
+                <a:cs typeface="Arial"/>
+              </a:rPr>
+              <a:t>equivalent matlab</a:t>
+            </a:r>
+            <a:r>
+              <a:rPr lang="en-US" sz="1400" b="0" i="0" u="none" strike="noStrike" cap="none" spc="0">
+                <a:solidFill>
+                  <a:schemeClr val="tx1"/>
+                </a:solidFill>
+                <a:latin typeface="Arial"/>
+                <a:ea typeface="Arial"/>
+                <a:cs typeface="Arial"/>
+              </a:rPr>
+              <a:t> </a:t>
+            </a:r>
+            <a:r>
+              <a:rPr sz="1400" b="0" i="0" u="none">
+                <a:solidFill>
+                  <a:srgbClr val="000000"/>
+                </a:solidFill>
+                <a:latin typeface="Times New Roman"/>
+                <a:ea typeface="Times New Roman"/>
+                <a:cs typeface="Times New Roman"/>
+              </a:rPr>
+              <a:t>ODE23 explicit Runge-Kutta (2,3 </a:t>
+            </a:r>
+            <a:r>
+              <a:rPr lang="en-US" sz="1400" b="0" i="0" u="none" strike="noStrike" cap="none" spc="0">
+                <a:solidFill>
+                  <a:schemeClr val="tx1"/>
+                </a:solidFill>
+                <a:latin typeface="Arial"/>
+                <a:ea typeface="Arial"/>
+                <a:cs typeface="Arial"/>
+              </a:rPr>
+              <a:t>)</a:t>
+            </a:r>
+            <a:endParaRPr sz="1400" b="0" i="0" u="none" strike="noStrike" cap="none" spc="0">
+              <a:solidFill>
+                <a:schemeClr val="tx1"/>
+              </a:solidFill>
+              <a:latin typeface="Arial"/>
+              <a:ea typeface="Arial"/>
+              <a:cs typeface="Arial"/>
+            </a:endParaRPr>
+          </a:p>
+          <a:p>
+            <a:pPr marL="0" indent="0">
+              <a:buFont typeface="Arial"/>
+              <a:buNone/>
+              <a:defRPr/>
+            </a:pPr>
+            <a:r>
+              <a:rPr lang="en-US" sz="2400" b="0" i="0" u="none" strike="noStrike" cap="none" spc="0">
+                <a:solidFill>
+                  <a:schemeClr val="tx1"/>
+                </a:solidFill>
+                <a:latin typeface="Arial"/>
+                <a:ea typeface="Arial"/>
+                <a:cs typeface="Arial"/>
+              </a:rPr>
+              <a:t>Ft=0.5====&gt;</a:t>
+            </a:r>
+            <a:r>
+              <a:rPr lang="en-US" sz="2200" b="0" i="0" u="none" strike="noStrike" cap="none" spc="0">
+                <a:solidFill>
+                  <a:schemeClr val="tx1"/>
+                </a:solidFill>
+                <a:latin typeface="Arial"/>
+                <a:ea typeface="Arial"/>
+                <a:cs typeface="Arial"/>
+              </a:rPr>
+              <a:t>52.893 μs (327 allocations: 19.73 KiB)</a:t>
+            </a:r>
+            <a:endParaRPr lang="en-US" sz="2800" b="0" i="0" u="none" strike="noStrike" cap="none" spc="0">
+              <a:solidFill>
+                <a:schemeClr val="tx1"/>
+              </a:solidFill>
+              <a:latin typeface="Arial"/>
+              <a:ea typeface="Arial"/>
+              <a:cs typeface="Arial"/>
+            </a:endParaRPr>
+          </a:p>
+          <a:p>
+            <a:pPr marL="0" indent="0">
+              <a:buFont typeface="Arial"/>
+              <a:buNone/>
+              <a:defRPr/>
+            </a:pPr>
+            <a:r>
+              <a:rPr lang="en-US" sz="2400" b="0" i="0" u="none" strike="noStrike" cap="none" spc="0">
+                <a:solidFill>
+                  <a:schemeClr val="tx1"/>
+                </a:solidFill>
+                <a:latin typeface="Arial"/>
+                <a:ea typeface="Arial"/>
+                <a:cs typeface="Arial"/>
+              </a:rPr>
+              <a:t>Ft=5.0====&gt;</a:t>
+            </a:r>
+            <a:r>
+              <a:rPr lang="en-US" sz="2200" b="0" i="0" u="none" strike="noStrike" cap="none" spc="0">
+                <a:solidFill>
+                  <a:schemeClr val="tx1"/>
+                </a:solidFill>
+                <a:latin typeface="Arial"/>
+                <a:ea typeface="Arial"/>
+                <a:cs typeface="Arial"/>
+              </a:rPr>
+              <a:t>59.900 μs (403 allocations: 25.38 KiB)</a:t>
             </a:r>
             <a:endParaRPr sz="2400" b="0" i="0" u="none" strike="noStrike" cap="none" spc="0">
               <a:solidFill>
@@ -8737,52 +9152,39 @@
               <a:t>Ft=15====&gt;</a:t>
             </a:r>
             <a:r>
-              <a:rPr lang="en-US" sz="2400" b="0" i="0" u="none" strike="noStrike" cap="none" spc="0">
-                <a:solidFill>
-                  <a:schemeClr val="accent1">
-                    <a:lumMod val="75000"/>
-                  </a:schemeClr>
+              <a:rPr lang="en-US" sz="1800" b="0" i="0" u="none" strike="noStrike" cap="none" spc="0">
+                <a:solidFill>
+                  <a:schemeClr val="tx1"/>
                 </a:solidFill>
                 <a:latin typeface="Arial"/>
                 <a:ea typeface="Arial"/>
                 <a:cs typeface="Arial"/>
               </a:rPr>
-              <a:t>146.018 μs</a:t>
-            </a:r>
-            <a:r>
-              <a:rPr lang="en-US" sz="2400" b="0" i="0" u="none" strike="noStrike" cap="none" spc="0">
-                <a:solidFill>
-                  <a:schemeClr val="tx1"/>
+              <a:t> </a:t>
+            </a:r>
+            <a:r>
+              <a:rPr lang="en-US" sz="2200" b="0" i="0" u="none" strike="noStrike" cap="none" spc="0">
+                <a:solidFill>
+                  <a:srgbClr val="0070C0"/>
                 </a:solidFill>
                 <a:latin typeface="Arial"/>
                 <a:ea typeface="Arial"/>
                 <a:cs typeface="Arial"/>
               </a:rPr>
-              <a:t> (774 allocations: </a:t>
-            </a:r>
-            <a:r>
-              <a:rPr lang="en-US" sz="2400" b="0" i="0" u="none" strike="noStrike" cap="none" spc="0">
-                <a:solidFill>
-                  <a:srgbClr val="FF0000"/>
+              <a:t>73.372 μs</a:t>
+            </a:r>
+            <a:r>
+              <a:rPr lang="en-US" sz="2200" b="0" i="0" u="none" strike="noStrike" cap="none" spc="0">
+                <a:solidFill>
+                  <a:schemeClr val="tx1"/>
                 </a:solidFill>
                 <a:latin typeface="Arial"/>
                 <a:ea typeface="Arial"/>
                 <a:cs typeface="Arial"/>
               </a:rPr>
-              <a:t>62.69 KiB</a:t>
-            </a:r>
-            <a:r>
-              <a:rPr lang="en-US" sz="2400" b="0" i="0" u="none" strike="noStrike" cap="none" spc="0">
-                <a:solidFill>
-                  <a:schemeClr val="tx1"/>
-                </a:solidFill>
-                <a:latin typeface="Arial"/>
-                <a:ea typeface="Arial"/>
-                <a:cs typeface="Arial"/>
-              </a:rPr>
-              <a:t>)</a:t>
-            </a:r>
-            <a:endParaRPr sz="2400" b="0" i="0" u="none" strike="noStrike" cap="none" spc="0">
+              <a:t> (550 allocations: 40.42 KiB)</a:t>
+            </a:r>
+            <a:endParaRPr sz="2800" b="0" i="0" u="none" strike="noStrike" cap="none" spc="0">
               <a:solidFill>
                 <a:schemeClr val="tx1"/>
               </a:solidFill>
@@ -8897,7 +9299,7 @@
         <p:spPr bwMode="auto">
           <a:xfrm flipH="0" flipV="0">
             <a:off x="88363" y="606136"/>
-            <a:ext cx="12036136" cy="6234545"/>
+            <a:ext cx="12036135" cy="6234544"/>
           </a:xfrm>
         </p:spPr>
         <p:txBody>
@@ -9487,7 +9889,7 @@
         </p:nvSpPr>
         <p:spPr bwMode="auto">
           <a:xfrm flipH="0" flipV="0">
-            <a:off x="838199" y="365123"/>
+            <a:off x="838198" y="365123"/>
             <a:ext cx="10515600" cy="678089"/>
           </a:xfrm>
         </p:spPr>
@@ -9507,7 +9909,7 @@
                 <a:ea typeface="+mj-ea"/>
                 <a:cs typeface="+mj-cs"/>
               </a:rPr>
-              <a:t>Discussion </a:t>
+              <a:t>Observation-Discussion </a:t>
             </a:r>
             <a:endParaRPr sz="2800"/>
           </a:p>
@@ -9526,7 +9928,7 @@
         <p:spPr bwMode="auto"/>
         <p:txBody>
           <a:bodyPr vertOverflow="overflow" horzOverflow="clip" vert="horz" wrap="square" lIns="91440" tIns="45720" rIns="91440" bIns="45720" numCol="1" spcCol="0" rtlCol="0" fromWordArt="0" anchor="t" anchorCtr="0" forceAA="0" upright="0" compatLnSpc="0">
-            <a:normAutofit fontScale="85000" lnSpcReduction="3000"/>
+            <a:normAutofit fontScale="95000" lnSpcReduction="1000"/>
           </a:bodyPr>
           <a:lstStyle/>
           <a:p>
@@ -9558,12 +9960,6 @@
             <a:pPr>
               <a:defRPr/>
             </a:pPr>
-            <a:endParaRPr/>
-          </a:p>
-          <a:p>
-            <a:pPr>
-              <a:defRPr/>
-            </a:pPr>
             <a:r>
               <a:rPr/>
               <a:t>Solve(odeProblem) is order 2 at least whereas qss1 is order1</a:t>
@@ -9577,16 +9973,6 @@
             <a:r>
               <a:rPr/>
               <a:t>It was mentioned in the litterature that qss methods are not better than classic methods unless the system contains discontinuities.</a:t>
-            </a:r>
-            <a:endParaRPr/>
-          </a:p>
-          <a:p>
-            <a:pPr>
-              <a:defRPr/>
-            </a:pPr>
-            <a:r>
-              <a:rPr/>
-              <a:t>Currently the qss package is just a prototype: </a:t>
             </a:r>
             <a:endParaRPr/>
           </a:p>
